--- a/rel-unity-src/2d_ui_ecran_titre/2d_ui_ecran_titre.pptx
+++ b/rel-unity-src/2d_ui_ecran_titre/2d_ui_ecran_titre.pptx
@@ -26,6 +26,8 @@
     <p:sldId id="276" r:id="rId20"/>
     <p:sldId id="277" r:id="rId21"/>
     <p:sldId id="278" r:id="rId22"/>
+    <p:sldId id="280" r:id="rId23"/>
+    <p:sldId id="279" r:id="rId24"/>
   </p:sldIdLst>
   <p:sldSz cx="12192000" cy="6858000"/>
   <p:notesSz cx="6858000" cy="9144000"/>
@@ -135,7 +137,7 @@
 <file path=ppt/revisionInfo.xml><?xml version="1.0" encoding="utf-8"?>
 <p1510:revInfo xmlns:a="http://schemas.openxmlformats.org/drawingml/2006/main" xmlns:r="http://schemas.openxmlformats.org/officeDocument/2006/relationships" xmlns:p1510="http://schemas.microsoft.com/office/powerpoint/2015/10/main">
   <p1510:revLst>
-    <p1510:client id="{0CB35A17-9EB5-43A2-BCD2-B142904F17FE}" v="10" dt="2022-10-13T02:11:39.611"/>
+    <p1510:client id="{0CB35A17-9EB5-43A2-BCD2-B142904F17FE}" v="121" dt="2022-10-13T19:09:14.237"/>
   </p1510:revLst>
 </p1510:revInfo>
 </file>
@@ -144,17 +146,809 @@
 <pc:chgInfo xmlns:a="http://schemas.openxmlformats.org/drawingml/2006/main" xmlns:r="http://schemas.openxmlformats.org/officeDocument/2006/relationships" xmlns:ac="http://schemas.microsoft.com/office/drawing/2013/main/command" xmlns:pc="http://schemas.microsoft.com/office/powerpoint/2013/main/command">
   <pc:docChgLst>
     <pc:chgData name="Thomas O Fredericks" userId="9a40f032a9b16fc7" providerId="LiveId" clId="{0CB35A17-9EB5-43A2-BCD2-B142904F17FE}"/>
-    <pc:docChg chg="addSld modSld">
-      <pc:chgData name="Thomas O Fredericks" userId="9a40f032a9b16fc7" providerId="LiveId" clId="{0CB35A17-9EB5-43A2-BCD2-B142904F17FE}" dt="2022-10-13T02:11:39.611" v="9"/>
+    <pc:docChg chg="undo custSel addSld modSld">
+      <pc:chgData name="Thomas O Fredericks" userId="9a40f032a9b16fc7" providerId="LiveId" clId="{0CB35A17-9EB5-43A2-BCD2-B142904F17FE}" dt="2022-10-13T19:09:18.836" v="715" actId="14100"/>
       <pc:docMkLst>
         <pc:docMk/>
       </pc:docMkLst>
+      <pc:sldChg chg="addSp modSp">
+        <pc:chgData name="Thomas O Fredericks" userId="9a40f032a9b16fc7" providerId="LiveId" clId="{0CB35A17-9EB5-43A2-BCD2-B142904F17FE}" dt="2022-10-13T16:36:34.036" v="21" actId="20577"/>
+        <pc:sldMkLst>
+          <pc:docMk/>
+          <pc:sldMk cId="385439647" sldId="257"/>
+        </pc:sldMkLst>
+        <pc:spChg chg="add mod">
+          <ac:chgData name="Thomas O Fredericks" userId="9a40f032a9b16fc7" providerId="LiveId" clId="{0CB35A17-9EB5-43A2-BCD2-B142904F17FE}" dt="2022-10-13T16:32:47.451" v="13" actId="1076"/>
+          <ac:spMkLst>
+            <pc:docMk/>
+            <pc:sldMk cId="385439647" sldId="257"/>
+            <ac:spMk id="2" creationId="{2A551EF9-9CA6-4369-A468-C6F78E3EA35C}"/>
+          </ac:spMkLst>
+        </pc:spChg>
+        <pc:spChg chg="add mod">
+          <ac:chgData name="Thomas O Fredericks" userId="9a40f032a9b16fc7" providerId="LiveId" clId="{0CB35A17-9EB5-43A2-BCD2-B142904F17FE}" dt="2022-10-13T16:36:24.294" v="17" actId="20577"/>
+          <ac:spMkLst>
+            <pc:docMk/>
+            <pc:sldMk cId="385439647" sldId="257"/>
+            <ac:spMk id="4" creationId="{B3EAAB00-350F-40F2-A4E9-D7AE1F6AE245}"/>
+          </ac:spMkLst>
+        </pc:spChg>
+        <pc:spChg chg="add mod">
+          <ac:chgData name="Thomas O Fredericks" userId="9a40f032a9b16fc7" providerId="LiveId" clId="{0CB35A17-9EB5-43A2-BCD2-B142904F17FE}" dt="2022-10-13T16:36:34.036" v="21" actId="20577"/>
+          <ac:spMkLst>
+            <pc:docMk/>
+            <pc:sldMk cId="385439647" sldId="257"/>
+            <ac:spMk id="5" creationId="{CA495564-E2FA-42DC-A1D0-FFEAA74FA5BD}"/>
+          </ac:spMkLst>
+        </pc:spChg>
+      </pc:sldChg>
+      <pc:sldChg chg="addSp modSp">
+        <pc:chgData name="Thomas O Fredericks" userId="9a40f032a9b16fc7" providerId="LiveId" clId="{0CB35A17-9EB5-43A2-BCD2-B142904F17FE}" dt="2022-10-13T18:16:40.272" v="25" actId="1076"/>
+        <pc:sldMkLst>
+          <pc:docMk/>
+          <pc:sldMk cId="1345250895" sldId="258"/>
+        </pc:sldMkLst>
+        <pc:spChg chg="add mod">
+          <ac:chgData name="Thomas O Fredericks" userId="9a40f032a9b16fc7" providerId="LiveId" clId="{0CB35A17-9EB5-43A2-BCD2-B142904F17FE}" dt="2022-10-13T18:16:33.149" v="23" actId="1076"/>
+          <ac:spMkLst>
+            <pc:docMk/>
+            <pc:sldMk cId="1345250895" sldId="258"/>
+            <ac:spMk id="4" creationId="{B1E0C768-813E-40E5-9324-E0B79BCAE9D6}"/>
+          </ac:spMkLst>
+        </pc:spChg>
+        <pc:spChg chg="add mod">
+          <ac:chgData name="Thomas O Fredericks" userId="9a40f032a9b16fc7" providerId="LiveId" clId="{0CB35A17-9EB5-43A2-BCD2-B142904F17FE}" dt="2022-10-13T18:16:40.272" v="25" actId="1076"/>
+          <ac:spMkLst>
+            <pc:docMk/>
+            <pc:sldMk cId="1345250895" sldId="258"/>
+            <ac:spMk id="5" creationId="{CC159A7E-7085-404B-B2BE-B8FD859C2CFE}"/>
+          </ac:spMkLst>
+        </pc:spChg>
+      </pc:sldChg>
+      <pc:sldChg chg="addSp modSp">
+        <pc:chgData name="Thomas O Fredericks" userId="9a40f032a9b16fc7" providerId="LiveId" clId="{0CB35A17-9EB5-43A2-BCD2-B142904F17FE}" dt="2022-10-13T18:18:37.046" v="40" actId="2085"/>
+        <pc:sldMkLst>
+          <pc:docMk/>
+          <pc:sldMk cId="3290314333" sldId="259"/>
+        </pc:sldMkLst>
+        <pc:spChg chg="add mod">
+          <ac:chgData name="Thomas O Fredericks" userId="9a40f032a9b16fc7" providerId="LiveId" clId="{0CB35A17-9EB5-43A2-BCD2-B142904F17FE}" dt="2022-10-13T18:18:37.046" v="40" actId="2085"/>
+          <ac:spMkLst>
+            <pc:docMk/>
+            <pc:sldMk cId="3290314333" sldId="259"/>
+            <ac:spMk id="2" creationId="{C5569F20-44E0-492B-953F-DC3883B91455}"/>
+          </ac:spMkLst>
+        </pc:spChg>
+        <pc:spChg chg="add mod">
+          <ac:chgData name="Thomas O Fredericks" userId="9a40f032a9b16fc7" providerId="LiveId" clId="{0CB35A17-9EB5-43A2-BCD2-B142904F17FE}" dt="2022-10-13T18:17:07.340" v="30" actId="1076"/>
+          <ac:spMkLst>
+            <pc:docMk/>
+            <pc:sldMk cId="3290314333" sldId="259"/>
+            <ac:spMk id="6" creationId="{4A58E060-4BD5-4768-8558-A4EBF84CE83A}"/>
+          </ac:spMkLst>
+        </pc:spChg>
+      </pc:sldChg>
+      <pc:sldChg chg="addSp modSp">
+        <pc:chgData name="Thomas O Fredericks" userId="9a40f032a9b16fc7" providerId="LiveId" clId="{0CB35A17-9EB5-43A2-BCD2-B142904F17FE}" dt="2022-10-13T18:17:56.922" v="32" actId="1076"/>
+        <pc:sldMkLst>
+          <pc:docMk/>
+          <pc:sldMk cId="198159866" sldId="260"/>
+        </pc:sldMkLst>
+        <pc:spChg chg="add">
+          <ac:chgData name="Thomas O Fredericks" userId="9a40f032a9b16fc7" providerId="LiveId" clId="{0CB35A17-9EB5-43A2-BCD2-B142904F17FE}" dt="2022-10-13T18:17:53.080" v="31"/>
+          <ac:spMkLst>
+            <pc:docMk/>
+            <pc:sldMk cId="198159866" sldId="260"/>
+            <ac:spMk id="4" creationId="{1615C3A5-5B63-4317-9554-513CAE3D779C}"/>
+          </ac:spMkLst>
+        </pc:spChg>
+        <pc:spChg chg="add mod">
+          <ac:chgData name="Thomas O Fredericks" userId="9a40f032a9b16fc7" providerId="LiveId" clId="{0CB35A17-9EB5-43A2-BCD2-B142904F17FE}" dt="2022-10-13T18:17:56.922" v="32" actId="1076"/>
+          <ac:spMkLst>
+            <pc:docMk/>
+            <pc:sldMk cId="198159866" sldId="260"/>
+            <ac:spMk id="5" creationId="{3982503C-E933-4F9F-8C7D-D54132F24F9F}"/>
+          </ac:spMkLst>
+        </pc:spChg>
+      </pc:sldChg>
       <pc:sldChg chg="addSp delSp modSp">
-        <pc:chgData name="Thomas O Fredericks" userId="9a40f032a9b16fc7" providerId="LiveId" clId="{0CB35A17-9EB5-43A2-BCD2-B142904F17FE}" dt="2022-10-13T01:56:05.111" v="3"/>
+        <pc:chgData name="Thomas O Fredericks" userId="9a40f032a9b16fc7" providerId="LiveId" clId="{0CB35A17-9EB5-43A2-BCD2-B142904F17FE}" dt="2022-10-13T18:19:15.369" v="51" actId="166"/>
+        <pc:sldMkLst>
+          <pc:docMk/>
+          <pc:sldMk cId="3291217388" sldId="262"/>
+        </pc:sldMkLst>
+        <pc:spChg chg="add mod">
+          <ac:chgData name="Thomas O Fredericks" userId="9a40f032a9b16fc7" providerId="LiveId" clId="{0CB35A17-9EB5-43A2-BCD2-B142904F17FE}" dt="2022-10-13T18:18:12.410" v="34" actId="1076"/>
+          <ac:spMkLst>
+            <pc:docMk/>
+            <pc:sldMk cId="3291217388" sldId="262"/>
+            <ac:spMk id="4" creationId="{78C402B1-509B-4B7A-89E9-5CF24643F4FE}"/>
+          </ac:spMkLst>
+        </pc:spChg>
+        <pc:spChg chg="add mod ord">
+          <ac:chgData name="Thomas O Fredericks" userId="9a40f032a9b16fc7" providerId="LiveId" clId="{0CB35A17-9EB5-43A2-BCD2-B142904F17FE}" dt="2022-10-13T18:19:15.369" v="51" actId="166"/>
+          <ac:spMkLst>
+            <pc:docMk/>
+            <pc:sldMk cId="3291217388" sldId="262"/>
+            <ac:spMk id="5" creationId="{7B2BE280-4D93-4187-BF27-83C7F533BCF7}"/>
+          </ac:spMkLst>
+        </pc:spChg>
+        <pc:spChg chg="add del mod">
+          <ac:chgData name="Thomas O Fredericks" userId="9a40f032a9b16fc7" providerId="LiveId" clId="{0CB35A17-9EB5-43A2-BCD2-B142904F17FE}" dt="2022-10-13T18:18:28.746" v="38" actId="478"/>
+          <ac:spMkLst>
+            <pc:docMk/>
+            <pc:sldMk cId="3291217388" sldId="262"/>
+            <ac:spMk id="6" creationId="{A65792DC-E6C2-40E1-9A57-96BD76ABE780}"/>
+          </ac:spMkLst>
+        </pc:spChg>
+        <pc:spChg chg="add mod">
+          <ac:chgData name="Thomas O Fredericks" userId="9a40f032a9b16fc7" providerId="LiveId" clId="{0CB35A17-9EB5-43A2-BCD2-B142904F17FE}" dt="2022-10-13T18:18:48.485" v="44" actId="1076"/>
+          <ac:spMkLst>
+            <pc:docMk/>
+            <pc:sldMk cId="3291217388" sldId="262"/>
+            <ac:spMk id="7" creationId="{452811CB-FD76-491E-9A9F-23C7B7116788}"/>
+          </ac:spMkLst>
+        </pc:spChg>
+        <pc:spChg chg="add mod">
+          <ac:chgData name="Thomas O Fredericks" userId="9a40f032a9b16fc7" providerId="LiveId" clId="{0CB35A17-9EB5-43A2-BCD2-B142904F17FE}" dt="2022-10-13T18:19:09.686" v="50" actId="1076"/>
+          <ac:spMkLst>
+            <pc:docMk/>
+            <pc:sldMk cId="3291217388" sldId="262"/>
+            <ac:spMk id="8" creationId="{D79F6A4F-88EB-4C6F-ADBF-C5F2508EFA78}"/>
+          </ac:spMkLst>
+        </pc:spChg>
+      </pc:sldChg>
+      <pc:sldChg chg="addSp modSp">
+        <pc:chgData name="Thomas O Fredericks" userId="9a40f032a9b16fc7" providerId="LiveId" clId="{0CB35A17-9EB5-43A2-BCD2-B142904F17FE}" dt="2022-10-13T18:22:47.412" v="56" actId="14100"/>
+        <pc:sldMkLst>
+          <pc:docMk/>
+          <pc:sldMk cId="4112719181" sldId="263"/>
+        </pc:sldMkLst>
+        <pc:spChg chg="add mod">
+          <ac:chgData name="Thomas O Fredericks" userId="9a40f032a9b16fc7" providerId="LiveId" clId="{0CB35A17-9EB5-43A2-BCD2-B142904F17FE}" dt="2022-10-13T18:19:38.457" v="53" actId="1076"/>
+          <ac:spMkLst>
+            <pc:docMk/>
+            <pc:sldMk cId="4112719181" sldId="263"/>
+            <ac:spMk id="4" creationId="{6C3446E4-4FC3-48B7-BF92-748D4F78B112}"/>
+          </ac:spMkLst>
+        </pc:spChg>
+        <pc:spChg chg="add mod">
+          <ac:chgData name="Thomas O Fredericks" userId="9a40f032a9b16fc7" providerId="LiveId" clId="{0CB35A17-9EB5-43A2-BCD2-B142904F17FE}" dt="2022-10-13T18:22:47.412" v="56" actId="14100"/>
+          <ac:spMkLst>
+            <pc:docMk/>
+            <pc:sldMk cId="4112719181" sldId="263"/>
+            <ac:spMk id="5" creationId="{AED415E8-EE3C-4336-AFA7-255718234FB5}"/>
+          </ac:spMkLst>
+        </pc:spChg>
+      </pc:sldChg>
+      <pc:sldChg chg="addSp modSp">
+        <pc:chgData name="Thomas O Fredericks" userId="9a40f032a9b16fc7" providerId="LiveId" clId="{0CB35A17-9EB5-43A2-BCD2-B142904F17FE}" dt="2022-10-13T18:23:02.382" v="58" actId="1076"/>
+        <pc:sldMkLst>
+          <pc:docMk/>
+          <pc:sldMk cId="464241263" sldId="264"/>
+        </pc:sldMkLst>
+        <pc:spChg chg="add mod">
+          <ac:chgData name="Thomas O Fredericks" userId="9a40f032a9b16fc7" providerId="LiveId" clId="{0CB35A17-9EB5-43A2-BCD2-B142904F17FE}" dt="2022-10-13T18:23:02.382" v="58" actId="1076"/>
+          <ac:spMkLst>
+            <pc:docMk/>
+            <pc:sldMk cId="464241263" sldId="264"/>
+            <ac:spMk id="4" creationId="{C80E846C-86A6-4FC7-BDA5-A05DE28F7BB8}"/>
+          </ac:spMkLst>
+        </pc:spChg>
+      </pc:sldChg>
+      <pc:sldChg chg="addSp delSp modSp">
+        <pc:chgData name="Thomas O Fredericks" userId="9a40f032a9b16fc7" providerId="LiveId" clId="{0CB35A17-9EB5-43A2-BCD2-B142904F17FE}" dt="2022-10-13T18:23:38.337" v="67" actId="1076"/>
+        <pc:sldMkLst>
+          <pc:docMk/>
+          <pc:sldMk cId="1178532335" sldId="265"/>
+        </pc:sldMkLst>
+        <pc:spChg chg="add mod">
+          <ac:chgData name="Thomas O Fredericks" userId="9a40f032a9b16fc7" providerId="LiveId" clId="{0CB35A17-9EB5-43A2-BCD2-B142904F17FE}" dt="2022-10-13T18:23:19.661" v="61" actId="14100"/>
+          <ac:spMkLst>
+            <pc:docMk/>
+            <pc:sldMk cId="1178532335" sldId="265"/>
+            <ac:spMk id="4" creationId="{0BB61B2E-E9C5-4D4D-8DC4-42048B8378D8}"/>
+          </ac:spMkLst>
+        </pc:spChg>
+        <pc:spChg chg="add del mod">
+          <ac:chgData name="Thomas O Fredericks" userId="9a40f032a9b16fc7" providerId="LiveId" clId="{0CB35A17-9EB5-43A2-BCD2-B142904F17FE}" dt="2022-10-13T18:23:24.151" v="64" actId="478"/>
+          <ac:spMkLst>
+            <pc:docMk/>
+            <pc:sldMk cId="1178532335" sldId="265"/>
+            <ac:spMk id="5" creationId="{E04F43D8-0B6A-4CB4-B026-9D06A7269B1D}"/>
+          </ac:spMkLst>
+        </pc:spChg>
+        <pc:spChg chg="add mod">
+          <ac:chgData name="Thomas O Fredericks" userId="9a40f032a9b16fc7" providerId="LiveId" clId="{0CB35A17-9EB5-43A2-BCD2-B142904F17FE}" dt="2022-10-13T18:23:38.337" v="67" actId="1076"/>
+          <ac:spMkLst>
+            <pc:docMk/>
+            <pc:sldMk cId="1178532335" sldId="265"/>
+            <ac:spMk id="6" creationId="{2FCB3873-02C2-48BA-A50B-0B6FACD0ED89}"/>
+          </ac:spMkLst>
+        </pc:spChg>
+      </pc:sldChg>
+      <pc:sldChg chg="addSp delSp modSp">
+        <pc:chgData name="Thomas O Fredericks" userId="9a40f032a9b16fc7" providerId="LiveId" clId="{0CB35A17-9EB5-43A2-BCD2-B142904F17FE}" dt="2022-10-13T18:30:57.350" v="150" actId="166"/>
+        <pc:sldMkLst>
+          <pc:docMk/>
+          <pc:sldMk cId="701588653" sldId="266"/>
+        </pc:sldMkLst>
+        <pc:spChg chg="add mod">
+          <ac:chgData name="Thomas O Fredericks" userId="9a40f032a9b16fc7" providerId="LiveId" clId="{0CB35A17-9EB5-43A2-BCD2-B142904F17FE}" dt="2022-10-13T18:29:59.869" v="134" actId="1076"/>
+          <ac:spMkLst>
+            <pc:docMk/>
+            <pc:sldMk cId="701588653" sldId="266"/>
+            <ac:spMk id="2" creationId="{C6706C5E-45F1-4F98-80F6-E2BF08FE1645}"/>
+          </ac:spMkLst>
+        </pc:spChg>
+        <pc:spChg chg="add mod">
+          <ac:chgData name="Thomas O Fredericks" userId="9a40f032a9b16fc7" providerId="LiveId" clId="{0CB35A17-9EB5-43A2-BCD2-B142904F17FE}" dt="2022-10-13T18:29:59.869" v="134" actId="1076"/>
+          <ac:spMkLst>
+            <pc:docMk/>
+            <pc:sldMk cId="701588653" sldId="266"/>
+            <ac:spMk id="4" creationId="{F026F9EE-CFF4-4ADD-81CF-662A60B0AC2C}"/>
+          </ac:spMkLst>
+        </pc:spChg>
+        <pc:spChg chg="add mod ord">
+          <ac:chgData name="Thomas O Fredericks" userId="9a40f032a9b16fc7" providerId="LiveId" clId="{0CB35A17-9EB5-43A2-BCD2-B142904F17FE}" dt="2022-10-13T18:29:59.869" v="134" actId="1076"/>
+          <ac:spMkLst>
+            <pc:docMk/>
+            <pc:sldMk cId="701588653" sldId="266"/>
+            <ac:spMk id="5" creationId="{A65231AF-3E45-441A-B34D-138E48EA82F3}"/>
+          </ac:spMkLst>
+        </pc:spChg>
+        <pc:spChg chg="add del mod">
+          <ac:chgData name="Thomas O Fredericks" userId="9a40f032a9b16fc7" providerId="LiveId" clId="{0CB35A17-9EB5-43A2-BCD2-B142904F17FE}" dt="2022-10-13T18:24:11.232" v="75" actId="478"/>
+          <ac:spMkLst>
+            <pc:docMk/>
+            <pc:sldMk cId="701588653" sldId="266"/>
+            <ac:spMk id="6" creationId="{4E6465D5-E9BA-4110-A35F-084559C6BA33}"/>
+          </ac:spMkLst>
+        </pc:spChg>
+        <pc:spChg chg="add mod">
+          <ac:chgData name="Thomas O Fredericks" userId="9a40f032a9b16fc7" providerId="LiveId" clId="{0CB35A17-9EB5-43A2-BCD2-B142904F17FE}" dt="2022-10-13T18:29:59.869" v="134" actId="1076"/>
+          <ac:spMkLst>
+            <pc:docMk/>
+            <pc:sldMk cId="701588653" sldId="266"/>
+            <ac:spMk id="7" creationId="{DCAC27A2-3344-460B-8A1F-0E6426389D61}"/>
+          </ac:spMkLst>
+        </pc:spChg>
+        <pc:spChg chg="add mod">
+          <ac:chgData name="Thomas O Fredericks" userId="9a40f032a9b16fc7" providerId="LiveId" clId="{0CB35A17-9EB5-43A2-BCD2-B142904F17FE}" dt="2022-10-13T18:29:59.869" v="134" actId="1076"/>
+          <ac:spMkLst>
+            <pc:docMk/>
+            <pc:sldMk cId="701588653" sldId="266"/>
+            <ac:spMk id="8" creationId="{31DE100A-8DC3-41E4-82A6-C980B55EF6E1}"/>
+          </ac:spMkLst>
+        </pc:spChg>
+        <pc:spChg chg="add mod ord">
+          <ac:chgData name="Thomas O Fredericks" userId="9a40f032a9b16fc7" providerId="LiveId" clId="{0CB35A17-9EB5-43A2-BCD2-B142904F17FE}" dt="2022-10-13T18:30:57.350" v="150" actId="166"/>
+          <ac:spMkLst>
+            <pc:docMk/>
+            <pc:sldMk cId="701588653" sldId="266"/>
+            <ac:spMk id="11" creationId="{33EBE6A0-EC09-40A7-9EEB-8AEC4FEAFF0D}"/>
+          </ac:spMkLst>
+        </pc:spChg>
+        <pc:spChg chg="add mod">
+          <ac:chgData name="Thomas O Fredericks" userId="9a40f032a9b16fc7" providerId="LiveId" clId="{0CB35A17-9EB5-43A2-BCD2-B142904F17FE}" dt="2022-10-13T18:30:53.719" v="148" actId="1076"/>
+          <ac:spMkLst>
+            <pc:docMk/>
+            <pc:sldMk cId="701588653" sldId="266"/>
+            <ac:spMk id="12" creationId="{235D1327-7685-4DA4-91C4-6165359A9CF1}"/>
+          </ac:spMkLst>
+        </pc:spChg>
+        <pc:picChg chg="mod modCrop">
+          <ac:chgData name="Thomas O Fredericks" userId="9a40f032a9b16fc7" providerId="LiveId" clId="{0CB35A17-9EB5-43A2-BCD2-B142904F17FE}" dt="2022-10-13T18:29:59.869" v="134" actId="1076"/>
+          <ac:picMkLst>
+            <pc:docMk/>
+            <pc:sldMk cId="701588653" sldId="266"/>
+            <ac:picMk id="3" creationId="{D934E861-CA65-4C4C-9703-5EFAA53FC8A0}"/>
+          </ac:picMkLst>
+        </pc:picChg>
+        <pc:picChg chg="add del">
+          <ac:chgData name="Thomas O Fredericks" userId="9a40f032a9b16fc7" providerId="LiveId" clId="{0CB35A17-9EB5-43A2-BCD2-B142904F17FE}" dt="2022-10-13T18:30:23.025" v="136" actId="478"/>
+          <ac:picMkLst>
+            <pc:docMk/>
+            <pc:sldMk cId="701588653" sldId="266"/>
+            <ac:picMk id="9" creationId="{6007C187-A31D-4341-B150-213799D5E47A}"/>
+          </ac:picMkLst>
+        </pc:picChg>
+        <pc:picChg chg="add mod">
+          <ac:chgData name="Thomas O Fredericks" userId="9a40f032a9b16fc7" providerId="LiveId" clId="{0CB35A17-9EB5-43A2-BCD2-B142904F17FE}" dt="2022-10-13T18:30:30.235" v="140" actId="1076"/>
+          <ac:picMkLst>
+            <pc:docMk/>
+            <pc:sldMk cId="701588653" sldId="266"/>
+            <ac:picMk id="10" creationId="{9609FC93-8878-472D-BB01-6B7D24E611FE}"/>
+          </ac:picMkLst>
+        </pc:picChg>
+      </pc:sldChg>
+      <pc:sldChg chg="addSp modSp">
+        <pc:chgData name="Thomas O Fredericks" userId="9a40f032a9b16fc7" providerId="LiveId" clId="{0CB35A17-9EB5-43A2-BCD2-B142904F17FE}" dt="2022-10-13T18:29:34.144" v="132" actId="14100"/>
+        <pc:sldMkLst>
+          <pc:docMk/>
+          <pc:sldMk cId="1274638210" sldId="267"/>
+        </pc:sldMkLst>
+        <pc:spChg chg="add mod">
+          <ac:chgData name="Thomas O Fredericks" userId="9a40f032a9b16fc7" providerId="LiveId" clId="{0CB35A17-9EB5-43A2-BCD2-B142904F17FE}" dt="2022-10-13T18:29:30.199" v="131" actId="14100"/>
+          <ac:spMkLst>
+            <pc:docMk/>
+            <pc:sldMk cId="1274638210" sldId="267"/>
+            <ac:spMk id="4" creationId="{A09374F3-0C93-426A-AD36-0DD7EB4E57B4}"/>
+          </ac:spMkLst>
+        </pc:spChg>
+        <pc:spChg chg="add mod">
+          <ac:chgData name="Thomas O Fredericks" userId="9a40f032a9b16fc7" providerId="LiveId" clId="{0CB35A17-9EB5-43A2-BCD2-B142904F17FE}" dt="2022-10-13T18:29:34.144" v="132" actId="14100"/>
+          <ac:spMkLst>
+            <pc:docMk/>
+            <pc:sldMk cId="1274638210" sldId="267"/>
+            <ac:spMk id="5" creationId="{1D48CA89-FE88-496C-A0DE-E0641E3CECA6}"/>
+          </ac:spMkLst>
+        </pc:spChg>
+      </pc:sldChg>
+      <pc:sldChg chg="addSp modSp">
+        <pc:chgData name="Thomas O Fredericks" userId="9a40f032a9b16fc7" providerId="LiveId" clId="{0CB35A17-9EB5-43A2-BCD2-B142904F17FE}" dt="2022-10-13T18:31:19.309" v="153" actId="1076"/>
+        <pc:sldMkLst>
+          <pc:docMk/>
+          <pc:sldMk cId="2690741091" sldId="268"/>
+        </pc:sldMkLst>
+        <pc:spChg chg="add mod">
+          <ac:chgData name="Thomas O Fredericks" userId="9a40f032a9b16fc7" providerId="LiveId" clId="{0CB35A17-9EB5-43A2-BCD2-B142904F17FE}" dt="2022-10-13T18:31:15.903" v="152" actId="1076"/>
+          <ac:spMkLst>
+            <pc:docMk/>
+            <pc:sldMk cId="2690741091" sldId="268"/>
+            <ac:spMk id="4" creationId="{696FF87D-F1C2-4899-90ED-3BDBCE7F7332}"/>
+          </ac:spMkLst>
+        </pc:spChg>
+        <pc:spChg chg="add mod">
+          <ac:chgData name="Thomas O Fredericks" userId="9a40f032a9b16fc7" providerId="LiveId" clId="{0CB35A17-9EB5-43A2-BCD2-B142904F17FE}" dt="2022-10-13T18:31:19.309" v="153" actId="1076"/>
+          <ac:spMkLst>
+            <pc:docMk/>
+            <pc:sldMk cId="2690741091" sldId="268"/>
+            <ac:spMk id="5" creationId="{18231AEF-83DB-4124-A747-C4E3D2E52772}"/>
+          </ac:spMkLst>
+        </pc:spChg>
+      </pc:sldChg>
+      <pc:sldChg chg="addSp modSp">
+        <pc:chgData name="Thomas O Fredericks" userId="9a40f032a9b16fc7" providerId="LiveId" clId="{0CB35A17-9EB5-43A2-BCD2-B142904F17FE}" dt="2022-10-13T18:32:46.931" v="173" actId="1076"/>
+        <pc:sldMkLst>
+          <pc:docMk/>
+          <pc:sldMk cId="2847037302" sldId="269"/>
+        </pc:sldMkLst>
+        <pc:spChg chg="add mod">
+          <ac:chgData name="Thomas O Fredericks" userId="9a40f032a9b16fc7" providerId="LiveId" clId="{0CB35A17-9EB5-43A2-BCD2-B142904F17FE}" dt="2022-10-13T18:32:26.673" v="169" actId="1036"/>
+          <ac:spMkLst>
+            <pc:docMk/>
+            <pc:sldMk cId="2847037302" sldId="269"/>
+            <ac:spMk id="4" creationId="{E7FA65F4-5D13-48A0-B370-9AD21DEB96ED}"/>
+          </ac:spMkLst>
+        </pc:spChg>
+        <pc:spChg chg="add mod">
+          <ac:chgData name="Thomas O Fredericks" userId="9a40f032a9b16fc7" providerId="LiveId" clId="{0CB35A17-9EB5-43A2-BCD2-B142904F17FE}" dt="2022-10-13T18:32:46.931" v="173" actId="1076"/>
+          <ac:spMkLst>
+            <pc:docMk/>
+            <pc:sldMk cId="2847037302" sldId="269"/>
+            <ac:spMk id="5" creationId="{B6E3AEA1-E359-4C56-8287-C4ECECB90F82}"/>
+          </ac:spMkLst>
+        </pc:spChg>
+      </pc:sldChg>
+      <pc:sldChg chg="addSp delSp modSp">
+        <pc:chgData name="Thomas O Fredericks" userId="9a40f032a9b16fc7" providerId="LiveId" clId="{0CB35A17-9EB5-43A2-BCD2-B142904F17FE}" dt="2022-10-13T18:43:38.843" v="418" actId="478"/>
+        <pc:sldMkLst>
+          <pc:docMk/>
+          <pc:sldMk cId="2039455226" sldId="270"/>
+        </pc:sldMkLst>
+        <pc:spChg chg="add mod">
+          <ac:chgData name="Thomas O Fredericks" userId="9a40f032a9b16fc7" providerId="LiveId" clId="{0CB35A17-9EB5-43A2-BCD2-B142904F17FE}" dt="2022-10-13T18:42:29.483" v="404" actId="164"/>
+          <ac:spMkLst>
+            <pc:docMk/>
+            <pc:sldMk cId="2039455226" sldId="270"/>
+            <ac:spMk id="2" creationId="{B60E1C84-DD09-404B-B285-0CA917EA21CC}"/>
+          </ac:spMkLst>
+        </pc:spChg>
+        <pc:spChg chg="add mod ord">
+          <ac:chgData name="Thomas O Fredericks" userId="9a40f032a9b16fc7" providerId="LiveId" clId="{0CB35A17-9EB5-43A2-BCD2-B142904F17FE}" dt="2022-10-13T18:42:49.492" v="412" actId="1038"/>
+          <ac:spMkLst>
+            <pc:docMk/>
+            <pc:sldMk cId="2039455226" sldId="270"/>
+            <ac:spMk id="5" creationId="{D34B3374-57FE-4155-94B7-EFA4E773BABB}"/>
+          </ac:spMkLst>
+        </pc:spChg>
+        <pc:spChg chg="add mod">
+          <ac:chgData name="Thomas O Fredericks" userId="9a40f032a9b16fc7" providerId="LiveId" clId="{0CB35A17-9EB5-43A2-BCD2-B142904F17FE}" dt="2022-10-13T18:32:00.896" v="157" actId="1076"/>
+          <ac:spMkLst>
+            <pc:docMk/>
+            <pc:sldMk cId="2039455226" sldId="270"/>
+            <ac:spMk id="6" creationId="{1D1958BB-67AB-4ED0-8754-C04AAADDAA6E}"/>
+          </ac:spMkLst>
+        </pc:spChg>
+        <pc:spChg chg="add mod">
+          <ac:chgData name="Thomas O Fredericks" userId="9a40f032a9b16fc7" providerId="LiveId" clId="{0CB35A17-9EB5-43A2-BCD2-B142904F17FE}" dt="2022-10-13T18:32:05.501" v="160" actId="20577"/>
+          <ac:spMkLst>
+            <pc:docMk/>
+            <pc:sldMk cId="2039455226" sldId="270"/>
+            <ac:spMk id="7" creationId="{01086E67-EEC0-4388-AC6B-213A29FB251A}"/>
+          </ac:spMkLst>
+        </pc:spChg>
+        <pc:spChg chg="add mod">
+          <ac:chgData name="Thomas O Fredericks" userId="9a40f032a9b16fc7" providerId="LiveId" clId="{0CB35A17-9EB5-43A2-BCD2-B142904F17FE}" dt="2022-10-13T18:32:57.401" v="176" actId="1076"/>
+          <ac:spMkLst>
+            <pc:docMk/>
+            <pc:sldMk cId="2039455226" sldId="270"/>
+            <ac:spMk id="8" creationId="{FBF74754-005F-4BBC-ADB9-BD1C3776B129}"/>
+          </ac:spMkLst>
+        </pc:spChg>
+        <pc:spChg chg="add del mod">
+          <ac:chgData name="Thomas O Fredericks" userId="9a40f032a9b16fc7" providerId="LiveId" clId="{0CB35A17-9EB5-43A2-BCD2-B142904F17FE}" dt="2022-10-13T18:33:27.001" v="199" actId="478"/>
+          <ac:spMkLst>
+            <pc:docMk/>
+            <pc:sldMk cId="2039455226" sldId="270"/>
+            <ac:spMk id="9" creationId="{92AA25CF-8190-4221-828D-11B6E5D02E5F}"/>
+          </ac:spMkLst>
+        </pc:spChg>
+        <pc:spChg chg="add del mod">
+          <ac:chgData name="Thomas O Fredericks" userId="9a40f032a9b16fc7" providerId="LiveId" clId="{0CB35A17-9EB5-43A2-BCD2-B142904F17FE}" dt="2022-10-13T18:33:26.409" v="198" actId="478"/>
+          <ac:spMkLst>
+            <pc:docMk/>
+            <pc:sldMk cId="2039455226" sldId="270"/>
+            <ac:spMk id="10" creationId="{2B699C4E-86AB-4488-881A-CBF51967AA16}"/>
+          </ac:spMkLst>
+        </pc:spChg>
+        <pc:spChg chg="add del mod">
+          <ac:chgData name="Thomas O Fredericks" userId="9a40f032a9b16fc7" providerId="LiveId" clId="{0CB35A17-9EB5-43A2-BCD2-B142904F17FE}" dt="2022-10-13T18:34:40.962" v="228" actId="478"/>
+          <ac:spMkLst>
+            <pc:docMk/>
+            <pc:sldMk cId="2039455226" sldId="270"/>
+            <ac:spMk id="11" creationId="{F06E64C8-970A-4893-AC52-F206B1E272B0}"/>
+          </ac:spMkLst>
+        </pc:spChg>
+        <pc:spChg chg="add del mod">
+          <ac:chgData name="Thomas O Fredericks" userId="9a40f032a9b16fc7" providerId="LiveId" clId="{0CB35A17-9EB5-43A2-BCD2-B142904F17FE}" dt="2022-10-13T18:34:40.097" v="227" actId="478"/>
+          <ac:spMkLst>
+            <pc:docMk/>
+            <pc:sldMk cId="2039455226" sldId="270"/>
+            <ac:spMk id="12" creationId="{E7C0DF59-7DA0-4585-8DC2-16B3187AA083}"/>
+          </ac:spMkLst>
+        </pc:spChg>
+        <pc:spChg chg="add del mod">
+          <ac:chgData name="Thomas O Fredericks" userId="9a40f032a9b16fc7" providerId="LiveId" clId="{0CB35A17-9EB5-43A2-BCD2-B142904F17FE}" dt="2022-10-13T18:34:41.778" v="229" actId="478"/>
+          <ac:spMkLst>
+            <pc:docMk/>
+            <pc:sldMk cId="2039455226" sldId="270"/>
+            <ac:spMk id="13" creationId="{45C5AA05-6CC5-407C-B4FF-E85139B95013}"/>
+          </ac:spMkLst>
+        </pc:spChg>
+        <pc:spChg chg="add del mod">
+          <ac:chgData name="Thomas O Fredericks" userId="9a40f032a9b16fc7" providerId="LiveId" clId="{0CB35A17-9EB5-43A2-BCD2-B142904F17FE}" dt="2022-10-13T18:34:29.594" v="225" actId="478"/>
+          <ac:spMkLst>
+            <pc:docMk/>
+            <pc:sldMk cId="2039455226" sldId="270"/>
+            <ac:spMk id="14" creationId="{4E154AAA-2EF0-413D-A80C-6AC4A70AB0C3}"/>
+          </ac:spMkLst>
+        </pc:spChg>
+        <pc:spChg chg="add mod">
+          <ac:chgData name="Thomas O Fredericks" userId="9a40f032a9b16fc7" providerId="LiveId" clId="{0CB35A17-9EB5-43A2-BCD2-B142904F17FE}" dt="2022-10-13T18:42:29.483" v="404" actId="164"/>
+          <ac:spMkLst>
+            <pc:docMk/>
+            <pc:sldMk cId="2039455226" sldId="270"/>
+            <ac:spMk id="15" creationId="{EF7CE74B-13EA-4797-9795-417151EB0972}"/>
+          </ac:spMkLst>
+        </pc:spChg>
+        <pc:spChg chg="add mod">
+          <ac:chgData name="Thomas O Fredericks" userId="9a40f032a9b16fc7" providerId="LiveId" clId="{0CB35A17-9EB5-43A2-BCD2-B142904F17FE}" dt="2022-10-13T18:42:29.483" v="404" actId="164"/>
+          <ac:spMkLst>
+            <pc:docMk/>
+            <pc:sldMk cId="2039455226" sldId="270"/>
+            <ac:spMk id="16" creationId="{B407734F-E6C3-4CC3-8CF1-44350EB9FBBC}"/>
+          </ac:spMkLst>
+        </pc:spChg>
+        <pc:spChg chg="add mod">
+          <ac:chgData name="Thomas O Fredericks" userId="9a40f032a9b16fc7" providerId="LiveId" clId="{0CB35A17-9EB5-43A2-BCD2-B142904F17FE}" dt="2022-10-13T18:42:29.483" v="404" actId="164"/>
+          <ac:spMkLst>
+            <pc:docMk/>
+            <pc:sldMk cId="2039455226" sldId="270"/>
+            <ac:spMk id="17" creationId="{80AA37F7-9415-4C72-9AB0-7D6B306C3AAE}"/>
+          </ac:spMkLst>
+        </pc:spChg>
+        <pc:spChg chg="add mod ord">
+          <ac:chgData name="Thomas O Fredericks" userId="9a40f032a9b16fc7" providerId="LiveId" clId="{0CB35A17-9EB5-43A2-BCD2-B142904F17FE}" dt="2022-10-13T18:42:29.483" v="404" actId="164"/>
+          <ac:spMkLst>
+            <pc:docMk/>
+            <pc:sldMk cId="2039455226" sldId="270"/>
+            <ac:spMk id="18" creationId="{8A02DE43-E1AF-4722-9B14-D0AB4AD307A6}"/>
+          </ac:spMkLst>
+        </pc:spChg>
+        <pc:spChg chg="add mod">
+          <ac:chgData name="Thomas O Fredericks" userId="9a40f032a9b16fc7" providerId="LiveId" clId="{0CB35A17-9EB5-43A2-BCD2-B142904F17FE}" dt="2022-10-13T18:42:29.483" v="404" actId="164"/>
+          <ac:spMkLst>
+            <pc:docMk/>
+            <pc:sldMk cId="2039455226" sldId="270"/>
+            <ac:spMk id="19" creationId="{1149FE89-A373-451A-A728-12A9BCA15EE8}"/>
+          </ac:spMkLst>
+        </pc:spChg>
+        <pc:grpChg chg="add mod">
+          <ac:chgData name="Thomas O Fredericks" userId="9a40f032a9b16fc7" providerId="LiveId" clId="{0CB35A17-9EB5-43A2-BCD2-B142904F17FE}" dt="2022-10-13T18:43:28.636" v="417" actId="14100"/>
+          <ac:grpSpMkLst>
+            <pc:docMk/>
+            <pc:sldMk cId="2039455226" sldId="270"/>
+            <ac:grpSpMk id="20" creationId="{4D1BF778-1534-46A3-8595-90962E1EB3BD}"/>
+          </ac:grpSpMkLst>
+        </pc:grpChg>
+        <pc:picChg chg="mod">
+          <ac:chgData name="Thomas O Fredericks" userId="9a40f032a9b16fc7" providerId="LiveId" clId="{0CB35A17-9EB5-43A2-BCD2-B142904F17FE}" dt="2022-10-13T18:42:29.483" v="404" actId="164"/>
+          <ac:picMkLst>
+            <pc:docMk/>
+            <pc:sldMk cId="2039455226" sldId="270"/>
+            <ac:picMk id="4" creationId="{27F08035-307D-4454-9ABC-3989718219B1}"/>
+          </ac:picMkLst>
+        </pc:picChg>
+        <pc:picChg chg="add del mod">
+          <ac:chgData name="Thomas O Fredericks" userId="9a40f032a9b16fc7" providerId="LiveId" clId="{0CB35A17-9EB5-43A2-BCD2-B142904F17FE}" dt="2022-10-13T18:43:38.843" v="418" actId="478"/>
+          <ac:picMkLst>
+            <pc:docMk/>
+            <pc:sldMk cId="2039455226" sldId="270"/>
+            <ac:picMk id="21" creationId="{B3B7399E-68FA-4587-B076-EA19F2C2E9F6}"/>
+          </ac:picMkLst>
+        </pc:picChg>
+      </pc:sldChg>
+      <pc:sldChg chg="addSp delSp modSp">
+        <pc:chgData name="Thomas O Fredericks" userId="9a40f032a9b16fc7" providerId="LiveId" clId="{0CB35A17-9EB5-43A2-BCD2-B142904F17FE}" dt="2022-10-13T18:42:07.563" v="390" actId="478"/>
+        <pc:sldMkLst>
+          <pc:docMk/>
+          <pc:sldMk cId="3747026845" sldId="271"/>
+        </pc:sldMkLst>
+        <pc:spChg chg="add mod">
+          <ac:chgData name="Thomas O Fredericks" userId="9a40f032a9b16fc7" providerId="LiveId" clId="{0CB35A17-9EB5-43A2-BCD2-B142904F17FE}" dt="2022-10-13T18:36:41.434" v="280" actId="1076"/>
+          <ac:spMkLst>
+            <pc:docMk/>
+            <pc:sldMk cId="3747026845" sldId="271"/>
+            <ac:spMk id="3" creationId="{2F3A7859-D391-42C1-A866-8A15E123BA46}"/>
+          </ac:spMkLst>
+        </pc:spChg>
+        <pc:spChg chg="add mod">
+          <ac:chgData name="Thomas O Fredericks" userId="9a40f032a9b16fc7" providerId="LiveId" clId="{0CB35A17-9EB5-43A2-BCD2-B142904F17FE}" dt="2022-10-13T18:36:50.996" v="283" actId="14100"/>
+          <ac:spMkLst>
+            <pc:docMk/>
+            <pc:sldMk cId="3747026845" sldId="271"/>
+            <ac:spMk id="4" creationId="{2C099B5D-287B-450A-9605-4D2C18C6347E}"/>
+          </ac:spMkLst>
+        </pc:spChg>
+        <pc:spChg chg="add mod">
+          <ac:chgData name="Thomas O Fredericks" userId="9a40f032a9b16fc7" providerId="LiveId" clId="{0CB35A17-9EB5-43A2-BCD2-B142904F17FE}" dt="2022-10-13T18:36:58.857" v="285" actId="1076"/>
+          <ac:spMkLst>
+            <pc:docMk/>
+            <pc:sldMk cId="3747026845" sldId="271"/>
+            <ac:spMk id="6" creationId="{4F115DC4-1921-4C35-AB66-84808F1AA130}"/>
+          </ac:spMkLst>
+        </pc:spChg>
+        <pc:spChg chg="add mod">
+          <ac:chgData name="Thomas O Fredericks" userId="9a40f032a9b16fc7" providerId="LiveId" clId="{0CB35A17-9EB5-43A2-BCD2-B142904F17FE}" dt="2022-10-13T18:37:05.123" v="288" actId="20577"/>
+          <ac:spMkLst>
+            <pc:docMk/>
+            <pc:sldMk cId="3747026845" sldId="271"/>
+            <ac:spMk id="7" creationId="{F609ADCA-7F3B-4F70-BCE6-1C337368A363}"/>
+          </ac:spMkLst>
+        </pc:spChg>
+        <pc:spChg chg="add mod">
+          <ac:chgData name="Thomas O Fredericks" userId="9a40f032a9b16fc7" providerId="LiveId" clId="{0CB35A17-9EB5-43A2-BCD2-B142904F17FE}" dt="2022-10-13T18:37:09.645" v="291" actId="20577"/>
+          <ac:spMkLst>
+            <pc:docMk/>
+            <pc:sldMk cId="3747026845" sldId="271"/>
+            <ac:spMk id="8" creationId="{7FDDA59D-149A-4339-B393-C5FD3B8624A4}"/>
+          </ac:spMkLst>
+        </pc:spChg>
+        <pc:picChg chg="mod">
+          <ac:chgData name="Thomas O Fredericks" userId="9a40f032a9b16fc7" providerId="LiveId" clId="{0CB35A17-9EB5-43A2-BCD2-B142904F17FE}" dt="2022-10-13T18:36:23.874" v="274" actId="688"/>
+          <ac:picMkLst>
+            <pc:docMk/>
+            <pc:sldMk cId="3747026845" sldId="271"/>
+            <ac:picMk id="5" creationId="{94A33512-FE9A-4072-8448-FBC9356084C3}"/>
+          </ac:picMkLst>
+        </pc:picChg>
+        <pc:picChg chg="add del mod">
+          <ac:chgData name="Thomas O Fredericks" userId="9a40f032a9b16fc7" providerId="LiveId" clId="{0CB35A17-9EB5-43A2-BCD2-B142904F17FE}" dt="2022-10-13T18:42:07.563" v="390" actId="478"/>
+          <ac:picMkLst>
+            <pc:docMk/>
+            <pc:sldMk cId="3747026845" sldId="271"/>
+            <ac:picMk id="9" creationId="{CA85BCA5-FFB7-468F-9C22-CA54EC652728}"/>
+          </ac:picMkLst>
+        </pc:picChg>
+      </pc:sldChg>
+      <pc:sldChg chg="addSp modSp">
+        <pc:chgData name="Thomas O Fredericks" userId="9a40f032a9b16fc7" providerId="LiveId" clId="{0CB35A17-9EB5-43A2-BCD2-B142904F17FE}" dt="2022-10-13T18:37:23.082" v="294" actId="1076"/>
+        <pc:sldMkLst>
+          <pc:docMk/>
+          <pc:sldMk cId="2535191191" sldId="272"/>
+        </pc:sldMkLst>
+        <pc:spChg chg="add mod">
+          <ac:chgData name="Thomas O Fredericks" userId="9a40f032a9b16fc7" providerId="LiveId" clId="{0CB35A17-9EB5-43A2-BCD2-B142904F17FE}" dt="2022-10-13T18:37:20.628" v="293" actId="1076"/>
+          <ac:spMkLst>
+            <pc:docMk/>
+            <pc:sldMk cId="2535191191" sldId="272"/>
+            <ac:spMk id="4" creationId="{81B43E0D-F27F-4226-9D4C-79D2C6759130}"/>
+          </ac:spMkLst>
+        </pc:spChg>
+        <pc:spChg chg="add mod">
+          <ac:chgData name="Thomas O Fredericks" userId="9a40f032a9b16fc7" providerId="LiveId" clId="{0CB35A17-9EB5-43A2-BCD2-B142904F17FE}" dt="2022-10-13T18:37:23.082" v="294" actId="1076"/>
+          <ac:spMkLst>
+            <pc:docMk/>
+            <pc:sldMk cId="2535191191" sldId="272"/>
+            <ac:spMk id="5" creationId="{EE5C89D0-A3AD-43EE-95DA-A38608E73B63}"/>
+          </ac:spMkLst>
+        </pc:spChg>
+      </pc:sldChg>
+      <pc:sldChg chg="addSp delSp modSp">
+        <pc:chgData name="Thomas O Fredericks" userId="9a40f032a9b16fc7" providerId="LiveId" clId="{0CB35A17-9EB5-43A2-BCD2-B142904F17FE}" dt="2022-10-13T18:45:17.188" v="425" actId="478"/>
+        <pc:sldMkLst>
+          <pc:docMk/>
+          <pc:sldMk cId="2028885819" sldId="273"/>
+        </pc:sldMkLst>
+        <pc:spChg chg="add del mod">
+          <ac:chgData name="Thomas O Fredericks" userId="9a40f032a9b16fc7" providerId="LiveId" clId="{0CB35A17-9EB5-43A2-BCD2-B142904F17FE}" dt="2022-10-13T18:38:37.458" v="310" actId="478"/>
+          <ac:spMkLst>
+            <pc:docMk/>
+            <pc:sldMk cId="2028885819" sldId="273"/>
+            <ac:spMk id="5" creationId="{5490B3A0-AF19-4CD4-B7D1-AE93E3B1DD43}"/>
+          </ac:spMkLst>
+        </pc:spChg>
+        <pc:spChg chg="add mod">
+          <ac:chgData name="Thomas O Fredericks" userId="9a40f032a9b16fc7" providerId="LiveId" clId="{0CB35A17-9EB5-43A2-BCD2-B142904F17FE}" dt="2022-10-13T18:40:57.506" v="382" actId="1076"/>
+          <ac:spMkLst>
+            <pc:docMk/>
+            <pc:sldMk cId="2028885819" sldId="273"/>
+            <ac:spMk id="6" creationId="{9DEBE7E8-2893-4933-8E93-D0A168F81817}"/>
+          </ac:spMkLst>
+        </pc:spChg>
+        <pc:spChg chg="add mod ord">
+          <ac:chgData name="Thomas O Fredericks" userId="9a40f032a9b16fc7" providerId="LiveId" clId="{0CB35A17-9EB5-43A2-BCD2-B142904F17FE}" dt="2022-10-13T18:39:48.683" v="356" actId="1035"/>
+          <ac:spMkLst>
+            <pc:docMk/>
+            <pc:sldMk cId="2028885819" sldId="273"/>
+            <ac:spMk id="7" creationId="{9DD5B52A-ED8E-4DA4-9AD7-738D6470E8E7}"/>
+          </ac:spMkLst>
+        </pc:spChg>
+        <pc:spChg chg="add mod ord">
+          <ac:chgData name="Thomas O Fredericks" userId="9a40f032a9b16fc7" providerId="LiveId" clId="{0CB35A17-9EB5-43A2-BCD2-B142904F17FE}" dt="2022-10-13T18:39:39" v="349" actId="790"/>
+          <ac:spMkLst>
+            <pc:docMk/>
+            <pc:sldMk cId="2028885819" sldId="273"/>
+            <ac:spMk id="8" creationId="{612AD30B-F38E-4D71-9FB9-A238CA53533A}"/>
+          </ac:spMkLst>
+        </pc:spChg>
+        <pc:spChg chg="add mod">
+          <ac:chgData name="Thomas O Fredericks" userId="9a40f032a9b16fc7" providerId="LiveId" clId="{0CB35A17-9EB5-43A2-BCD2-B142904F17FE}" dt="2022-10-13T18:39:39" v="349" actId="790"/>
+          <ac:spMkLst>
+            <pc:docMk/>
+            <pc:sldMk cId="2028885819" sldId="273"/>
+            <ac:spMk id="9" creationId="{2AF585FC-4CF4-41DE-9A45-10C844630EFD}"/>
+          </ac:spMkLst>
+        </pc:spChg>
+        <pc:spChg chg="add mod">
+          <ac:chgData name="Thomas O Fredericks" userId="9a40f032a9b16fc7" providerId="LiveId" clId="{0CB35A17-9EB5-43A2-BCD2-B142904F17FE}" dt="2022-10-13T18:39:39" v="349" actId="790"/>
+          <ac:spMkLst>
+            <pc:docMk/>
+            <pc:sldMk cId="2028885819" sldId="273"/>
+            <ac:spMk id="10" creationId="{D5E54A4F-C88E-4A22-AB71-FFFE1E151018}"/>
+          </ac:spMkLst>
+        </pc:spChg>
+        <pc:spChg chg="add mod">
+          <ac:chgData name="Thomas O Fredericks" userId="9a40f032a9b16fc7" providerId="LiveId" clId="{0CB35A17-9EB5-43A2-BCD2-B142904F17FE}" dt="2022-10-13T18:39:39" v="349" actId="790"/>
+          <ac:spMkLst>
+            <pc:docMk/>
+            <pc:sldMk cId="2028885819" sldId="273"/>
+            <ac:spMk id="11" creationId="{60A51A0C-D434-47F5-B1C7-D83D3D97FED0}"/>
+          </ac:spMkLst>
+        </pc:spChg>
+        <pc:spChg chg="add mod">
+          <ac:chgData name="Thomas O Fredericks" userId="9a40f032a9b16fc7" providerId="LiveId" clId="{0CB35A17-9EB5-43A2-BCD2-B142904F17FE}" dt="2022-10-13T18:39:39" v="349" actId="790"/>
+          <ac:spMkLst>
+            <pc:docMk/>
+            <pc:sldMk cId="2028885819" sldId="273"/>
+            <ac:spMk id="12" creationId="{C0678949-ED08-4036-94D7-747FAD21F6A8}"/>
+          </ac:spMkLst>
+        </pc:spChg>
+        <pc:spChg chg="add mod">
+          <ac:chgData name="Thomas O Fredericks" userId="9a40f032a9b16fc7" providerId="LiveId" clId="{0CB35A17-9EB5-43A2-BCD2-B142904F17FE}" dt="2022-10-13T18:39:39" v="349" actId="790"/>
+          <ac:spMkLst>
+            <pc:docMk/>
+            <pc:sldMk cId="2028885819" sldId="273"/>
+            <ac:spMk id="13" creationId="{60963196-9F9B-477A-B75E-86A65A20C46F}"/>
+          </ac:spMkLst>
+        </pc:spChg>
+        <pc:spChg chg="add mod">
+          <ac:chgData name="Thomas O Fredericks" userId="9a40f032a9b16fc7" providerId="LiveId" clId="{0CB35A17-9EB5-43A2-BCD2-B142904F17FE}" dt="2022-10-13T18:39:39" v="349" actId="790"/>
+          <ac:spMkLst>
+            <pc:docMk/>
+            <pc:sldMk cId="2028885819" sldId="273"/>
+            <ac:spMk id="14" creationId="{82380234-FA44-4497-9B02-B4140D3EF9F0}"/>
+          </ac:spMkLst>
+        </pc:spChg>
+        <pc:spChg chg="add mod">
+          <ac:chgData name="Thomas O Fredericks" userId="9a40f032a9b16fc7" providerId="LiveId" clId="{0CB35A17-9EB5-43A2-BCD2-B142904F17FE}" dt="2022-10-13T18:39:39" v="349" actId="790"/>
+          <ac:spMkLst>
+            <pc:docMk/>
+            <pc:sldMk cId="2028885819" sldId="273"/>
+            <ac:spMk id="15" creationId="{97468579-D8D1-4340-A3A6-78623A640BDE}"/>
+          </ac:spMkLst>
+        </pc:spChg>
+        <pc:spChg chg="add mod">
+          <ac:chgData name="Thomas O Fredericks" userId="9a40f032a9b16fc7" providerId="LiveId" clId="{0CB35A17-9EB5-43A2-BCD2-B142904F17FE}" dt="2022-10-13T18:39:39" v="349" actId="790"/>
+          <ac:spMkLst>
+            <pc:docMk/>
+            <pc:sldMk cId="2028885819" sldId="273"/>
+            <ac:spMk id="16" creationId="{92AB8A21-EC0D-4873-A386-E543FEBB1B85}"/>
+          </ac:spMkLst>
+        </pc:spChg>
+        <pc:spChg chg="add del mod">
+          <ac:chgData name="Thomas O Fredericks" userId="9a40f032a9b16fc7" providerId="LiveId" clId="{0CB35A17-9EB5-43A2-BCD2-B142904F17FE}" dt="2022-10-13T18:45:17.188" v="425" actId="478"/>
+          <ac:spMkLst>
+            <pc:docMk/>
+            <pc:sldMk cId="2028885819" sldId="273"/>
+            <ac:spMk id="17" creationId="{3B2F7D9B-BF4F-48C4-91AC-9740C40603F2}"/>
+          </ac:spMkLst>
+        </pc:spChg>
+        <pc:spChg chg="add del mod">
+          <ac:chgData name="Thomas O Fredericks" userId="9a40f032a9b16fc7" providerId="LiveId" clId="{0CB35A17-9EB5-43A2-BCD2-B142904F17FE}" dt="2022-10-13T18:45:12.548" v="420" actId="478"/>
+          <ac:spMkLst>
+            <pc:docMk/>
+            <pc:sldMk cId="2028885819" sldId="273"/>
+            <ac:spMk id="18" creationId="{786A2804-9E5B-47EE-93B3-0B12EAE55A79}"/>
+          </ac:spMkLst>
+        </pc:spChg>
+        <pc:spChg chg="add del mod">
+          <ac:chgData name="Thomas O Fredericks" userId="9a40f032a9b16fc7" providerId="LiveId" clId="{0CB35A17-9EB5-43A2-BCD2-B142904F17FE}" dt="2022-10-13T18:45:14.065" v="422" actId="478"/>
+          <ac:spMkLst>
+            <pc:docMk/>
+            <pc:sldMk cId="2028885819" sldId="273"/>
+            <ac:spMk id="19" creationId="{30E70528-4E0D-48C8-8944-5710429133AD}"/>
+          </ac:spMkLst>
+        </pc:spChg>
+        <pc:spChg chg="add del mod">
+          <ac:chgData name="Thomas O Fredericks" userId="9a40f032a9b16fc7" providerId="LiveId" clId="{0CB35A17-9EB5-43A2-BCD2-B142904F17FE}" dt="2022-10-13T18:45:13.340" v="421" actId="478"/>
+          <ac:spMkLst>
+            <pc:docMk/>
+            <pc:sldMk cId="2028885819" sldId="273"/>
+            <ac:spMk id="20" creationId="{E233FDC1-8D46-42BD-8C09-7B87685A890A}"/>
+          </ac:spMkLst>
+        </pc:spChg>
+        <pc:picChg chg="add del">
+          <ac:chgData name="Thomas O Fredericks" userId="9a40f032a9b16fc7" providerId="LiveId" clId="{0CB35A17-9EB5-43A2-BCD2-B142904F17FE}" dt="2022-10-13T18:45:15.995" v="424" actId="478"/>
+          <ac:picMkLst>
+            <pc:docMk/>
+            <pc:sldMk cId="2028885819" sldId="273"/>
+            <ac:picMk id="3" creationId="{09A63478-CFBD-47CC-9550-75A2DFA1B5DB}"/>
+          </ac:picMkLst>
+        </pc:picChg>
+        <pc:picChg chg="mod">
+          <ac:chgData name="Thomas O Fredericks" userId="9a40f032a9b16fc7" providerId="LiveId" clId="{0CB35A17-9EB5-43A2-BCD2-B142904F17FE}" dt="2022-10-13T18:40:19.139" v="367" actId="1076"/>
+          <ac:picMkLst>
+            <pc:docMk/>
+            <pc:sldMk cId="2028885819" sldId="273"/>
+            <ac:picMk id="4" creationId="{B9F8CB70-2F47-431E-A2B4-F9AF3DF4FDE5}"/>
+          </ac:picMkLst>
+        </pc:picChg>
+        <pc:picChg chg="add del mod">
+          <ac:chgData name="Thomas O Fredericks" userId="9a40f032a9b16fc7" providerId="LiveId" clId="{0CB35A17-9EB5-43A2-BCD2-B142904F17FE}" dt="2022-10-13T18:44:03.975" v="419" actId="478"/>
+          <ac:picMkLst>
+            <pc:docMk/>
+            <pc:sldMk cId="2028885819" sldId="273"/>
+            <ac:picMk id="21" creationId="{CF10B72D-5ED8-4A8A-8495-F43FE46ABA43}"/>
+          </ac:picMkLst>
+        </pc:picChg>
+      </pc:sldChg>
+      <pc:sldChg chg="addSp delSp modSp">
+        <pc:chgData name="Thomas O Fredericks" userId="9a40f032a9b16fc7" providerId="LiveId" clId="{0CB35A17-9EB5-43A2-BCD2-B142904F17FE}" dt="2022-10-13T19:03:00.814" v="559" actId="14100"/>
         <pc:sldMkLst>
           <pc:docMk/>
           <pc:sldMk cId="1659946614" sldId="275"/>
         </pc:sldMkLst>
+        <pc:spChg chg="add mod">
+          <ac:chgData name="Thomas O Fredericks" userId="9a40f032a9b16fc7" providerId="LiveId" clId="{0CB35A17-9EB5-43A2-BCD2-B142904F17FE}" dt="2022-10-13T19:03:00.814" v="559" actId="14100"/>
+          <ac:spMkLst>
+            <pc:docMk/>
+            <pc:sldMk cId="1659946614" sldId="275"/>
+            <ac:spMk id="4" creationId="{C615328C-9235-4A2E-BF8C-210BDBD573D2}"/>
+          </ac:spMkLst>
+        </pc:spChg>
         <pc:picChg chg="add del mod">
           <ac:chgData name="Thomas O Fredericks" userId="9a40f032a9b16fc7" providerId="LiveId" clId="{0CB35A17-9EB5-43A2-BCD2-B142904F17FE}" dt="2022-10-13T01:56:05.111" v="3"/>
           <ac:picMkLst>
@@ -164,12 +958,52 @@
           </ac:picMkLst>
         </pc:picChg>
       </pc:sldChg>
-      <pc:sldChg chg="addSp add">
-        <pc:chgData name="Thomas O Fredericks" userId="9a40f032a9b16fc7" providerId="LiveId" clId="{0CB35A17-9EB5-43A2-BCD2-B142904F17FE}" dt="2022-10-13T01:56:55.572" v="5"/>
+      <pc:sldChg chg="addSp modSp add">
+        <pc:chgData name="Thomas O Fredericks" userId="9a40f032a9b16fc7" providerId="LiveId" clId="{0CB35A17-9EB5-43A2-BCD2-B142904F17FE}" dt="2022-10-13T19:09:18.836" v="715" actId="14100"/>
         <pc:sldMkLst>
           <pc:docMk/>
           <pc:sldMk cId="2511965053" sldId="276"/>
         </pc:sldMkLst>
+        <pc:spChg chg="add mod">
+          <ac:chgData name="Thomas O Fredericks" userId="9a40f032a9b16fc7" providerId="LiveId" clId="{0CB35A17-9EB5-43A2-BCD2-B142904F17FE}" dt="2022-10-13T19:08:13.354" v="701" actId="1076"/>
+          <ac:spMkLst>
+            <pc:docMk/>
+            <pc:sldMk cId="2511965053" sldId="276"/>
+            <ac:spMk id="3" creationId="{11C44B10-A556-412C-BB8A-EE7AA4E401DE}"/>
+          </ac:spMkLst>
+        </pc:spChg>
+        <pc:spChg chg="add">
+          <ac:chgData name="Thomas O Fredericks" userId="9a40f032a9b16fc7" providerId="LiveId" clId="{0CB35A17-9EB5-43A2-BCD2-B142904F17FE}" dt="2022-10-13T19:08:09.069" v="700"/>
+          <ac:spMkLst>
+            <pc:docMk/>
+            <pc:sldMk cId="2511965053" sldId="276"/>
+            <ac:spMk id="4" creationId="{D0D65EC4-7FA9-48AD-9CC9-2FC9A28C6400}"/>
+          </ac:spMkLst>
+        </pc:spChg>
+        <pc:spChg chg="add mod">
+          <ac:chgData name="Thomas O Fredericks" userId="9a40f032a9b16fc7" providerId="LiveId" clId="{0CB35A17-9EB5-43A2-BCD2-B142904F17FE}" dt="2022-10-13T19:08:44.719" v="709" actId="1076"/>
+          <ac:spMkLst>
+            <pc:docMk/>
+            <pc:sldMk cId="2511965053" sldId="276"/>
+            <ac:spMk id="5" creationId="{D049DB0D-5A25-4CAC-BDC5-00504F6CA16D}"/>
+          </ac:spMkLst>
+        </pc:spChg>
+        <pc:spChg chg="add mod">
+          <ac:chgData name="Thomas O Fredericks" userId="9a40f032a9b16fc7" providerId="LiveId" clId="{0CB35A17-9EB5-43A2-BCD2-B142904F17FE}" dt="2022-10-13T19:08:41.419" v="708" actId="1076"/>
+          <ac:spMkLst>
+            <pc:docMk/>
+            <pc:sldMk cId="2511965053" sldId="276"/>
+            <ac:spMk id="6" creationId="{145CF41D-2B20-44E7-90DA-6FB26B36C071}"/>
+          </ac:spMkLst>
+        </pc:spChg>
+        <pc:spChg chg="add mod">
+          <ac:chgData name="Thomas O Fredericks" userId="9a40f032a9b16fc7" providerId="LiveId" clId="{0CB35A17-9EB5-43A2-BCD2-B142904F17FE}" dt="2022-10-13T19:09:18.836" v="715" actId="14100"/>
+          <ac:spMkLst>
+            <pc:docMk/>
+            <pc:sldMk cId="2511965053" sldId="276"/>
+            <ac:spMk id="7" creationId="{53A43B33-FA64-4E6B-8DFB-83816DEEA32A}"/>
+          </ac:spMkLst>
+        </pc:spChg>
         <pc:picChg chg="add">
           <ac:chgData name="Thomas O Fredericks" userId="9a40f032a9b16fc7" providerId="LiveId" clId="{0CB35A17-9EB5-43A2-BCD2-B142904F17FE}" dt="2022-10-13T01:56:55.572" v="5"/>
           <ac:picMkLst>
@@ -179,12 +1013,52 @@
           </ac:picMkLst>
         </pc:picChg>
       </pc:sldChg>
-      <pc:sldChg chg="addSp add">
-        <pc:chgData name="Thomas O Fredericks" userId="9a40f032a9b16fc7" providerId="LiveId" clId="{0CB35A17-9EB5-43A2-BCD2-B142904F17FE}" dt="2022-10-13T01:57:18.861" v="7"/>
+      <pc:sldChg chg="addSp delSp modSp add">
+        <pc:chgData name="Thomas O Fredericks" userId="9a40f032a9b16fc7" providerId="LiveId" clId="{0CB35A17-9EB5-43A2-BCD2-B142904F17FE}" dt="2022-10-13T19:09:12.449" v="712"/>
         <pc:sldMkLst>
           <pc:docMk/>
           <pc:sldMk cId="1074577818" sldId="277"/>
         </pc:sldMkLst>
+        <pc:spChg chg="add mod">
+          <ac:chgData name="Thomas O Fredericks" userId="9a40f032a9b16fc7" providerId="LiveId" clId="{0CB35A17-9EB5-43A2-BCD2-B142904F17FE}" dt="2022-10-13T19:08:18.896" v="702" actId="1076"/>
+          <ac:spMkLst>
+            <pc:docMk/>
+            <pc:sldMk cId="1074577818" sldId="277"/>
+            <ac:spMk id="3" creationId="{96040A34-12A5-4CE0-80F3-9FFA2F349A1E}"/>
+          </ac:spMkLst>
+        </pc:spChg>
+        <pc:spChg chg="add mod">
+          <ac:chgData name="Thomas O Fredericks" userId="9a40f032a9b16fc7" providerId="LiveId" clId="{0CB35A17-9EB5-43A2-BCD2-B142904F17FE}" dt="2022-10-13T19:03:17.078" v="564" actId="20577"/>
+          <ac:spMkLst>
+            <pc:docMk/>
+            <pc:sldMk cId="1074577818" sldId="277"/>
+            <ac:spMk id="4" creationId="{07BC4F99-A10A-432D-B015-4CC67CDCF010}"/>
+          </ac:spMkLst>
+        </pc:spChg>
+        <pc:spChg chg="add mod">
+          <ac:chgData name="Thomas O Fredericks" userId="9a40f032a9b16fc7" providerId="LiveId" clId="{0CB35A17-9EB5-43A2-BCD2-B142904F17FE}" dt="2022-10-13T19:08:28.927" v="703" actId="20577"/>
+          <ac:spMkLst>
+            <pc:docMk/>
+            <pc:sldMk cId="1074577818" sldId="277"/>
+            <ac:spMk id="5" creationId="{B3FE3275-7DB6-4CA9-AAD1-6E3B9A87FF4F}"/>
+          </ac:spMkLst>
+        </pc:spChg>
+        <pc:spChg chg="add mod">
+          <ac:chgData name="Thomas O Fredericks" userId="9a40f032a9b16fc7" providerId="LiveId" clId="{0CB35A17-9EB5-43A2-BCD2-B142904F17FE}" dt="2022-10-13T19:08:35.253" v="706" actId="20577"/>
+          <ac:spMkLst>
+            <pc:docMk/>
+            <pc:sldMk cId="1074577818" sldId="277"/>
+            <ac:spMk id="6" creationId="{A6B72E22-68FD-47E9-BA42-A4EFA44C8D2F}"/>
+          </ac:spMkLst>
+        </pc:spChg>
+        <pc:spChg chg="add del">
+          <ac:chgData name="Thomas O Fredericks" userId="9a40f032a9b16fc7" providerId="LiveId" clId="{0CB35A17-9EB5-43A2-BCD2-B142904F17FE}" dt="2022-10-13T19:09:12.449" v="712"/>
+          <ac:spMkLst>
+            <pc:docMk/>
+            <pc:sldMk cId="1074577818" sldId="277"/>
+            <ac:spMk id="7" creationId="{41A45227-F0E0-41BC-97EE-D5324088D2BF}"/>
+          </ac:spMkLst>
+        </pc:spChg>
         <pc:picChg chg="add">
           <ac:chgData name="Thomas O Fredericks" userId="9a40f032a9b16fc7" providerId="LiveId" clId="{0CB35A17-9EB5-43A2-BCD2-B142904F17FE}" dt="2022-10-13T01:57:18.861" v="7"/>
           <ac:picMkLst>
@@ -194,18 +1068,328 @@
           </ac:picMkLst>
         </pc:picChg>
       </pc:sldChg>
-      <pc:sldChg chg="addSp add">
-        <pc:chgData name="Thomas O Fredericks" userId="9a40f032a9b16fc7" providerId="LiveId" clId="{0CB35A17-9EB5-43A2-BCD2-B142904F17FE}" dt="2022-10-13T02:11:39.611" v="9"/>
+      <pc:sldChg chg="addSp delSp modSp add">
+        <pc:chgData name="Thomas O Fredericks" userId="9a40f032a9b16fc7" providerId="LiveId" clId="{0CB35A17-9EB5-43A2-BCD2-B142904F17FE}" dt="2022-10-13T19:08:59.659" v="710" actId="1076"/>
         <pc:sldMkLst>
           <pc:docMk/>
           <pc:sldMk cId="4239763866" sldId="278"/>
         </pc:sldMkLst>
-        <pc:picChg chg="add">
-          <ac:chgData name="Thomas O Fredericks" userId="9a40f032a9b16fc7" providerId="LiveId" clId="{0CB35A17-9EB5-43A2-BCD2-B142904F17FE}" dt="2022-10-13T02:11:39.611" v="9"/>
+        <pc:spChg chg="add del mod">
+          <ac:chgData name="Thomas O Fredericks" userId="9a40f032a9b16fc7" providerId="LiveId" clId="{0CB35A17-9EB5-43A2-BCD2-B142904F17FE}" dt="2022-10-13T19:05:42.895" v="602" actId="478"/>
+          <ac:spMkLst>
+            <pc:docMk/>
+            <pc:sldMk cId="4239763866" sldId="278"/>
+            <ac:spMk id="3" creationId="{62FDC823-7CE3-491E-A895-590EA802FCF2}"/>
+          </ac:spMkLst>
+        </pc:spChg>
+        <pc:spChg chg="add mod ord">
+          <ac:chgData name="Thomas O Fredericks" userId="9a40f032a9b16fc7" providerId="LiveId" clId="{0CB35A17-9EB5-43A2-BCD2-B142904F17FE}" dt="2022-10-13T19:06:53.621" v="651" actId="1076"/>
+          <ac:spMkLst>
+            <pc:docMk/>
+            <pc:sldMk cId="4239763866" sldId="278"/>
+            <ac:spMk id="4" creationId="{6D1BA1D9-EA24-4E6B-AF9A-CA61162DC587}"/>
+          </ac:spMkLst>
+        </pc:spChg>
+        <pc:spChg chg="add mod ord">
+          <ac:chgData name="Thomas O Fredericks" userId="9a40f032a9b16fc7" providerId="LiveId" clId="{0CB35A17-9EB5-43A2-BCD2-B142904F17FE}" dt="2022-10-13T19:07:53.441" v="699" actId="1076"/>
+          <ac:spMkLst>
+            <pc:docMk/>
+            <pc:sldMk cId="4239763866" sldId="278"/>
+            <ac:spMk id="5" creationId="{6D752130-4760-4CCE-822C-266AE7B19E22}"/>
+          </ac:spMkLst>
+        </pc:spChg>
+        <pc:spChg chg="add mod">
+          <ac:chgData name="Thomas O Fredericks" userId="9a40f032a9b16fc7" providerId="LiveId" clId="{0CB35A17-9EB5-43A2-BCD2-B142904F17FE}" dt="2022-10-13T19:08:59.659" v="710" actId="1076"/>
+          <ac:spMkLst>
+            <pc:docMk/>
+            <pc:sldMk cId="4239763866" sldId="278"/>
+            <ac:spMk id="8" creationId="{424276B9-8DE8-4A79-8E1B-39D97699AD08}"/>
+          </ac:spMkLst>
+        </pc:spChg>
+        <pc:spChg chg="add mod">
+          <ac:chgData name="Thomas O Fredericks" userId="9a40f032a9b16fc7" providerId="LiveId" clId="{0CB35A17-9EB5-43A2-BCD2-B142904F17FE}" dt="2022-10-13T19:06:39.645" v="648" actId="790"/>
+          <ac:spMkLst>
+            <pc:docMk/>
+            <pc:sldMk cId="4239763866" sldId="278"/>
+            <ac:spMk id="9" creationId="{B6DFF508-7F2E-45F5-93AF-78A52D2EC1E0}"/>
+          </ac:spMkLst>
+        </pc:spChg>
+        <pc:spChg chg="add mod">
+          <ac:chgData name="Thomas O Fredericks" userId="9a40f032a9b16fc7" providerId="LiveId" clId="{0CB35A17-9EB5-43A2-BCD2-B142904F17FE}" dt="2022-10-13T19:06:39.645" v="648" actId="790"/>
+          <ac:spMkLst>
+            <pc:docMk/>
+            <pc:sldMk cId="4239763866" sldId="278"/>
+            <ac:spMk id="10" creationId="{02F6B229-150C-4200-A4A6-1E9388484AFB}"/>
+          </ac:spMkLst>
+        </pc:spChg>
+        <pc:spChg chg="add mod">
+          <ac:chgData name="Thomas O Fredericks" userId="9a40f032a9b16fc7" providerId="LiveId" clId="{0CB35A17-9EB5-43A2-BCD2-B142904F17FE}" dt="2022-10-13T19:06:39.645" v="648" actId="790"/>
+          <ac:spMkLst>
+            <pc:docMk/>
+            <pc:sldMk cId="4239763866" sldId="278"/>
+            <ac:spMk id="11" creationId="{1B5DF03A-47C6-4F06-ACB0-5D10437728F4}"/>
+          </ac:spMkLst>
+        </pc:spChg>
+        <pc:spChg chg="add mod ord">
+          <ac:chgData name="Thomas O Fredericks" userId="9a40f032a9b16fc7" providerId="LiveId" clId="{0CB35A17-9EB5-43A2-BCD2-B142904F17FE}" dt="2022-10-13T19:07:20.877" v="672" actId="1076"/>
+          <ac:spMkLst>
+            <pc:docMk/>
+            <pc:sldMk cId="4239763866" sldId="278"/>
+            <ac:spMk id="12" creationId="{768870B8-81B8-4A8C-9A1F-4B3297EC3546}"/>
+          </ac:spMkLst>
+        </pc:spChg>
+        <pc:spChg chg="add mod ord">
+          <ac:chgData name="Thomas O Fredericks" userId="9a40f032a9b16fc7" providerId="LiveId" clId="{0CB35A17-9EB5-43A2-BCD2-B142904F17FE}" dt="2022-10-13T19:07:15.202" v="669" actId="166"/>
+          <ac:spMkLst>
+            <pc:docMk/>
+            <pc:sldMk cId="4239763866" sldId="278"/>
+            <ac:spMk id="13" creationId="{E6895D0E-BEC3-4D84-B50F-9C3F282F3E6A}"/>
+          </ac:spMkLst>
+        </pc:spChg>
+        <pc:spChg chg="add mod">
+          <ac:chgData name="Thomas O Fredericks" userId="9a40f032a9b16fc7" providerId="LiveId" clId="{0CB35A17-9EB5-43A2-BCD2-B142904F17FE}" dt="2022-10-13T19:07:51.506" v="698" actId="1076"/>
+          <ac:spMkLst>
+            <pc:docMk/>
+            <pc:sldMk cId="4239763866" sldId="278"/>
+            <ac:spMk id="14" creationId="{6B19AAD2-6EFD-4AE3-B8DA-3F7844ECD0FB}"/>
+          </ac:spMkLst>
+        </pc:spChg>
+        <pc:picChg chg="add del">
+          <ac:chgData name="Thomas O Fredericks" userId="9a40f032a9b16fc7" providerId="LiveId" clId="{0CB35A17-9EB5-43A2-BCD2-B142904F17FE}" dt="2022-10-13T19:04:58.848" v="574" actId="478"/>
           <ac:picMkLst>
             <pc:docMk/>
             <pc:sldMk cId="4239763866" sldId="278"/>
             <ac:picMk id="2" creationId="{EB069054-69B9-4463-ACBE-48AE373FE0A9}"/>
+          </ac:picMkLst>
+        </pc:picChg>
+        <pc:picChg chg="add del mod">
+          <ac:chgData name="Thomas O Fredericks" userId="9a40f032a9b16fc7" providerId="LiveId" clId="{0CB35A17-9EB5-43A2-BCD2-B142904F17FE}" dt="2022-10-13T19:05:32.785" v="593" actId="478"/>
+          <ac:picMkLst>
+            <pc:docMk/>
+            <pc:sldMk cId="4239763866" sldId="278"/>
+            <ac:picMk id="6" creationId="{BFEC6E4B-F933-4FBF-80EA-3CB73C51283D}"/>
+          </ac:picMkLst>
+        </pc:picChg>
+        <pc:picChg chg="add mod ord">
+          <ac:chgData name="Thomas O Fredericks" userId="9a40f032a9b16fc7" providerId="LiveId" clId="{0CB35A17-9EB5-43A2-BCD2-B142904F17FE}" dt="2022-10-13T19:05:16.137" v="580" actId="1076"/>
+          <ac:picMkLst>
+            <pc:docMk/>
+            <pc:sldMk cId="4239763866" sldId="278"/>
+            <ac:picMk id="7" creationId="{D2B459C0-D256-4F32-AE11-31B143285BE8}"/>
+          </ac:picMkLst>
+        </pc:picChg>
+      </pc:sldChg>
+      <pc:sldChg chg="addSp modSp add">
+        <pc:chgData name="Thomas O Fredericks" userId="9a40f032a9b16fc7" providerId="LiveId" clId="{0CB35A17-9EB5-43A2-BCD2-B142904F17FE}" dt="2022-10-13T18:50:35.469" v="487" actId="1035"/>
+        <pc:sldMkLst>
+          <pc:docMk/>
+          <pc:sldMk cId="4053886846" sldId="279"/>
+        </pc:sldMkLst>
+        <pc:spChg chg="add mod">
+          <ac:chgData name="Thomas O Fredericks" userId="9a40f032a9b16fc7" providerId="LiveId" clId="{0CB35A17-9EB5-43A2-BCD2-B142904F17FE}" dt="2022-10-13T18:50:18.949" v="479" actId="1076"/>
+          <ac:spMkLst>
+            <pc:docMk/>
+            <pc:sldMk cId="4053886846" sldId="279"/>
+            <ac:spMk id="8" creationId="{A6DAFB3D-6E7E-4F5D-8007-09A260B9C1BD}"/>
+          </ac:spMkLst>
+        </pc:spChg>
+        <pc:spChg chg="add mod">
+          <ac:chgData name="Thomas O Fredericks" userId="9a40f032a9b16fc7" providerId="LiveId" clId="{0CB35A17-9EB5-43A2-BCD2-B142904F17FE}" dt="2022-10-13T18:50:18.949" v="479" actId="1076"/>
+          <ac:spMkLst>
+            <pc:docMk/>
+            <pc:sldMk cId="4053886846" sldId="279"/>
+            <ac:spMk id="9" creationId="{9F8718C2-8A5D-438A-8FE1-41CE9E8B83CA}"/>
+          </ac:spMkLst>
+        </pc:spChg>
+        <pc:spChg chg="add mod">
+          <ac:chgData name="Thomas O Fredericks" userId="9a40f032a9b16fc7" providerId="LiveId" clId="{0CB35A17-9EB5-43A2-BCD2-B142904F17FE}" dt="2022-10-13T18:50:18.949" v="479" actId="1076"/>
+          <ac:spMkLst>
+            <pc:docMk/>
+            <pc:sldMk cId="4053886846" sldId="279"/>
+            <ac:spMk id="10" creationId="{A34FAEA8-1AB6-44DD-9E66-9088CF093AE8}"/>
+          </ac:spMkLst>
+        </pc:spChg>
+        <pc:picChg chg="add mod">
+          <ac:chgData name="Thomas O Fredericks" userId="9a40f032a9b16fc7" providerId="LiveId" clId="{0CB35A17-9EB5-43A2-BCD2-B142904F17FE}" dt="2022-10-13T18:50:35.469" v="487" actId="1035"/>
+          <ac:picMkLst>
+            <pc:docMk/>
+            <pc:sldMk cId="4053886846" sldId="279"/>
+            <ac:picMk id="2" creationId="{78036607-8DEA-4697-96FF-583BAF860658}"/>
+          </ac:picMkLst>
+        </pc:picChg>
+        <pc:picChg chg="add mod">
+          <ac:chgData name="Thomas O Fredericks" userId="9a40f032a9b16fc7" providerId="LiveId" clId="{0CB35A17-9EB5-43A2-BCD2-B142904F17FE}" dt="2022-10-13T18:50:18.949" v="479" actId="1076"/>
+          <ac:picMkLst>
+            <pc:docMk/>
+            <pc:sldMk cId="4053886846" sldId="279"/>
+            <ac:picMk id="3" creationId="{E5301AB1-B760-430C-95EF-6B2FECCD0892}"/>
+          </ac:picMkLst>
+        </pc:picChg>
+        <pc:picChg chg="add mod">
+          <ac:chgData name="Thomas O Fredericks" userId="9a40f032a9b16fc7" providerId="LiveId" clId="{0CB35A17-9EB5-43A2-BCD2-B142904F17FE}" dt="2022-10-13T18:50:23.502" v="482" actId="1076"/>
+          <ac:picMkLst>
+            <pc:docMk/>
+            <pc:sldMk cId="4053886846" sldId="279"/>
+            <ac:picMk id="4" creationId="{2C447AC5-BBB8-4390-B0EF-C15E541C8344}"/>
+          </ac:picMkLst>
+        </pc:picChg>
+        <pc:picChg chg="add mod">
+          <ac:chgData name="Thomas O Fredericks" userId="9a40f032a9b16fc7" providerId="LiveId" clId="{0CB35A17-9EB5-43A2-BCD2-B142904F17FE}" dt="2022-10-13T18:50:18.949" v="479" actId="1076"/>
+          <ac:picMkLst>
+            <pc:docMk/>
+            <pc:sldMk cId="4053886846" sldId="279"/>
+            <ac:picMk id="5" creationId="{BA583F60-E83F-4CC1-B5E5-E6CF57BB58C2}"/>
+          </ac:picMkLst>
+        </pc:picChg>
+        <pc:picChg chg="add mod">
+          <ac:chgData name="Thomas O Fredericks" userId="9a40f032a9b16fc7" providerId="LiveId" clId="{0CB35A17-9EB5-43A2-BCD2-B142904F17FE}" dt="2022-10-13T18:50:26.239" v="483" actId="1076"/>
+          <ac:picMkLst>
+            <pc:docMk/>
+            <pc:sldMk cId="4053886846" sldId="279"/>
+            <ac:picMk id="6" creationId="{53B7D663-0818-4399-95A5-7F248979205B}"/>
+          </ac:picMkLst>
+        </pc:picChg>
+        <pc:picChg chg="add mod">
+          <ac:chgData name="Thomas O Fredericks" userId="9a40f032a9b16fc7" providerId="LiveId" clId="{0CB35A17-9EB5-43A2-BCD2-B142904F17FE}" dt="2022-10-13T18:50:18.949" v="479" actId="1076"/>
+          <ac:picMkLst>
+            <pc:docMk/>
+            <pc:sldMk cId="4053886846" sldId="279"/>
+            <ac:picMk id="7" creationId="{7AF6113A-04B7-4B35-A568-3816663A4676}"/>
+          </ac:picMkLst>
+        </pc:picChg>
+      </pc:sldChg>
+      <pc:sldChg chg="addSp delSp modSp add">
+        <pc:chgData name="Thomas O Fredericks" userId="9a40f032a9b16fc7" providerId="LiveId" clId="{0CB35A17-9EB5-43A2-BCD2-B142904F17FE}" dt="2022-10-13T19:02:16.931" v="556" actId="1076"/>
+        <pc:sldMkLst>
+          <pc:docMk/>
+          <pc:sldMk cId="3047782735" sldId="280"/>
+        </pc:sldMkLst>
+        <pc:spChg chg="add mod">
+          <ac:chgData name="Thomas O Fredericks" userId="9a40f032a9b16fc7" providerId="LiveId" clId="{0CB35A17-9EB5-43A2-BCD2-B142904F17FE}" dt="2022-10-13T19:01:39.727" v="537" actId="1035"/>
+          <ac:spMkLst>
+            <pc:docMk/>
+            <pc:sldMk cId="3047782735" sldId="280"/>
+            <ac:spMk id="8" creationId="{1A0D1535-CAA3-41A7-9A51-E0551A6F896D}"/>
+          </ac:spMkLst>
+        </pc:spChg>
+        <pc:spChg chg="add del mod">
+          <ac:chgData name="Thomas O Fredericks" userId="9a40f032a9b16fc7" providerId="LiveId" clId="{0CB35A17-9EB5-43A2-BCD2-B142904F17FE}" dt="2022-10-13T19:02:05.782" v="547" actId="478"/>
+          <ac:spMkLst>
+            <pc:docMk/>
+            <pc:sldMk cId="3047782735" sldId="280"/>
+            <ac:spMk id="9" creationId="{D326467F-6074-4649-B1BD-74D27E08C914}"/>
+          </ac:spMkLst>
+        </pc:spChg>
+        <pc:spChg chg="add del mod">
+          <ac:chgData name="Thomas O Fredericks" userId="9a40f032a9b16fc7" providerId="LiveId" clId="{0CB35A17-9EB5-43A2-BCD2-B142904F17FE}" dt="2022-10-13T19:02:04.959" v="546" actId="478"/>
+          <ac:spMkLst>
+            <pc:docMk/>
+            <pc:sldMk cId="3047782735" sldId="280"/>
+            <ac:spMk id="10" creationId="{52D346C5-7B9C-4889-8506-51355C5E12FF}"/>
+          </ac:spMkLst>
+        </pc:spChg>
+        <pc:spChg chg="add mod">
+          <ac:chgData name="Thomas O Fredericks" userId="9a40f032a9b16fc7" providerId="LiveId" clId="{0CB35A17-9EB5-43A2-BCD2-B142904F17FE}" dt="2022-10-13T19:01:58.160" v="543" actId="14100"/>
+          <ac:spMkLst>
+            <pc:docMk/>
+            <pc:sldMk cId="3047782735" sldId="280"/>
+            <ac:spMk id="11" creationId="{2FCCEEA1-F4AC-477E-8AAA-FC4BE71B0D80}"/>
+          </ac:spMkLst>
+        </pc:spChg>
+        <pc:spChg chg="add del mod">
+          <ac:chgData name="Thomas O Fredericks" userId="9a40f032a9b16fc7" providerId="LiveId" clId="{0CB35A17-9EB5-43A2-BCD2-B142904F17FE}" dt="2022-10-13T19:02:03.367" v="544" actId="478"/>
+          <ac:spMkLst>
+            <pc:docMk/>
+            <pc:sldMk cId="3047782735" sldId="280"/>
+            <ac:spMk id="12" creationId="{DDF53BA3-BE6D-46D7-BAA6-C555E8A5399D}"/>
+          </ac:spMkLst>
+        </pc:spChg>
+        <pc:spChg chg="add del mod">
+          <ac:chgData name="Thomas O Fredericks" userId="9a40f032a9b16fc7" providerId="LiveId" clId="{0CB35A17-9EB5-43A2-BCD2-B142904F17FE}" dt="2022-10-13T19:02:04.082" v="545" actId="478"/>
+          <ac:spMkLst>
+            <pc:docMk/>
+            <pc:sldMk cId="3047782735" sldId="280"/>
+            <ac:spMk id="13" creationId="{EDCB6A52-7FF8-4B79-BE22-946255A64A15}"/>
+          </ac:spMkLst>
+        </pc:spChg>
+        <pc:spChg chg="add mod">
+          <ac:chgData name="Thomas O Fredericks" userId="9a40f032a9b16fc7" providerId="LiveId" clId="{0CB35A17-9EB5-43A2-BCD2-B142904F17FE}" dt="2022-10-13T19:02:11.671" v="554" actId="1035"/>
+          <ac:spMkLst>
+            <pc:docMk/>
+            <pc:sldMk cId="3047782735" sldId="280"/>
+            <ac:spMk id="14" creationId="{FC2DD808-6E24-4B96-9290-30CDABBB4857}"/>
+          </ac:spMkLst>
+        </pc:spChg>
+        <pc:spChg chg="add mod">
+          <ac:chgData name="Thomas O Fredericks" userId="9a40f032a9b16fc7" providerId="LiveId" clId="{0CB35A17-9EB5-43A2-BCD2-B142904F17FE}" dt="2022-10-13T19:02:11.671" v="554" actId="1035"/>
+          <ac:spMkLst>
+            <pc:docMk/>
+            <pc:sldMk cId="3047782735" sldId="280"/>
+            <ac:spMk id="15" creationId="{8FF42C36-6E09-41C4-9CF5-756634733F1C}"/>
+          </ac:spMkLst>
+        </pc:spChg>
+        <pc:spChg chg="add mod">
+          <ac:chgData name="Thomas O Fredericks" userId="9a40f032a9b16fc7" providerId="LiveId" clId="{0CB35A17-9EB5-43A2-BCD2-B142904F17FE}" dt="2022-10-13T19:02:16.931" v="556" actId="1076"/>
+          <ac:spMkLst>
+            <pc:docMk/>
+            <pc:sldMk cId="3047782735" sldId="280"/>
+            <ac:spMk id="16" creationId="{DF5015DF-83AC-4C58-AD9E-45CCE76CBC27}"/>
+          </ac:spMkLst>
+        </pc:spChg>
+        <pc:spChg chg="add mod">
+          <ac:chgData name="Thomas O Fredericks" userId="9a40f032a9b16fc7" providerId="LiveId" clId="{0CB35A17-9EB5-43A2-BCD2-B142904F17FE}" dt="2022-10-13T19:02:16.931" v="556" actId="1076"/>
+          <ac:spMkLst>
+            <pc:docMk/>
+            <pc:sldMk cId="3047782735" sldId="280"/>
+            <ac:spMk id="17" creationId="{90D396A2-4215-46A5-A88E-B6061C15E3D0}"/>
+          </ac:spMkLst>
+        </pc:spChg>
+        <pc:picChg chg="add mod">
+          <ac:chgData name="Thomas O Fredericks" userId="9a40f032a9b16fc7" providerId="LiveId" clId="{0CB35A17-9EB5-43A2-BCD2-B142904F17FE}" dt="2022-10-13T19:00:39.785" v="508" actId="14100"/>
+          <ac:picMkLst>
+            <pc:docMk/>
+            <pc:sldMk cId="3047782735" sldId="280"/>
+            <ac:picMk id="2" creationId="{982E9759-B344-49BA-8FE8-702F58F98242}"/>
+          </ac:picMkLst>
+        </pc:picChg>
+        <pc:picChg chg="add mod">
+          <ac:chgData name="Thomas O Fredericks" userId="9a40f032a9b16fc7" providerId="LiveId" clId="{0CB35A17-9EB5-43A2-BCD2-B142904F17FE}" dt="2022-10-13T19:00:44.254" v="509" actId="1076"/>
+          <ac:picMkLst>
+            <pc:docMk/>
+            <pc:sldMk cId="3047782735" sldId="280"/>
+            <ac:picMk id="3" creationId="{F2E6F889-96E1-4FA0-AE20-30A18E6D46F5}"/>
+          </ac:picMkLst>
+        </pc:picChg>
+        <pc:picChg chg="add mod">
+          <ac:chgData name="Thomas O Fredericks" userId="9a40f032a9b16fc7" providerId="LiveId" clId="{0CB35A17-9EB5-43A2-BCD2-B142904F17FE}" dt="2022-10-13T19:00:33.192" v="505" actId="1076"/>
+          <ac:picMkLst>
+            <pc:docMk/>
+            <pc:sldMk cId="3047782735" sldId="280"/>
+            <ac:picMk id="4" creationId="{A3677004-7AAF-4638-B94D-A7E308005EEF}"/>
+          </ac:picMkLst>
+        </pc:picChg>
+        <pc:picChg chg="add mod">
+          <ac:chgData name="Thomas O Fredericks" userId="9a40f032a9b16fc7" providerId="LiveId" clId="{0CB35A17-9EB5-43A2-BCD2-B142904F17FE}" dt="2022-10-13T19:00:15.312" v="501" actId="1076"/>
+          <ac:picMkLst>
+            <pc:docMk/>
+            <pc:sldMk cId="3047782735" sldId="280"/>
+            <ac:picMk id="5" creationId="{C5460FC2-906F-488C-AE07-C377F0FACF49}"/>
+          </ac:picMkLst>
+        </pc:picChg>
+        <pc:picChg chg="add mod">
+          <ac:chgData name="Thomas O Fredericks" userId="9a40f032a9b16fc7" providerId="LiveId" clId="{0CB35A17-9EB5-43A2-BCD2-B142904F17FE}" dt="2022-10-13T19:00:36.334" v="506" actId="1076"/>
+          <ac:picMkLst>
+            <pc:docMk/>
+            <pc:sldMk cId="3047782735" sldId="280"/>
+            <ac:picMk id="6" creationId="{A48DD583-077C-4EA5-986C-4566D31BF5A3}"/>
+          </ac:picMkLst>
+        </pc:picChg>
+        <pc:picChg chg="add mod">
+          <ac:chgData name="Thomas O Fredericks" userId="9a40f032a9b16fc7" providerId="LiveId" clId="{0CB35A17-9EB5-43A2-BCD2-B142904F17FE}" dt="2022-10-13T19:01:01.077" v="513" actId="1076"/>
+          <ac:picMkLst>
+            <pc:docMk/>
+            <pc:sldMk cId="3047782735" sldId="280"/>
+            <ac:picMk id="7" creationId="{FAEAC655-1C58-4C7A-A639-DB819EB2453C}"/>
           </ac:picMkLst>
         </pc:picChg>
       </pc:sldChg>
@@ -363,7 +1547,7 @@
           <a:p>
             <a:fld id="{BC78AA18-D133-49FE-8FE3-0D81A6BED155}" type="datetimeFigureOut">
               <a:rPr lang="fr-CA" smtClean="0"/>
-              <a:t>2022-10-12</a:t>
+              <a:t>2022-10-13</a:t>
             </a:fld>
             <a:endParaRPr lang="fr-CA"/>
           </a:p>
@@ -563,7 +1747,7 @@
           <a:p>
             <a:fld id="{BC78AA18-D133-49FE-8FE3-0D81A6BED155}" type="datetimeFigureOut">
               <a:rPr lang="fr-CA" smtClean="0"/>
-              <a:t>2022-10-12</a:t>
+              <a:t>2022-10-13</a:t>
             </a:fld>
             <a:endParaRPr lang="fr-CA"/>
           </a:p>
@@ -773,7 +1957,7 @@
           <a:p>
             <a:fld id="{BC78AA18-D133-49FE-8FE3-0D81A6BED155}" type="datetimeFigureOut">
               <a:rPr lang="fr-CA" smtClean="0"/>
-              <a:t>2022-10-12</a:t>
+              <a:t>2022-10-13</a:t>
             </a:fld>
             <a:endParaRPr lang="fr-CA"/>
           </a:p>
@@ -973,7 +2157,7 @@
           <a:p>
             <a:fld id="{BC78AA18-D133-49FE-8FE3-0D81A6BED155}" type="datetimeFigureOut">
               <a:rPr lang="fr-CA" smtClean="0"/>
-              <a:t>2022-10-12</a:t>
+              <a:t>2022-10-13</a:t>
             </a:fld>
             <a:endParaRPr lang="fr-CA"/>
           </a:p>
@@ -1249,7 +2433,7 @@
           <a:p>
             <a:fld id="{BC78AA18-D133-49FE-8FE3-0D81A6BED155}" type="datetimeFigureOut">
               <a:rPr lang="fr-CA" smtClean="0"/>
-              <a:t>2022-10-12</a:t>
+              <a:t>2022-10-13</a:t>
             </a:fld>
             <a:endParaRPr lang="fr-CA"/>
           </a:p>
@@ -1517,7 +2701,7 @@
           <a:p>
             <a:fld id="{BC78AA18-D133-49FE-8FE3-0D81A6BED155}" type="datetimeFigureOut">
               <a:rPr lang="fr-CA" smtClean="0"/>
-              <a:t>2022-10-12</a:t>
+              <a:t>2022-10-13</a:t>
             </a:fld>
             <a:endParaRPr lang="fr-CA"/>
           </a:p>
@@ -1932,7 +3116,7 @@
           <a:p>
             <a:fld id="{BC78AA18-D133-49FE-8FE3-0D81A6BED155}" type="datetimeFigureOut">
               <a:rPr lang="fr-CA" smtClean="0"/>
-              <a:t>2022-10-12</a:t>
+              <a:t>2022-10-13</a:t>
             </a:fld>
             <a:endParaRPr lang="fr-CA"/>
           </a:p>
@@ -2074,7 +3258,7 @@
           <a:p>
             <a:fld id="{BC78AA18-D133-49FE-8FE3-0D81A6BED155}" type="datetimeFigureOut">
               <a:rPr lang="fr-CA" smtClean="0"/>
-              <a:t>2022-10-12</a:t>
+              <a:t>2022-10-13</a:t>
             </a:fld>
             <a:endParaRPr lang="fr-CA"/>
           </a:p>
@@ -2187,7 +3371,7 @@
           <a:p>
             <a:fld id="{BC78AA18-D133-49FE-8FE3-0D81A6BED155}" type="datetimeFigureOut">
               <a:rPr lang="fr-CA" smtClean="0"/>
-              <a:t>2022-10-12</a:t>
+              <a:t>2022-10-13</a:t>
             </a:fld>
             <a:endParaRPr lang="fr-CA"/>
           </a:p>
@@ -2500,7 +3684,7 @@
           <a:p>
             <a:fld id="{BC78AA18-D133-49FE-8FE3-0D81A6BED155}" type="datetimeFigureOut">
               <a:rPr lang="fr-CA" smtClean="0"/>
-              <a:t>2022-10-12</a:t>
+              <a:t>2022-10-13</a:t>
             </a:fld>
             <a:endParaRPr lang="fr-CA"/>
           </a:p>
@@ -2789,7 +3973,7 @@
           <a:p>
             <a:fld id="{BC78AA18-D133-49FE-8FE3-0D81A6BED155}" type="datetimeFigureOut">
               <a:rPr lang="fr-CA" smtClean="0"/>
-              <a:t>2022-10-12</a:t>
+              <a:t>2022-10-13</a:t>
             </a:fld>
             <a:endParaRPr lang="fr-CA"/>
           </a:p>
@@ -3032,7 +4216,7 @@
           <a:p>
             <a:fld id="{BC78AA18-D133-49FE-8FE3-0D81A6BED155}" type="datetimeFigureOut">
               <a:rPr lang="fr-CA" smtClean="0"/>
-              <a:t>2022-10-12</a:t>
+              <a:t>2022-10-13</a:t>
             </a:fld>
             <a:endParaRPr lang="fr-CA"/>
           </a:p>
@@ -3485,6 +4669,153 @@
           </a:prstGeom>
         </p:spPr>
       </p:pic>
+      <p:sp>
+        <p:nvSpPr>
+          <p:cNvPr id="2" name="Ellipse 1">
+            <a:extLst>
+              <a:ext uri="{FF2B5EF4-FFF2-40B4-BE49-F238E27FC236}">
+                <a16:creationId xmlns:a16="http://schemas.microsoft.com/office/drawing/2014/main" id="{2A551EF9-9CA6-4369-A468-C6F78E3EA35C}"/>
+              </a:ext>
+            </a:extLst>
+          </p:cNvPr>
+          <p:cNvSpPr/>
+          <p:nvPr/>
+        </p:nvSpPr>
+        <p:spPr>
+          <a:xfrm>
+            <a:off x="3225338" y="257694"/>
+            <a:ext cx="374073" cy="374073"/>
+          </a:xfrm>
+          <a:prstGeom prst="ellipse">
+            <a:avLst/>
+          </a:prstGeom>
+        </p:spPr>
+        <p:style>
+          <a:lnRef idx="2">
+            <a:schemeClr val="accent1">
+              <a:shade val="50000"/>
+            </a:schemeClr>
+          </a:lnRef>
+          <a:fillRef idx="1">
+            <a:schemeClr val="accent1"/>
+          </a:fillRef>
+          <a:effectRef idx="0">
+            <a:schemeClr val="accent1"/>
+          </a:effectRef>
+          <a:fontRef idx="minor">
+            <a:schemeClr val="lt1"/>
+          </a:fontRef>
+        </p:style>
+        <p:txBody>
+          <a:bodyPr rtlCol="0" anchor="ctr"/>
+          <a:lstStyle/>
+          <a:p>
+            <a:pPr algn="ctr"/>
+            <a:r>
+              <a:rPr lang="fr-CA" dirty="0"/>
+              <a:t>1</a:t>
+            </a:r>
+          </a:p>
+        </p:txBody>
+      </p:sp>
+      <p:sp>
+        <p:nvSpPr>
+          <p:cNvPr id="4" name="Ellipse 3">
+            <a:extLst>
+              <a:ext uri="{FF2B5EF4-FFF2-40B4-BE49-F238E27FC236}">
+                <a16:creationId xmlns:a16="http://schemas.microsoft.com/office/drawing/2014/main" id="{B3EAAB00-350F-40F2-A4E9-D7AE1F6AE245}"/>
+              </a:ext>
+            </a:extLst>
+          </p:cNvPr>
+          <p:cNvSpPr/>
+          <p:nvPr/>
+        </p:nvSpPr>
+        <p:spPr>
+          <a:xfrm>
+            <a:off x="6968837" y="2263832"/>
+            <a:ext cx="374073" cy="374073"/>
+          </a:xfrm>
+          <a:prstGeom prst="ellipse">
+            <a:avLst/>
+          </a:prstGeom>
+        </p:spPr>
+        <p:style>
+          <a:lnRef idx="2">
+            <a:schemeClr val="accent1">
+              <a:shade val="50000"/>
+            </a:schemeClr>
+          </a:lnRef>
+          <a:fillRef idx="1">
+            <a:schemeClr val="accent1"/>
+          </a:fillRef>
+          <a:effectRef idx="0">
+            <a:schemeClr val="accent1"/>
+          </a:effectRef>
+          <a:fontRef idx="minor">
+            <a:schemeClr val="lt1"/>
+          </a:fontRef>
+        </p:style>
+        <p:txBody>
+          <a:bodyPr rtlCol="0" anchor="ctr"/>
+          <a:lstStyle/>
+          <a:p>
+            <a:pPr algn="ctr"/>
+            <a:r>
+              <a:rPr lang="fr-CA" dirty="0"/>
+              <a:t>2</a:t>
+            </a:r>
+          </a:p>
+        </p:txBody>
+      </p:sp>
+      <p:sp>
+        <p:nvSpPr>
+          <p:cNvPr id="5" name="Ellipse 4">
+            <a:extLst>
+              <a:ext uri="{FF2B5EF4-FFF2-40B4-BE49-F238E27FC236}">
+                <a16:creationId xmlns:a16="http://schemas.microsoft.com/office/drawing/2014/main" id="{CA495564-E2FA-42DC-A1D0-FFEAA74FA5BD}"/>
+              </a:ext>
+            </a:extLst>
+          </p:cNvPr>
+          <p:cNvSpPr/>
+          <p:nvPr/>
+        </p:nvSpPr>
+        <p:spPr>
+          <a:xfrm>
+            <a:off x="10105506" y="6090457"/>
+            <a:ext cx="374073" cy="374073"/>
+          </a:xfrm>
+          <a:prstGeom prst="ellipse">
+            <a:avLst/>
+          </a:prstGeom>
+        </p:spPr>
+        <p:style>
+          <a:lnRef idx="2">
+            <a:schemeClr val="accent1">
+              <a:shade val="50000"/>
+            </a:schemeClr>
+          </a:lnRef>
+          <a:fillRef idx="1">
+            <a:schemeClr val="accent1"/>
+          </a:fillRef>
+          <a:effectRef idx="0">
+            <a:schemeClr val="accent1"/>
+          </a:effectRef>
+          <a:fontRef idx="minor">
+            <a:schemeClr val="lt1"/>
+          </a:fontRef>
+        </p:style>
+        <p:txBody>
+          <a:bodyPr rtlCol="0" anchor="ctr"/>
+          <a:lstStyle/>
+          <a:p>
+            <a:pPr algn="ctr"/>
+            <a:r>
+              <a:rPr lang="fr-CA" dirty="0"/>
+              <a:t>3</a:t>
+            </a:r>
+          </a:p>
+        </p:txBody>
+      </p:sp>
     </p:spTree>
     <p:extLst>
       <p:ext uri="{BB962C8B-B14F-4D97-AF65-F5344CB8AC3E}">
@@ -3529,7 +4860,7 @@
           </p:cNvPicPr>
           <p:nvPr/>
         </p:nvPicPr>
-        <p:blipFill>
+        <p:blipFill rotWithShape="1">
           <a:blip r:embed="rId2">
             <a:extLst>
               <a:ext uri="{28A0092B-C50C-407E-A947-70E740481C1C}">
@@ -3537,20 +4868,400 @@
               </a:ext>
             </a:extLst>
           </a:blip>
+          <a:srcRect l="26657"/>
+          <a:stretch/>
+        </p:blipFill>
+        <p:spPr>
+          <a:xfrm>
+            <a:off x="428501" y="0"/>
+            <a:ext cx="7908212" cy="6858000"/>
+          </a:xfrm>
+          <a:prstGeom prst="rect">
+            <a:avLst/>
+          </a:prstGeom>
+        </p:spPr>
+      </p:pic>
+      <p:sp>
+        <p:nvSpPr>
+          <p:cNvPr id="4" name="Rectangle 3">
+            <a:extLst>
+              <a:ext uri="{FF2B5EF4-FFF2-40B4-BE49-F238E27FC236}">
+                <a16:creationId xmlns:a16="http://schemas.microsoft.com/office/drawing/2014/main" id="{F026F9EE-CFF4-4ADD-81CF-662A60B0AC2C}"/>
+              </a:ext>
+            </a:extLst>
+          </p:cNvPr>
+          <p:cNvSpPr/>
+          <p:nvPr/>
+        </p:nvSpPr>
+        <p:spPr>
+          <a:xfrm>
+            <a:off x="1276400" y="4234938"/>
+            <a:ext cx="1857498" cy="204058"/>
+          </a:xfrm>
+          <a:prstGeom prst="rect">
+            <a:avLst/>
+          </a:prstGeom>
+          <a:noFill/>
+          <a:ln w="57150">
+            <a:solidFill>
+              <a:schemeClr val="accent1"/>
+            </a:solidFill>
+          </a:ln>
+        </p:spPr>
+        <p:style>
+          <a:lnRef idx="2">
+            <a:schemeClr val="accent1">
+              <a:shade val="50000"/>
+            </a:schemeClr>
+          </a:lnRef>
+          <a:fillRef idx="1">
+            <a:schemeClr val="accent1"/>
+          </a:fillRef>
+          <a:effectRef idx="0">
+            <a:schemeClr val="accent1"/>
+          </a:effectRef>
+          <a:fontRef idx="minor">
+            <a:schemeClr val="lt1"/>
+          </a:fontRef>
+        </p:style>
+        <p:txBody>
+          <a:bodyPr rtlCol="0" anchor="ctr"/>
+          <a:lstStyle/>
+          <a:p>
+            <a:pPr algn="ctr"/>
+            <a:endParaRPr lang="fr-CA"/>
+          </a:p>
+        </p:txBody>
+      </p:sp>
+      <p:sp>
+        <p:nvSpPr>
+          <p:cNvPr id="2" name="Rectangle : coins arrondis 1">
+            <a:extLst>
+              <a:ext uri="{FF2B5EF4-FFF2-40B4-BE49-F238E27FC236}">
+                <a16:creationId xmlns:a16="http://schemas.microsoft.com/office/drawing/2014/main" id="{C6706C5E-45F1-4F98-80F6-E2BF08FE1645}"/>
+              </a:ext>
+            </a:extLst>
+          </p:cNvPr>
+          <p:cNvSpPr/>
+          <p:nvPr/>
+        </p:nvSpPr>
+        <p:spPr>
+          <a:xfrm>
+            <a:off x="428501" y="4234937"/>
+            <a:ext cx="847899" cy="204058"/>
+          </a:xfrm>
+          <a:prstGeom prst="roundRect">
+            <a:avLst/>
+          </a:prstGeom>
+        </p:spPr>
+        <p:style>
+          <a:lnRef idx="2">
+            <a:schemeClr val="accent1">
+              <a:shade val="50000"/>
+            </a:schemeClr>
+          </a:lnRef>
+          <a:fillRef idx="1">
+            <a:schemeClr val="accent1"/>
+          </a:fillRef>
+          <a:effectRef idx="0">
+            <a:schemeClr val="accent1"/>
+          </a:effectRef>
+          <a:fontRef idx="minor">
+            <a:schemeClr val="lt1"/>
+          </a:fontRef>
+        </p:style>
+        <p:txBody>
+          <a:bodyPr rtlCol="0" anchor="ctr"/>
+          <a:lstStyle/>
+          <a:p>
+            <a:pPr algn="ctr"/>
+            <a:r>
+              <a:rPr lang="fr-CA" sz="1200" dirty="0"/>
+              <a:t>Clic</a:t>
+            </a:r>
+            <a:r>
+              <a:rPr lang="en-CA" sz="1200" dirty="0"/>
+              <a:t> droit</a:t>
+            </a:r>
+            <a:endParaRPr lang="fr-CA" sz="1200" dirty="0"/>
+          </a:p>
+        </p:txBody>
+      </p:sp>
+      <p:sp>
+        <p:nvSpPr>
+          <p:cNvPr id="5" name="Ellipse 4">
+            <a:extLst>
+              <a:ext uri="{FF2B5EF4-FFF2-40B4-BE49-F238E27FC236}">
+                <a16:creationId xmlns:a16="http://schemas.microsoft.com/office/drawing/2014/main" id="{A65231AF-3E45-441A-B34D-138E48EA82F3}"/>
+              </a:ext>
+            </a:extLst>
+          </p:cNvPr>
+          <p:cNvSpPr/>
+          <p:nvPr/>
+        </p:nvSpPr>
+        <p:spPr>
+          <a:xfrm>
+            <a:off x="102917" y="4149929"/>
+            <a:ext cx="374073" cy="374073"/>
+          </a:xfrm>
+          <a:prstGeom prst="ellipse">
+            <a:avLst/>
+          </a:prstGeom>
+        </p:spPr>
+        <p:style>
+          <a:lnRef idx="2">
+            <a:schemeClr val="accent1">
+              <a:shade val="50000"/>
+            </a:schemeClr>
+          </a:lnRef>
+          <a:fillRef idx="1">
+            <a:schemeClr val="accent1"/>
+          </a:fillRef>
+          <a:effectRef idx="0">
+            <a:schemeClr val="accent1"/>
+          </a:effectRef>
+          <a:fontRef idx="minor">
+            <a:schemeClr val="lt1"/>
+          </a:fontRef>
+        </p:style>
+        <p:txBody>
+          <a:bodyPr rtlCol="0" anchor="ctr"/>
+          <a:lstStyle/>
+          <a:p>
+            <a:pPr algn="ctr"/>
+            <a:r>
+              <a:rPr lang="fr-CA" dirty="0"/>
+              <a:t>1</a:t>
+            </a:r>
+          </a:p>
+        </p:txBody>
+      </p:sp>
+      <p:sp>
+        <p:nvSpPr>
+          <p:cNvPr id="7" name="Ellipse 6">
+            <a:extLst>
+              <a:ext uri="{FF2B5EF4-FFF2-40B4-BE49-F238E27FC236}">
+                <a16:creationId xmlns:a16="http://schemas.microsoft.com/office/drawing/2014/main" id="{DCAC27A2-3344-460B-8A1F-0E6426389D61}"/>
+              </a:ext>
+            </a:extLst>
+          </p:cNvPr>
+          <p:cNvSpPr/>
+          <p:nvPr/>
+        </p:nvSpPr>
+        <p:spPr>
+          <a:xfrm>
+            <a:off x="1668481" y="87776"/>
+            <a:ext cx="374073" cy="374073"/>
+          </a:xfrm>
+          <a:prstGeom prst="ellipse">
+            <a:avLst/>
+          </a:prstGeom>
+        </p:spPr>
+        <p:style>
+          <a:lnRef idx="2">
+            <a:schemeClr val="accent1">
+              <a:shade val="50000"/>
+            </a:schemeClr>
+          </a:lnRef>
+          <a:fillRef idx="1">
+            <a:schemeClr val="accent1"/>
+          </a:fillRef>
+          <a:effectRef idx="0">
+            <a:schemeClr val="accent1"/>
+          </a:effectRef>
+          <a:fontRef idx="minor">
+            <a:schemeClr val="lt1"/>
+          </a:fontRef>
+        </p:style>
+        <p:txBody>
+          <a:bodyPr rtlCol="0" anchor="ctr"/>
+          <a:lstStyle/>
+          <a:p>
+            <a:pPr algn="ctr"/>
+            <a:r>
+              <a:rPr lang="fr-CA" dirty="0"/>
+              <a:t>2</a:t>
+            </a:r>
+          </a:p>
+        </p:txBody>
+      </p:sp>
+      <p:sp>
+        <p:nvSpPr>
+          <p:cNvPr id="8" name="Ellipse 7">
+            <a:extLst>
+              <a:ext uri="{FF2B5EF4-FFF2-40B4-BE49-F238E27FC236}">
+                <a16:creationId xmlns:a16="http://schemas.microsoft.com/office/drawing/2014/main" id="{31DE100A-8DC3-41E4-82A6-C980B55EF6E1}"/>
+              </a:ext>
+            </a:extLst>
+          </p:cNvPr>
+          <p:cNvSpPr/>
+          <p:nvPr/>
+        </p:nvSpPr>
+        <p:spPr>
+          <a:xfrm>
+            <a:off x="7066212" y="1969223"/>
+            <a:ext cx="374073" cy="374073"/>
+          </a:xfrm>
+          <a:prstGeom prst="ellipse">
+            <a:avLst/>
+          </a:prstGeom>
+        </p:spPr>
+        <p:style>
+          <a:lnRef idx="2">
+            <a:schemeClr val="accent1">
+              <a:shade val="50000"/>
+            </a:schemeClr>
+          </a:lnRef>
+          <a:fillRef idx="1">
+            <a:schemeClr val="accent1"/>
+          </a:fillRef>
+          <a:effectRef idx="0">
+            <a:schemeClr val="accent1"/>
+          </a:effectRef>
+          <a:fontRef idx="minor">
+            <a:schemeClr val="lt1"/>
+          </a:fontRef>
+        </p:style>
+        <p:txBody>
+          <a:bodyPr rtlCol="0" anchor="ctr"/>
+          <a:lstStyle/>
+          <a:p>
+            <a:pPr algn="ctr"/>
+            <a:r>
+              <a:rPr lang="fr-CA" dirty="0"/>
+              <a:t>3</a:t>
+            </a:r>
+          </a:p>
+        </p:txBody>
+      </p:sp>
+      <p:pic>
+        <p:nvPicPr>
+          <p:cNvPr id="10" name="Image 9">
+            <a:extLst>
+              <a:ext uri="{FF2B5EF4-FFF2-40B4-BE49-F238E27FC236}">
+                <a16:creationId xmlns:a16="http://schemas.microsoft.com/office/drawing/2014/main" id="{9609FC93-8878-472D-BB01-6B7D24E611FE}"/>
+              </a:ext>
+            </a:extLst>
+          </p:cNvPr>
+          <p:cNvPicPr>
+            <a:picLocks noChangeAspect="1"/>
+          </p:cNvPicPr>
+          <p:nvPr/>
+        </p:nvPicPr>
+        <p:blipFill>
+          <a:blip r:embed="rId3"/>
           <a:stretch>
             <a:fillRect/>
           </a:stretch>
         </p:blipFill>
         <p:spPr>
           <a:xfrm>
-            <a:off x="704762" y="0"/>
-            <a:ext cx="10782475" cy="6858000"/>
+            <a:off x="8838895" y="3241962"/>
+            <a:ext cx="2810314" cy="689958"/>
           </a:xfrm>
           <a:prstGeom prst="rect">
             <a:avLst/>
           </a:prstGeom>
         </p:spPr>
       </p:pic>
+      <p:sp>
+        <p:nvSpPr>
+          <p:cNvPr id="12" name="Flèche : droite 11">
+            <a:extLst>
+              <a:ext uri="{FF2B5EF4-FFF2-40B4-BE49-F238E27FC236}">
+                <a16:creationId xmlns:a16="http://schemas.microsoft.com/office/drawing/2014/main" id="{235D1327-7685-4DA4-91C4-6165359A9CF1}"/>
+              </a:ext>
+            </a:extLst>
+          </p:cNvPr>
+          <p:cNvSpPr/>
+          <p:nvPr/>
+        </p:nvSpPr>
+        <p:spPr>
+          <a:xfrm>
+            <a:off x="8675164" y="3586941"/>
+            <a:ext cx="327462" cy="177862"/>
+          </a:xfrm>
+          <a:prstGeom prst="rightArrow">
+            <a:avLst/>
+          </a:prstGeom>
+          <a:ln>
+            <a:noFill/>
+          </a:ln>
+        </p:spPr>
+        <p:style>
+          <a:lnRef idx="2">
+            <a:schemeClr val="accent1">
+              <a:shade val="50000"/>
+            </a:schemeClr>
+          </a:lnRef>
+          <a:fillRef idx="1">
+            <a:schemeClr val="accent1"/>
+          </a:fillRef>
+          <a:effectRef idx="0">
+            <a:schemeClr val="accent1"/>
+          </a:effectRef>
+          <a:fontRef idx="minor">
+            <a:schemeClr val="lt1"/>
+          </a:fontRef>
+        </p:style>
+        <p:txBody>
+          <a:bodyPr rtlCol="0" anchor="ctr"/>
+          <a:lstStyle/>
+          <a:p>
+            <a:pPr algn="ctr"/>
+            <a:endParaRPr lang="fr-CA"/>
+          </a:p>
+        </p:txBody>
+      </p:sp>
+      <p:sp>
+        <p:nvSpPr>
+          <p:cNvPr id="11" name="Ellipse 10">
+            <a:extLst>
+              <a:ext uri="{FF2B5EF4-FFF2-40B4-BE49-F238E27FC236}">
+                <a16:creationId xmlns:a16="http://schemas.microsoft.com/office/drawing/2014/main" id="{33EBE6A0-EC09-40A7-9EEB-8AEC4FEAFF0D}"/>
+              </a:ext>
+            </a:extLst>
+          </p:cNvPr>
+          <p:cNvSpPr/>
+          <p:nvPr/>
+        </p:nvSpPr>
+        <p:spPr>
+          <a:xfrm>
+            <a:off x="8342383" y="3488835"/>
+            <a:ext cx="374073" cy="374073"/>
+          </a:xfrm>
+          <a:prstGeom prst="ellipse">
+            <a:avLst/>
+          </a:prstGeom>
+        </p:spPr>
+        <p:style>
+          <a:lnRef idx="2">
+            <a:schemeClr val="accent1">
+              <a:shade val="50000"/>
+            </a:schemeClr>
+          </a:lnRef>
+          <a:fillRef idx="1">
+            <a:schemeClr val="accent1"/>
+          </a:fillRef>
+          <a:effectRef idx="0">
+            <a:schemeClr val="accent1"/>
+          </a:effectRef>
+          <a:fontRef idx="minor">
+            <a:schemeClr val="lt1"/>
+          </a:fontRef>
+        </p:style>
+        <p:txBody>
+          <a:bodyPr rtlCol="0" anchor="ctr"/>
+          <a:lstStyle/>
+          <a:p>
+            <a:pPr algn="ctr"/>
+            <a:r>
+              <a:rPr lang="fr-CA" dirty="0"/>
+              <a:t>4</a:t>
+            </a:r>
+          </a:p>
+        </p:txBody>
+      </p:sp>
     </p:spTree>
     <p:extLst>
       <p:ext uri="{BB962C8B-B14F-4D97-AF65-F5344CB8AC3E}">
@@ -3617,6 +5328,107 @@
           </a:prstGeom>
         </p:spPr>
       </p:pic>
+      <p:sp>
+        <p:nvSpPr>
+          <p:cNvPr id="4" name="Rectangle 3">
+            <a:extLst>
+              <a:ext uri="{FF2B5EF4-FFF2-40B4-BE49-F238E27FC236}">
+                <a16:creationId xmlns:a16="http://schemas.microsoft.com/office/drawing/2014/main" id="{A09374F3-0C93-426A-AD36-0DD7EB4E57B4}"/>
+              </a:ext>
+            </a:extLst>
+          </p:cNvPr>
+          <p:cNvSpPr/>
+          <p:nvPr/>
+        </p:nvSpPr>
+        <p:spPr>
+          <a:xfrm>
+            <a:off x="6400800" y="6271557"/>
+            <a:ext cx="1388225" cy="170807"/>
+          </a:xfrm>
+          <a:prstGeom prst="rect">
+            <a:avLst/>
+          </a:prstGeom>
+          <a:noFill/>
+          <a:ln w="57150">
+            <a:solidFill>
+              <a:schemeClr val="accent1"/>
+            </a:solidFill>
+          </a:ln>
+        </p:spPr>
+        <p:style>
+          <a:lnRef idx="2">
+            <a:schemeClr val="accent1">
+              <a:shade val="50000"/>
+            </a:schemeClr>
+          </a:lnRef>
+          <a:fillRef idx="1">
+            <a:schemeClr val="accent1"/>
+          </a:fillRef>
+          <a:effectRef idx="0">
+            <a:schemeClr val="accent1"/>
+          </a:effectRef>
+          <a:fontRef idx="minor">
+            <a:schemeClr val="lt1"/>
+          </a:fontRef>
+        </p:style>
+        <p:txBody>
+          <a:bodyPr rtlCol="0" anchor="ctr"/>
+          <a:lstStyle/>
+          <a:p>
+            <a:pPr algn="ctr"/>
+            <a:endParaRPr lang="fr-CA"/>
+          </a:p>
+        </p:txBody>
+      </p:sp>
+      <p:sp>
+        <p:nvSpPr>
+          <p:cNvPr id="5" name="Flèche : droite 4">
+            <a:extLst>
+              <a:ext uri="{FF2B5EF4-FFF2-40B4-BE49-F238E27FC236}">
+                <a16:creationId xmlns:a16="http://schemas.microsoft.com/office/drawing/2014/main" id="{1D48CA89-FE88-496C-A0DE-E0641E3CECA6}"/>
+              </a:ext>
+            </a:extLst>
+          </p:cNvPr>
+          <p:cNvSpPr/>
+          <p:nvPr/>
+        </p:nvSpPr>
+        <p:spPr>
+          <a:xfrm rot="17916893">
+            <a:off x="7034704" y="5050843"/>
+            <a:ext cx="2370256" cy="160102"/>
+          </a:xfrm>
+          <a:prstGeom prst="rightArrow">
+            <a:avLst/>
+          </a:prstGeom>
+          <a:ln>
+            <a:noFill/>
+          </a:ln>
+        </p:spPr>
+        <p:style>
+          <a:lnRef idx="2">
+            <a:schemeClr val="accent1">
+              <a:shade val="50000"/>
+            </a:schemeClr>
+          </a:lnRef>
+          <a:fillRef idx="1">
+            <a:schemeClr val="accent1"/>
+          </a:fillRef>
+          <a:effectRef idx="0">
+            <a:schemeClr val="accent1"/>
+          </a:effectRef>
+          <a:fontRef idx="minor">
+            <a:schemeClr val="lt1"/>
+          </a:fontRef>
+        </p:style>
+        <p:txBody>
+          <a:bodyPr rtlCol="0" anchor="ctr"/>
+          <a:lstStyle/>
+          <a:p>
+            <a:pPr algn="ctr"/>
+            <a:endParaRPr lang="fr-CA"/>
+          </a:p>
+        </p:txBody>
+      </p:sp>
     </p:spTree>
     <p:extLst>
       <p:ext uri="{BB962C8B-B14F-4D97-AF65-F5344CB8AC3E}">
@@ -3683,6 +5495,104 @@
           </a:prstGeom>
         </p:spPr>
       </p:pic>
+      <p:sp>
+        <p:nvSpPr>
+          <p:cNvPr id="4" name="Ellipse 3">
+            <a:extLst>
+              <a:ext uri="{FF2B5EF4-FFF2-40B4-BE49-F238E27FC236}">
+                <a16:creationId xmlns:a16="http://schemas.microsoft.com/office/drawing/2014/main" id="{696FF87D-F1C2-4899-90ED-3BDBCE7F7332}"/>
+              </a:ext>
+            </a:extLst>
+          </p:cNvPr>
+          <p:cNvSpPr/>
+          <p:nvPr/>
+        </p:nvSpPr>
+        <p:spPr>
+          <a:xfrm>
+            <a:off x="2580110" y="2213064"/>
+            <a:ext cx="374073" cy="374073"/>
+          </a:xfrm>
+          <a:prstGeom prst="ellipse">
+            <a:avLst/>
+          </a:prstGeom>
+        </p:spPr>
+        <p:style>
+          <a:lnRef idx="2">
+            <a:schemeClr val="accent1">
+              <a:shade val="50000"/>
+            </a:schemeClr>
+          </a:lnRef>
+          <a:fillRef idx="1">
+            <a:schemeClr val="accent1"/>
+          </a:fillRef>
+          <a:effectRef idx="0">
+            <a:schemeClr val="accent1"/>
+          </a:effectRef>
+          <a:fontRef idx="minor">
+            <a:schemeClr val="lt1"/>
+          </a:fontRef>
+        </p:style>
+        <p:txBody>
+          <a:bodyPr rtlCol="0" anchor="ctr"/>
+          <a:lstStyle/>
+          <a:p>
+            <a:pPr algn="ctr"/>
+            <a:r>
+              <a:rPr lang="fr-CA" dirty="0"/>
+              <a:t>1</a:t>
+            </a:r>
+          </a:p>
+        </p:txBody>
+      </p:sp>
+      <p:sp>
+        <p:nvSpPr>
+          <p:cNvPr id="5" name="Ellipse 4">
+            <a:extLst>
+              <a:ext uri="{FF2B5EF4-FFF2-40B4-BE49-F238E27FC236}">
+                <a16:creationId xmlns:a16="http://schemas.microsoft.com/office/drawing/2014/main" id="{18231AEF-83DB-4124-A747-C4E3D2E52772}"/>
+              </a:ext>
+            </a:extLst>
+          </p:cNvPr>
+          <p:cNvSpPr/>
+          <p:nvPr/>
+        </p:nvSpPr>
+        <p:spPr>
+          <a:xfrm>
+            <a:off x="7429201" y="2880853"/>
+            <a:ext cx="374073" cy="374073"/>
+          </a:xfrm>
+          <a:prstGeom prst="ellipse">
+            <a:avLst/>
+          </a:prstGeom>
+        </p:spPr>
+        <p:style>
+          <a:lnRef idx="2">
+            <a:schemeClr val="accent1">
+              <a:shade val="50000"/>
+            </a:schemeClr>
+          </a:lnRef>
+          <a:fillRef idx="1">
+            <a:schemeClr val="accent1"/>
+          </a:fillRef>
+          <a:effectRef idx="0">
+            <a:schemeClr val="accent1"/>
+          </a:effectRef>
+          <a:fontRef idx="minor">
+            <a:schemeClr val="lt1"/>
+          </a:fontRef>
+        </p:style>
+        <p:txBody>
+          <a:bodyPr rtlCol="0" anchor="ctr"/>
+          <a:lstStyle/>
+          <a:p>
+            <a:pPr algn="ctr"/>
+            <a:r>
+              <a:rPr lang="fr-CA" dirty="0"/>
+              <a:t>2</a:t>
+            </a:r>
+          </a:p>
+        </p:txBody>
+      </p:sp>
     </p:spTree>
     <p:extLst>
       <p:ext uri="{BB962C8B-B14F-4D97-AF65-F5344CB8AC3E}">
@@ -3749,6 +5659,107 @@
           </a:prstGeom>
         </p:spPr>
       </p:pic>
+      <p:sp>
+        <p:nvSpPr>
+          <p:cNvPr id="4" name="Rectangle 3">
+            <a:extLst>
+              <a:ext uri="{FF2B5EF4-FFF2-40B4-BE49-F238E27FC236}">
+                <a16:creationId xmlns:a16="http://schemas.microsoft.com/office/drawing/2014/main" id="{E7FA65F4-5D13-48A0-B370-9AD21DEB96ED}"/>
+              </a:ext>
+            </a:extLst>
+          </p:cNvPr>
+          <p:cNvSpPr/>
+          <p:nvPr/>
+        </p:nvSpPr>
+        <p:spPr>
+          <a:xfrm>
+            <a:off x="6916189" y="6496000"/>
+            <a:ext cx="1388225" cy="170807"/>
+          </a:xfrm>
+          <a:prstGeom prst="rect">
+            <a:avLst/>
+          </a:prstGeom>
+          <a:noFill/>
+          <a:ln w="57150">
+            <a:solidFill>
+              <a:schemeClr val="accent1"/>
+            </a:solidFill>
+          </a:ln>
+        </p:spPr>
+        <p:style>
+          <a:lnRef idx="2">
+            <a:schemeClr val="accent1">
+              <a:shade val="50000"/>
+            </a:schemeClr>
+          </a:lnRef>
+          <a:fillRef idx="1">
+            <a:schemeClr val="accent1"/>
+          </a:fillRef>
+          <a:effectRef idx="0">
+            <a:schemeClr val="accent1"/>
+          </a:effectRef>
+          <a:fontRef idx="minor">
+            <a:schemeClr val="lt1"/>
+          </a:fontRef>
+        </p:style>
+        <p:txBody>
+          <a:bodyPr rtlCol="0" anchor="ctr"/>
+          <a:lstStyle/>
+          <a:p>
+            <a:pPr algn="ctr"/>
+            <a:endParaRPr lang="fr-CA"/>
+          </a:p>
+        </p:txBody>
+      </p:sp>
+      <p:sp>
+        <p:nvSpPr>
+          <p:cNvPr id="5" name="Flèche : droite 4">
+            <a:extLst>
+              <a:ext uri="{FF2B5EF4-FFF2-40B4-BE49-F238E27FC236}">
+                <a16:creationId xmlns:a16="http://schemas.microsoft.com/office/drawing/2014/main" id="{B6E3AEA1-E359-4C56-8287-C4ECECB90F82}"/>
+              </a:ext>
+            </a:extLst>
+          </p:cNvPr>
+          <p:cNvSpPr/>
+          <p:nvPr/>
+        </p:nvSpPr>
+        <p:spPr>
+          <a:xfrm rot="17916893">
+            <a:off x="6365891" y="4362131"/>
+            <a:ext cx="4299467" cy="159921"/>
+          </a:xfrm>
+          <a:prstGeom prst="rightArrow">
+            <a:avLst/>
+          </a:prstGeom>
+          <a:ln>
+            <a:noFill/>
+          </a:ln>
+        </p:spPr>
+        <p:style>
+          <a:lnRef idx="2">
+            <a:schemeClr val="accent1">
+              <a:shade val="50000"/>
+            </a:schemeClr>
+          </a:lnRef>
+          <a:fillRef idx="1">
+            <a:schemeClr val="accent1"/>
+          </a:fillRef>
+          <a:effectRef idx="0">
+            <a:schemeClr val="accent1"/>
+          </a:effectRef>
+          <a:fontRef idx="minor">
+            <a:schemeClr val="lt1"/>
+          </a:fontRef>
+        </p:style>
+        <p:txBody>
+          <a:bodyPr rtlCol="0" anchor="ctr"/>
+          <a:lstStyle/>
+          <a:p>
+            <a:pPr algn="ctr"/>
+            <a:endParaRPr lang="fr-CA"/>
+          </a:p>
+        </p:txBody>
+      </p:sp>
     </p:spTree>
     <p:extLst>
       <p:ext uri="{BB962C8B-B14F-4D97-AF65-F5344CB8AC3E}">
@@ -3815,42 +5826,556 @@
           </a:prstGeom>
         </p:spPr>
       </p:pic>
-      <p:pic>
-        <p:nvPicPr>
-          <p:cNvPr id="4" name="Image 3">
-            <a:extLst>
-              <a:ext uri="{FF2B5EF4-FFF2-40B4-BE49-F238E27FC236}">
-                <a16:creationId xmlns:a16="http://schemas.microsoft.com/office/drawing/2014/main" id="{27F08035-307D-4454-9ABC-3989718219B1}"/>
-              </a:ext>
-            </a:extLst>
-          </p:cNvPr>
-          <p:cNvPicPr>
-            <a:picLocks noChangeAspect="1"/>
-          </p:cNvPicPr>
-          <p:nvPr/>
-        </p:nvPicPr>
-        <p:blipFill>
-          <a:blip r:embed="rId3">
-            <a:extLst>
-              <a:ext uri="{28A0092B-C50C-407E-A947-70E740481C1C}">
-                <a14:useLocalDpi xmlns:a14="http://schemas.microsoft.com/office/drawing/2010/main" val="0"/>
-              </a:ext>
-            </a:extLst>
-          </a:blip>
-          <a:stretch>
-            <a:fillRect/>
-          </a:stretch>
-        </p:blipFill>
-        <p:spPr>
-          <a:xfrm>
-            <a:off x="7971334" y="908538"/>
-            <a:ext cx="4220666" cy="4602292"/>
-          </a:xfrm>
-          <a:prstGeom prst="rect">
-            <a:avLst/>
-          </a:prstGeom>
-        </p:spPr>
-      </p:pic>
+      <p:sp>
+        <p:nvSpPr>
+          <p:cNvPr id="6" name="Ellipse 5">
+            <a:extLst>
+              <a:ext uri="{FF2B5EF4-FFF2-40B4-BE49-F238E27FC236}">
+                <a16:creationId xmlns:a16="http://schemas.microsoft.com/office/drawing/2014/main" id="{1D1958BB-67AB-4ED0-8754-C04AAADDAA6E}"/>
+              </a:ext>
+            </a:extLst>
+          </p:cNvPr>
+          <p:cNvSpPr/>
+          <p:nvPr/>
+        </p:nvSpPr>
+        <p:spPr>
+          <a:xfrm>
+            <a:off x="3918459" y="4260000"/>
+            <a:ext cx="374073" cy="374073"/>
+          </a:xfrm>
+          <a:prstGeom prst="ellipse">
+            <a:avLst/>
+          </a:prstGeom>
+        </p:spPr>
+        <p:style>
+          <a:lnRef idx="2">
+            <a:schemeClr val="accent1">
+              <a:shade val="50000"/>
+            </a:schemeClr>
+          </a:lnRef>
+          <a:fillRef idx="1">
+            <a:schemeClr val="accent1"/>
+          </a:fillRef>
+          <a:effectRef idx="0">
+            <a:schemeClr val="accent1"/>
+          </a:effectRef>
+          <a:fontRef idx="minor">
+            <a:schemeClr val="lt1"/>
+          </a:fontRef>
+        </p:style>
+        <p:txBody>
+          <a:bodyPr rtlCol="0" anchor="ctr"/>
+          <a:lstStyle/>
+          <a:p>
+            <a:pPr algn="ctr"/>
+            <a:r>
+              <a:rPr lang="fr-CA" dirty="0"/>
+              <a:t>1</a:t>
+            </a:r>
+          </a:p>
+        </p:txBody>
+      </p:sp>
+      <p:sp>
+        <p:nvSpPr>
+          <p:cNvPr id="7" name="Ellipse 6">
+            <a:extLst>
+              <a:ext uri="{FF2B5EF4-FFF2-40B4-BE49-F238E27FC236}">
+                <a16:creationId xmlns:a16="http://schemas.microsoft.com/office/drawing/2014/main" id="{01086E67-EEC0-4388-AC6B-213A29FB251A}"/>
+              </a:ext>
+            </a:extLst>
+          </p:cNvPr>
+          <p:cNvSpPr/>
+          <p:nvPr/>
+        </p:nvSpPr>
+        <p:spPr>
+          <a:xfrm>
+            <a:off x="5334393" y="6454560"/>
+            <a:ext cx="374073" cy="374073"/>
+          </a:xfrm>
+          <a:prstGeom prst="ellipse">
+            <a:avLst/>
+          </a:prstGeom>
+        </p:spPr>
+        <p:style>
+          <a:lnRef idx="2">
+            <a:schemeClr val="accent1">
+              <a:shade val="50000"/>
+            </a:schemeClr>
+          </a:lnRef>
+          <a:fillRef idx="1">
+            <a:schemeClr val="accent1"/>
+          </a:fillRef>
+          <a:effectRef idx="0">
+            <a:schemeClr val="accent1"/>
+          </a:effectRef>
+          <a:fontRef idx="minor">
+            <a:schemeClr val="lt1"/>
+          </a:fontRef>
+        </p:style>
+        <p:txBody>
+          <a:bodyPr rtlCol="0" anchor="ctr"/>
+          <a:lstStyle/>
+          <a:p>
+            <a:pPr algn="ctr"/>
+            <a:r>
+              <a:rPr lang="fr-CA" dirty="0"/>
+              <a:t>2</a:t>
+            </a:r>
+          </a:p>
+        </p:txBody>
+      </p:sp>
+      <p:sp>
+        <p:nvSpPr>
+          <p:cNvPr id="8" name="Ellipse 7">
+            <a:extLst>
+              <a:ext uri="{FF2B5EF4-FFF2-40B4-BE49-F238E27FC236}">
+                <a16:creationId xmlns:a16="http://schemas.microsoft.com/office/drawing/2014/main" id="{FBF74754-005F-4BBC-ADB9-BD1C3776B129}"/>
+              </a:ext>
+            </a:extLst>
+          </p:cNvPr>
+          <p:cNvSpPr/>
+          <p:nvPr/>
+        </p:nvSpPr>
+        <p:spPr>
+          <a:xfrm>
+            <a:off x="6700451" y="1810516"/>
+            <a:ext cx="374073" cy="374073"/>
+          </a:xfrm>
+          <a:prstGeom prst="ellipse">
+            <a:avLst/>
+          </a:prstGeom>
+        </p:spPr>
+        <p:style>
+          <a:lnRef idx="2">
+            <a:schemeClr val="accent1">
+              <a:shade val="50000"/>
+            </a:schemeClr>
+          </a:lnRef>
+          <a:fillRef idx="1">
+            <a:schemeClr val="accent1"/>
+          </a:fillRef>
+          <a:effectRef idx="0">
+            <a:schemeClr val="accent1"/>
+          </a:effectRef>
+          <a:fontRef idx="minor">
+            <a:schemeClr val="lt1"/>
+          </a:fontRef>
+        </p:style>
+        <p:txBody>
+          <a:bodyPr rtlCol="0" anchor="ctr"/>
+          <a:lstStyle/>
+          <a:p>
+            <a:pPr algn="ctr"/>
+            <a:r>
+              <a:rPr lang="fr-CA" dirty="0"/>
+              <a:t>3</a:t>
+            </a:r>
+          </a:p>
+        </p:txBody>
+      </p:sp>
+      <p:grpSp>
+        <p:nvGrpSpPr>
+          <p:cNvPr id="20" name="Groupe 19">
+            <a:extLst>
+              <a:ext uri="{FF2B5EF4-FFF2-40B4-BE49-F238E27FC236}">
+                <a16:creationId xmlns:a16="http://schemas.microsoft.com/office/drawing/2014/main" id="{4D1BF778-1534-46A3-8595-90962E1EB3BD}"/>
+              </a:ext>
+            </a:extLst>
+          </p:cNvPr>
+          <p:cNvGrpSpPr/>
+          <p:nvPr/>
+        </p:nvGrpSpPr>
+        <p:grpSpPr>
+          <a:xfrm>
+            <a:off x="8450814" y="0"/>
+            <a:ext cx="3658171" cy="3988937"/>
+            <a:chOff x="7971334" y="0"/>
+            <a:chExt cx="4220666" cy="4602292"/>
+          </a:xfrm>
+        </p:grpSpPr>
+        <p:pic>
+          <p:nvPicPr>
+            <p:cNvPr id="4" name="Image 3">
+              <a:extLst>
+                <a:ext uri="{FF2B5EF4-FFF2-40B4-BE49-F238E27FC236}">
+                  <a16:creationId xmlns:a16="http://schemas.microsoft.com/office/drawing/2014/main" id="{27F08035-307D-4454-9ABC-3989718219B1}"/>
+                </a:ext>
+              </a:extLst>
+            </p:cNvPr>
+            <p:cNvPicPr>
+              <a:picLocks noChangeAspect="1"/>
+            </p:cNvPicPr>
+            <p:nvPr/>
+          </p:nvPicPr>
+          <p:blipFill>
+            <a:blip r:embed="rId3">
+              <a:extLst>
+                <a:ext uri="{28A0092B-C50C-407E-A947-70E740481C1C}">
+                  <a14:useLocalDpi xmlns:a14="http://schemas.microsoft.com/office/drawing/2010/main" val="0"/>
+                </a:ext>
+              </a:extLst>
+            </a:blip>
+            <a:stretch>
+              <a:fillRect/>
+            </a:stretch>
+          </p:blipFill>
+          <p:spPr>
+            <a:xfrm>
+              <a:off x="7971334" y="0"/>
+              <a:ext cx="4220666" cy="4602292"/>
+            </a:xfrm>
+            <a:prstGeom prst="rect">
+              <a:avLst/>
+            </a:prstGeom>
+          </p:spPr>
+        </p:pic>
+        <p:sp>
+          <p:nvSpPr>
+            <p:cNvPr id="2" name="Flèche : double flèche horizontale 1">
+              <a:extLst>
+                <a:ext uri="{FF2B5EF4-FFF2-40B4-BE49-F238E27FC236}">
+                  <a16:creationId xmlns:a16="http://schemas.microsoft.com/office/drawing/2014/main" id="{B60E1C84-DD09-404B-B285-0CA917EA21CC}"/>
+                </a:ext>
+              </a:extLst>
+            </p:cNvPr>
+            <p:cNvSpPr/>
+            <p:nvPr/>
+          </p:nvSpPr>
+          <p:spPr>
+            <a:xfrm rot="5400000">
+              <a:off x="8229358" y="1635397"/>
+              <a:ext cx="289915" cy="159453"/>
+            </a:xfrm>
+            <a:prstGeom prst="leftRightArrow">
+              <a:avLst/>
+            </a:prstGeom>
+            <a:ln>
+              <a:noFill/>
+            </a:ln>
+          </p:spPr>
+          <p:style>
+            <a:lnRef idx="2">
+              <a:schemeClr val="accent1">
+                <a:shade val="50000"/>
+              </a:schemeClr>
+            </a:lnRef>
+            <a:fillRef idx="1">
+              <a:schemeClr val="accent1"/>
+            </a:fillRef>
+            <a:effectRef idx="0">
+              <a:schemeClr val="accent1"/>
+            </a:effectRef>
+            <a:fontRef idx="minor">
+              <a:schemeClr val="lt1"/>
+            </a:fontRef>
+          </p:style>
+          <p:txBody>
+            <a:bodyPr rtlCol="0" anchor="ctr"/>
+            <a:lstStyle/>
+            <a:p>
+              <a:pPr algn="ctr"/>
+              <a:endParaRPr lang="fr-CA"/>
+            </a:p>
+          </p:txBody>
+        </p:sp>
+        <p:sp>
+          <p:nvSpPr>
+            <p:cNvPr id="15" name="Flèche : double flèche horizontale 14">
+              <a:extLst>
+                <a:ext uri="{FF2B5EF4-FFF2-40B4-BE49-F238E27FC236}">
+                  <a16:creationId xmlns:a16="http://schemas.microsoft.com/office/drawing/2014/main" id="{EF7CE74B-13EA-4797-9795-417151EB0972}"/>
+                </a:ext>
+              </a:extLst>
+            </p:cNvPr>
+            <p:cNvSpPr/>
+            <p:nvPr/>
+          </p:nvSpPr>
+          <p:spPr>
+            <a:xfrm rot="5400000">
+              <a:off x="8259207" y="3703999"/>
+              <a:ext cx="289915" cy="159453"/>
+            </a:xfrm>
+            <a:prstGeom prst="leftRightArrow">
+              <a:avLst/>
+            </a:prstGeom>
+            <a:ln>
+              <a:noFill/>
+            </a:ln>
+          </p:spPr>
+          <p:style>
+            <a:lnRef idx="2">
+              <a:schemeClr val="accent1">
+                <a:shade val="50000"/>
+              </a:schemeClr>
+            </a:lnRef>
+            <a:fillRef idx="1">
+              <a:schemeClr val="accent1"/>
+            </a:fillRef>
+            <a:effectRef idx="0">
+              <a:schemeClr val="accent1"/>
+            </a:effectRef>
+            <a:fontRef idx="minor">
+              <a:schemeClr val="lt1"/>
+            </a:fontRef>
+          </p:style>
+          <p:txBody>
+            <a:bodyPr rtlCol="0" anchor="ctr"/>
+            <a:lstStyle/>
+            <a:p>
+              <a:pPr algn="ctr"/>
+              <a:endParaRPr lang="fr-CA"/>
+            </a:p>
+          </p:txBody>
+        </p:sp>
+        <p:sp>
+          <p:nvSpPr>
+            <p:cNvPr id="16" name="Flèche : double flèche horizontale 15">
+              <a:extLst>
+                <a:ext uri="{FF2B5EF4-FFF2-40B4-BE49-F238E27FC236}">
+                  <a16:creationId xmlns:a16="http://schemas.microsoft.com/office/drawing/2014/main" id="{B407734F-E6C3-4CC3-8CF1-44350EB9FBBC}"/>
+                </a:ext>
+              </a:extLst>
+            </p:cNvPr>
+            <p:cNvSpPr/>
+            <p:nvPr/>
+          </p:nvSpPr>
+          <p:spPr>
+            <a:xfrm>
+              <a:off x="10250861" y="582319"/>
+              <a:ext cx="289915" cy="159453"/>
+            </a:xfrm>
+            <a:prstGeom prst="leftRightArrow">
+              <a:avLst/>
+            </a:prstGeom>
+            <a:ln>
+              <a:noFill/>
+            </a:ln>
+          </p:spPr>
+          <p:style>
+            <a:lnRef idx="2">
+              <a:schemeClr val="accent1">
+                <a:shade val="50000"/>
+              </a:schemeClr>
+            </a:lnRef>
+            <a:fillRef idx="1">
+              <a:schemeClr val="accent1"/>
+            </a:fillRef>
+            <a:effectRef idx="0">
+              <a:schemeClr val="accent1"/>
+            </a:effectRef>
+            <a:fontRef idx="minor">
+              <a:schemeClr val="lt1"/>
+            </a:fontRef>
+          </p:style>
+          <p:txBody>
+            <a:bodyPr rtlCol="0" anchor="ctr"/>
+            <a:lstStyle/>
+            <a:p>
+              <a:pPr algn="ctr"/>
+              <a:endParaRPr lang="fr-CA"/>
+            </a:p>
+          </p:txBody>
+        </p:sp>
+        <p:sp>
+          <p:nvSpPr>
+            <p:cNvPr id="17" name="Flèche : double flèche horizontale 16">
+              <a:extLst>
+                <a:ext uri="{FF2B5EF4-FFF2-40B4-BE49-F238E27FC236}">
+                  <a16:creationId xmlns:a16="http://schemas.microsoft.com/office/drawing/2014/main" id="{80AA37F7-9415-4C72-9AB0-7D6B306C3AAE}"/>
+                </a:ext>
+              </a:extLst>
+            </p:cNvPr>
+            <p:cNvSpPr/>
+            <p:nvPr/>
+          </p:nvSpPr>
+          <p:spPr>
+            <a:xfrm>
+              <a:off x="11221430" y="582319"/>
+              <a:ext cx="289915" cy="159453"/>
+            </a:xfrm>
+            <a:prstGeom prst="leftRightArrow">
+              <a:avLst/>
+            </a:prstGeom>
+            <a:ln>
+              <a:noFill/>
+            </a:ln>
+          </p:spPr>
+          <p:style>
+            <a:lnRef idx="2">
+              <a:schemeClr val="accent1">
+                <a:shade val="50000"/>
+              </a:schemeClr>
+            </a:lnRef>
+            <a:fillRef idx="1">
+              <a:schemeClr val="accent1"/>
+            </a:fillRef>
+            <a:effectRef idx="0">
+              <a:schemeClr val="accent1"/>
+            </a:effectRef>
+            <a:fontRef idx="minor">
+              <a:schemeClr val="lt1"/>
+            </a:fontRef>
+          </p:style>
+          <p:txBody>
+            <a:bodyPr rtlCol="0" anchor="ctr"/>
+            <a:lstStyle/>
+            <a:p>
+              <a:pPr algn="ctr"/>
+              <a:endParaRPr lang="fr-CA"/>
+            </a:p>
+          </p:txBody>
+        </p:sp>
+        <p:sp>
+          <p:nvSpPr>
+            <p:cNvPr id="19" name="Rectangle 18">
+              <a:extLst>
+                <a:ext uri="{FF2B5EF4-FFF2-40B4-BE49-F238E27FC236}">
+                  <a16:creationId xmlns:a16="http://schemas.microsoft.com/office/drawing/2014/main" id="{1149FE89-A373-451A-A728-12A9BCA15EE8}"/>
+                </a:ext>
+              </a:extLst>
+            </p:cNvPr>
+            <p:cNvSpPr/>
+            <p:nvPr/>
+          </p:nvSpPr>
+          <p:spPr>
+            <a:xfrm>
+              <a:off x="10902277" y="94951"/>
+              <a:ext cx="374073" cy="159453"/>
+            </a:xfrm>
+            <a:prstGeom prst="rect">
+              <a:avLst/>
+            </a:prstGeom>
+            <a:noFill/>
+            <a:ln w="57150">
+              <a:solidFill>
+                <a:schemeClr val="accent1"/>
+              </a:solidFill>
+            </a:ln>
+          </p:spPr>
+          <p:style>
+            <a:lnRef idx="2">
+              <a:schemeClr val="accent1">
+                <a:shade val="50000"/>
+              </a:schemeClr>
+            </a:lnRef>
+            <a:fillRef idx="1">
+              <a:schemeClr val="accent1"/>
+            </a:fillRef>
+            <a:effectRef idx="0">
+              <a:schemeClr val="accent1"/>
+            </a:effectRef>
+            <a:fontRef idx="minor">
+              <a:schemeClr val="lt1"/>
+            </a:fontRef>
+          </p:style>
+          <p:txBody>
+            <a:bodyPr rtlCol="0" anchor="ctr"/>
+            <a:lstStyle/>
+            <a:p>
+              <a:pPr algn="ctr"/>
+              <a:endParaRPr lang="fr-CA"/>
+            </a:p>
+          </p:txBody>
+        </p:sp>
+        <p:sp>
+          <p:nvSpPr>
+            <p:cNvPr id="18" name="Ellipse 17">
+              <a:extLst>
+                <a:ext uri="{FF2B5EF4-FFF2-40B4-BE49-F238E27FC236}">
+                  <a16:creationId xmlns:a16="http://schemas.microsoft.com/office/drawing/2014/main" id="{8A02DE43-E1AF-4722-9B14-D0AB4AD307A6}"/>
+                </a:ext>
+              </a:extLst>
+            </p:cNvPr>
+            <p:cNvSpPr/>
+            <p:nvPr/>
+          </p:nvSpPr>
+          <p:spPr>
+            <a:xfrm>
+              <a:off x="10574028" y="75680"/>
+              <a:ext cx="374073" cy="374073"/>
+            </a:xfrm>
+            <a:prstGeom prst="ellipse">
+              <a:avLst/>
+            </a:prstGeom>
+          </p:spPr>
+          <p:style>
+            <a:lnRef idx="2">
+              <a:schemeClr val="accent1">
+                <a:shade val="50000"/>
+              </a:schemeClr>
+            </a:lnRef>
+            <a:fillRef idx="1">
+              <a:schemeClr val="accent1"/>
+            </a:fillRef>
+            <a:effectRef idx="0">
+              <a:schemeClr val="accent1"/>
+            </a:effectRef>
+            <a:fontRef idx="minor">
+              <a:schemeClr val="lt1"/>
+            </a:fontRef>
+          </p:style>
+          <p:txBody>
+            <a:bodyPr rtlCol="0" anchor="ctr"/>
+            <a:lstStyle/>
+            <a:p>
+              <a:pPr algn="ctr"/>
+              <a:r>
+                <a:rPr lang="fr-CA" dirty="0"/>
+                <a:t>5</a:t>
+              </a:r>
+            </a:p>
+          </p:txBody>
+        </p:sp>
+      </p:grpSp>
+      <p:sp>
+        <p:nvSpPr>
+          <p:cNvPr id="5" name="Flèche : droite 4">
+            <a:extLst>
+              <a:ext uri="{FF2B5EF4-FFF2-40B4-BE49-F238E27FC236}">
+                <a16:creationId xmlns:a16="http://schemas.microsoft.com/office/drawing/2014/main" id="{D34B3374-57FE-4155-94B7-EFA4E773BABB}"/>
+              </a:ext>
+            </a:extLst>
+          </p:cNvPr>
+          <p:cNvSpPr/>
+          <p:nvPr/>
+        </p:nvSpPr>
+        <p:spPr>
+          <a:xfrm>
+            <a:off x="7648059" y="1827638"/>
+            <a:ext cx="922364" cy="356951"/>
+          </a:xfrm>
+          <a:prstGeom prst="rightArrow">
+            <a:avLst/>
+          </a:prstGeom>
+          <a:ln>
+            <a:noFill/>
+          </a:ln>
+        </p:spPr>
+        <p:style>
+          <a:lnRef idx="2">
+            <a:schemeClr val="accent1">
+              <a:shade val="50000"/>
+            </a:schemeClr>
+          </a:lnRef>
+          <a:fillRef idx="1">
+            <a:schemeClr val="accent1"/>
+          </a:fillRef>
+          <a:effectRef idx="0">
+            <a:schemeClr val="accent1"/>
+          </a:effectRef>
+          <a:fontRef idx="minor">
+            <a:schemeClr val="lt1"/>
+          </a:fontRef>
+        </p:style>
+        <p:txBody>
+          <a:bodyPr rtlCol="0" anchor="ctr"/>
+          <a:lstStyle/>
+          <a:p>
+            <a:pPr algn="ctr"/>
+            <a:endParaRPr lang="fr-CA"/>
+          </a:p>
+        </p:txBody>
+      </p:sp>
     </p:spTree>
     <p:extLst>
       <p:ext uri="{BB962C8B-B14F-4D97-AF65-F5344CB8AC3E}">
@@ -3917,6 +6442,254 @@
           </a:prstGeom>
         </p:spPr>
       </p:pic>
+      <p:sp>
+        <p:nvSpPr>
+          <p:cNvPr id="3" name="Flèche : droite 2">
+            <a:extLst>
+              <a:ext uri="{FF2B5EF4-FFF2-40B4-BE49-F238E27FC236}">
+                <a16:creationId xmlns:a16="http://schemas.microsoft.com/office/drawing/2014/main" id="{2F3A7859-D391-42C1-A866-8A15E123BA46}"/>
+              </a:ext>
+            </a:extLst>
+          </p:cNvPr>
+          <p:cNvSpPr/>
+          <p:nvPr/>
+        </p:nvSpPr>
+        <p:spPr>
+          <a:xfrm rot="12675603">
+            <a:off x="7126809" y="3032632"/>
+            <a:ext cx="3462452" cy="180253"/>
+          </a:xfrm>
+          <a:prstGeom prst="rightArrow">
+            <a:avLst/>
+          </a:prstGeom>
+          <a:ln>
+            <a:noFill/>
+          </a:ln>
+        </p:spPr>
+        <p:style>
+          <a:lnRef idx="2">
+            <a:schemeClr val="accent1">
+              <a:shade val="50000"/>
+            </a:schemeClr>
+          </a:lnRef>
+          <a:fillRef idx="1">
+            <a:schemeClr val="accent1"/>
+          </a:fillRef>
+          <a:effectRef idx="0">
+            <a:schemeClr val="accent1"/>
+          </a:effectRef>
+          <a:fontRef idx="minor">
+            <a:schemeClr val="lt1"/>
+          </a:fontRef>
+        </p:style>
+        <p:txBody>
+          <a:bodyPr rtlCol="0" anchor="ctr"/>
+          <a:lstStyle/>
+          <a:p>
+            <a:pPr algn="ctr"/>
+            <a:endParaRPr lang="fr-CA"/>
+          </a:p>
+        </p:txBody>
+      </p:sp>
+      <p:sp>
+        <p:nvSpPr>
+          <p:cNvPr id="4" name="Rectangle 3">
+            <a:extLst>
+              <a:ext uri="{FF2B5EF4-FFF2-40B4-BE49-F238E27FC236}">
+                <a16:creationId xmlns:a16="http://schemas.microsoft.com/office/drawing/2014/main" id="{2C099B5D-287B-450A-9605-4D2C18C6347E}"/>
+              </a:ext>
+            </a:extLst>
+          </p:cNvPr>
+          <p:cNvSpPr/>
+          <p:nvPr/>
+        </p:nvSpPr>
+        <p:spPr>
+          <a:xfrm>
+            <a:off x="6247150" y="5849809"/>
+            <a:ext cx="2165330" cy="243420"/>
+          </a:xfrm>
+          <a:prstGeom prst="rect">
+            <a:avLst/>
+          </a:prstGeom>
+          <a:noFill/>
+          <a:ln w="57150">
+            <a:solidFill>
+              <a:schemeClr val="accent1"/>
+            </a:solidFill>
+          </a:ln>
+        </p:spPr>
+        <p:style>
+          <a:lnRef idx="2">
+            <a:schemeClr val="accent1">
+              <a:shade val="50000"/>
+            </a:schemeClr>
+          </a:lnRef>
+          <a:fillRef idx="1">
+            <a:schemeClr val="accent1"/>
+          </a:fillRef>
+          <a:effectRef idx="0">
+            <a:schemeClr val="accent1"/>
+          </a:effectRef>
+          <a:fontRef idx="minor">
+            <a:schemeClr val="lt1"/>
+          </a:fontRef>
+        </p:style>
+        <p:txBody>
+          <a:bodyPr rtlCol="0" anchor="ctr"/>
+          <a:lstStyle/>
+          <a:p>
+            <a:pPr algn="ctr"/>
+            <a:endParaRPr lang="fr-CA"/>
+          </a:p>
+        </p:txBody>
+      </p:sp>
+      <p:sp>
+        <p:nvSpPr>
+          <p:cNvPr id="6" name="Ellipse 5">
+            <a:extLst>
+              <a:ext uri="{FF2B5EF4-FFF2-40B4-BE49-F238E27FC236}">
+                <a16:creationId xmlns:a16="http://schemas.microsoft.com/office/drawing/2014/main" id="{4F115DC4-1921-4C35-AB66-84808F1AA130}"/>
+              </a:ext>
+            </a:extLst>
+          </p:cNvPr>
+          <p:cNvSpPr/>
+          <p:nvPr/>
+        </p:nvSpPr>
+        <p:spPr>
+          <a:xfrm>
+            <a:off x="1433235" y="3429000"/>
+            <a:ext cx="374073" cy="374073"/>
+          </a:xfrm>
+          <a:prstGeom prst="ellipse">
+            <a:avLst/>
+          </a:prstGeom>
+        </p:spPr>
+        <p:style>
+          <a:lnRef idx="2">
+            <a:schemeClr val="accent1">
+              <a:shade val="50000"/>
+            </a:schemeClr>
+          </a:lnRef>
+          <a:fillRef idx="1">
+            <a:schemeClr val="accent1"/>
+          </a:fillRef>
+          <a:effectRef idx="0">
+            <a:schemeClr val="accent1"/>
+          </a:effectRef>
+          <a:fontRef idx="minor">
+            <a:schemeClr val="lt1"/>
+          </a:fontRef>
+        </p:style>
+        <p:txBody>
+          <a:bodyPr rtlCol="0" anchor="ctr"/>
+          <a:lstStyle/>
+          <a:p>
+            <a:pPr algn="ctr"/>
+            <a:r>
+              <a:rPr lang="fr-CA" dirty="0"/>
+              <a:t>1</a:t>
+            </a:r>
+          </a:p>
+        </p:txBody>
+      </p:sp>
+      <p:sp>
+        <p:nvSpPr>
+          <p:cNvPr id="7" name="Ellipse 6">
+            <a:extLst>
+              <a:ext uri="{FF2B5EF4-FFF2-40B4-BE49-F238E27FC236}">
+                <a16:creationId xmlns:a16="http://schemas.microsoft.com/office/drawing/2014/main" id="{F609ADCA-7F3B-4F70-BCE6-1C337368A363}"/>
+              </a:ext>
+            </a:extLst>
+          </p:cNvPr>
+          <p:cNvSpPr/>
+          <p:nvPr/>
+        </p:nvSpPr>
+        <p:spPr>
+          <a:xfrm>
+            <a:off x="10508556" y="3803073"/>
+            <a:ext cx="374073" cy="374073"/>
+          </a:xfrm>
+          <a:prstGeom prst="ellipse">
+            <a:avLst/>
+          </a:prstGeom>
+        </p:spPr>
+        <p:style>
+          <a:lnRef idx="2">
+            <a:schemeClr val="accent1">
+              <a:shade val="50000"/>
+            </a:schemeClr>
+          </a:lnRef>
+          <a:fillRef idx="1">
+            <a:schemeClr val="accent1"/>
+          </a:fillRef>
+          <a:effectRef idx="0">
+            <a:schemeClr val="accent1"/>
+          </a:effectRef>
+          <a:fontRef idx="minor">
+            <a:schemeClr val="lt1"/>
+          </a:fontRef>
+        </p:style>
+        <p:txBody>
+          <a:bodyPr rtlCol="0" anchor="ctr"/>
+          <a:lstStyle/>
+          <a:p>
+            <a:pPr algn="ctr"/>
+            <a:r>
+              <a:rPr lang="fr-CA" dirty="0"/>
+              <a:t>2</a:t>
+            </a:r>
+          </a:p>
+        </p:txBody>
+      </p:sp>
+      <p:sp>
+        <p:nvSpPr>
+          <p:cNvPr id="8" name="Ellipse 7">
+            <a:extLst>
+              <a:ext uri="{FF2B5EF4-FFF2-40B4-BE49-F238E27FC236}">
+                <a16:creationId xmlns:a16="http://schemas.microsoft.com/office/drawing/2014/main" id="{7FDDA59D-149A-4339-B393-C5FD3B8624A4}"/>
+              </a:ext>
+            </a:extLst>
+          </p:cNvPr>
+          <p:cNvSpPr/>
+          <p:nvPr/>
+        </p:nvSpPr>
+        <p:spPr>
+          <a:xfrm>
+            <a:off x="5904556" y="5784482"/>
+            <a:ext cx="374073" cy="374073"/>
+          </a:xfrm>
+          <a:prstGeom prst="ellipse">
+            <a:avLst/>
+          </a:prstGeom>
+        </p:spPr>
+        <p:style>
+          <a:lnRef idx="2">
+            <a:schemeClr val="accent1">
+              <a:shade val="50000"/>
+            </a:schemeClr>
+          </a:lnRef>
+          <a:fillRef idx="1">
+            <a:schemeClr val="accent1"/>
+          </a:fillRef>
+          <a:effectRef idx="0">
+            <a:schemeClr val="accent1"/>
+          </a:effectRef>
+          <a:fontRef idx="minor">
+            <a:schemeClr val="lt1"/>
+          </a:fontRef>
+        </p:style>
+        <p:txBody>
+          <a:bodyPr rtlCol="0" anchor="ctr"/>
+          <a:lstStyle/>
+          <a:p>
+            <a:pPr algn="ctr"/>
+            <a:r>
+              <a:rPr lang="fr-CA" dirty="0"/>
+              <a:t>3</a:t>
+            </a:r>
+          </a:p>
+        </p:txBody>
+      </p:sp>
     </p:spTree>
     <p:extLst>
       <p:ext uri="{BB962C8B-B14F-4D97-AF65-F5344CB8AC3E}">
@@ -3983,6 +6756,104 @@
           </a:prstGeom>
         </p:spPr>
       </p:pic>
+      <p:sp>
+        <p:nvSpPr>
+          <p:cNvPr id="4" name="Ellipse 3">
+            <a:extLst>
+              <a:ext uri="{FF2B5EF4-FFF2-40B4-BE49-F238E27FC236}">
+                <a16:creationId xmlns:a16="http://schemas.microsoft.com/office/drawing/2014/main" id="{81B43E0D-F27F-4226-9D4C-79D2C6759130}"/>
+              </a:ext>
+            </a:extLst>
+          </p:cNvPr>
+          <p:cNvSpPr/>
+          <p:nvPr/>
+        </p:nvSpPr>
+        <p:spPr>
+          <a:xfrm>
+            <a:off x="2522202" y="2306782"/>
+            <a:ext cx="374073" cy="374073"/>
+          </a:xfrm>
+          <a:prstGeom prst="ellipse">
+            <a:avLst/>
+          </a:prstGeom>
+        </p:spPr>
+        <p:style>
+          <a:lnRef idx="2">
+            <a:schemeClr val="accent1">
+              <a:shade val="50000"/>
+            </a:schemeClr>
+          </a:lnRef>
+          <a:fillRef idx="1">
+            <a:schemeClr val="accent1"/>
+          </a:fillRef>
+          <a:effectRef idx="0">
+            <a:schemeClr val="accent1"/>
+          </a:effectRef>
+          <a:fontRef idx="minor">
+            <a:schemeClr val="lt1"/>
+          </a:fontRef>
+        </p:style>
+        <p:txBody>
+          <a:bodyPr rtlCol="0" anchor="ctr"/>
+          <a:lstStyle/>
+          <a:p>
+            <a:pPr algn="ctr"/>
+            <a:r>
+              <a:rPr lang="fr-CA" dirty="0"/>
+              <a:t>1</a:t>
+            </a:r>
+          </a:p>
+        </p:txBody>
+      </p:sp>
+      <p:sp>
+        <p:nvSpPr>
+          <p:cNvPr id="5" name="Ellipse 4">
+            <a:extLst>
+              <a:ext uri="{FF2B5EF4-FFF2-40B4-BE49-F238E27FC236}">
+                <a16:creationId xmlns:a16="http://schemas.microsoft.com/office/drawing/2014/main" id="{EE5C89D0-A3AD-43EE-95DA-A38608E73B63}"/>
+              </a:ext>
+            </a:extLst>
+          </p:cNvPr>
+          <p:cNvSpPr/>
+          <p:nvPr/>
+        </p:nvSpPr>
+        <p:spPr>
+          <a:xfrm>
+            <a:off x="7657291" y="4069080"/>
+            <a:ext cx="374073" cy="374073"/>
+          </a:xfrm>
+          <a:prstGeom prst="ellipse">
+            <a:avLst/>
+          </a:prstGeom>
+        </p:spPr>
+        <p:style>
+          <a:lnRef idx="2">
+            <a:schemeClr val="accent1">
+              <a:shade val="50000"/>
+            </a:schemeClr>
+          </a:lnRef>
+          <a:fillRef idx="1">
+            <a:schemeClr val="accent1"/>
+          </a:fillRef>
+          <a:effectRef idx="0">
+            <a:schemeClr val="accent1"/>
+          </a:effectRef>
+          <a:fontRef idx="minor">
+            <a:schemeClr val="lt1"/>
+          </a:fontRef>
+        </p:style>
+        <p:txBody>
+          <a:bodyPr rtlCol="0" anchor="ctr"/>
+          <a:lstStyle/>
+          <a:p>
+            <a:pPr algn="ctr"/>
+            <a:r>
+              <a:rPr lang="fr-CA" dirty="0"/>
+              <a:t>2</a:t>
+            </a:r>
+          </a:p>
+        </p:txBody>
+      </p:sp>
     </p:spTree>
     <p:extLst>
       <p:ext uri="{BB962C8B-B14F-4D97-AF65-F5344CB8AC3E}">
@@ -4084,6 +6955,551 @@
           </a:prstGeom>
         </p:spPr>
       </p:pic>
+      <p:sp>
+        <p:nvSpPr>
+          <p:cNvPr id="6" name="Ellipse 5">
+            <a:extLst>
+              <a:ext uri="{FF2B5EF4-FFF2-40B4-BE49-F238E27FC236}">
+                <a16:creationId xmlns:a16="http://schemas.microsoft.com/office/drawing/2014/main" id="{9DEBE7E8-2893-4933-8E93-D0A168F81817}"/>
+              </a:ext>
+            </a:extLst>
+          </p:cNvPr>
+          <p:cNvSpPr/>
+          <p:nvPr/>
+        </p:nvSpPr>
+        <p:spPr>
+          <a:xfrm>
+            <a:off x="1341513" y="2955917"/>
+            <a:ext cx="374073" cy="374073"/>
+          </a:xfrm>
+          <a:prstGeom prst="ellipse">
+            <a:avLst/>
+          </a:prstGeom>
+        </p:spPr>
+        <p:style>
+          <a:lnRef idx="2">
+            <a:schemeClr val="accent1">
+              <a:shade val="50000"/>
+            </a:schemeClr>
+          </a:lnRef>
+          <a:fillRef idx="1">
+            <a:schemeClr val="accent1"/>
+          </a:fillRef>
+          <a:effectRef idx="0">
+            <a:schemeClr val="accent1"/>
+          </a:effectRef>
+          <a:fontRef idx="minor">
+            <a:schemeClr val="lt1"/>
+          </a:fontRef>
+        </p:style>
+        <p:txBody>
+          <a:bodyPr rtlCol="0" anchor="ctr"/>
+          <a:lstStyle/>
+          <a:p>
+            <a:pPr algn="ctr"/>
+            <a:r>
+              <a:rPr lang="fr-CA"/>
+              <a:t>1</a:t>
+            </a:r>
+          </a:p>
+        </p:txBody>
+      </p:sp>
+      <p:sp>
+        <p:nvSpPr>
+          <p:cNvPr id="9" name="Flèche : double flèche horizontale 8">
+            <a:extLst>
+              <a:ext uri="{FF2B5EF4-FFF2-40B4-BE49-F238E27FC236}">
+                <a16:creationId xmlns:a16="http://schemas.microsoft.com/office/drawing/2014/main" id="{2AF585FC-4CF4-41DE-9A45-10C844630EFD}"/>
+              </a:ext>
+            </a:extLst>
+          </p:cNvPr>
+          <p:cNvSpPr/>
+          <p:nvPr/>
+        </p:nvSpPr>
+        <p:spPr>
+          <a:xfrm rot="5400000">
+            <a:off x="7977091" y="3063228"/>
+            <a:ext cx="289915" cy="159453"/>
+          </a:xfrm>
+          <a:prstGeom prst="leftRightArrow">
+            <a:avLst/>
+          </a:prstGeom>
+          <a:ln>
+            <a:noFill/>
+          </a:ln>
+        </p:spPr>
+        <p:style>
+          <a:lnRef idx="2">
+            <a:schemeClr val="accent1">
+              <a:shade val="50000"/>
+            </a:schemeClr>
+          </a:lnRef>
+          <a:fillRef idx="1">
+            <a:schemeClr val="accent1"/>
+          </a:fillRef>
+          <a:effectRef idx="0">
+            <a:schemeClr val="accent1"/>
+          </a:effectRef>
+          <a:fontRef idx="minor">
+            <a:schemeClr val="lt1"/>
+          </a:fontRef>
+        </p:style>
+        <p:txBody>
+          <a:bodyPr rtlCol="0" anchor="ctr"/>
+          <a:lstStyle/>
+          <a:p>
+            <a:pPr algn="ctr"/>
+            <a:endParaRPr lang="fr-CA"/>
+          </a:p>
+        </p:txBody>
+      </p:sp>
+      <p:sp>
+        <p:nvSpPr>
+          <p:cNvPr id="10" name="Flèche : double flèche horizontale 9">
+            <a:extLst>
+              <a:ext uri="{FF2B5EF4-FFF2-40B4-BE49-F238E27FC236}">
+                <a16:creationId xmlns:a16="http://schemas.microsoft.com/office/drawing/2014/main" id="{D5E54A4F-C88E-4A22-AB71-FFFE1E151018}"/>
+              </a:ext>
+            </a:extLst>
+          </p:cNvPr>
+          <p:cNvSpPr/>
+          <p:nvPr/>
+        </p:nvSpPr>
+        <p:spPr>
+          <a:xfrm rot="5400000">
+            <a:off x="7977092" y="3723074"/>
+            <a:ext cx="289915" cy="159453"/>
+          </a:xfrm>
+          <a:prstGeom prst="leftRightArrow">
+            <a:avLst/>
+          </a:prstGeom>
+          <a:ln>
+            <a:noFill/>
+          </a:ln>
+        </p:spPr>
+        <p:style>
+          <a:lnRef idx="2">
+            <a:schemeClr val="accent1">
+              <a:shade val="50000"/>
+            </a:schemeClr>
+          </a:lnRef>
+          <a:fillRef idx="1">
+            <a:schemeClr val="accent1"/>
+          </a:fillRef>
+          <a:effectRef idx="0">
+            <a:schemeClr val="accent1"/>
+          </a:effectRef>
+          <a:fontRef idx="minor">
+            <a:schemeClr val="lt1"/>
+          </a:fontRef>
+        </p:style>
+        <p:txBody>
+          <a:bodyPr rtlCol="0" anchor="ctr"/>
+          <a:lstStyle/>
+          <a:p>
+            <a:pPr algn="ctr"/>
+            <a:endParaRPr lang="fr-CA"/>
+          </a:p>
+        </p:txBody>
+      </p:sp>
+      <p:sp>
+        <p:nvSpPr>
+          <p:cNvPr id="11" name="Flèche : double flèche horizontale 10">
+            <a:extLst>
+              <a:ext uri="{FF2B5EF4-FFF2-40B4-BE49-F238E27FC236}">
+                <a16:creationId xmlns:a16="http://schemas.microsoft.com/office/drawing/2014/main" id="{60A51A0C-D434-47F5-B1C7-D83D3D97FED0}"/>
+              </a:ext>
+            </a:extLst>
+          </p:cNvPr>
+          <p:cNvSpPr/>
+          <p:nvPr/>
+        </p:nvSpPr>
+        <p:spPr>
+          <a:xfrm>
+            <a:off x="8056817" y="2854647"/>
+            <a:ext cx="289915" cy="159453"/>
+          </a:xfrm>
+          <a:prstGeom prst="leftRightArrow">
+            <a:avLst/>
+          </a:prstGeom>
+          <a:ln>
+            <a:noFill/>
+          </a:ln>
+        </p:spPr>
+        <p:style>
+          <a:lnRef idx="2">
+            <a:schemeClr val="accent1">
+              <a:shade val="50000"/>
+            </a:schemeClr>
+          </a:lnRef>
+          <a:fillRef idx="1">
+            <a:schemeClr val="accent1"/>
+          </a:fillRef>
+          <a:effectRef idx="0">
+            <a:schemeClr val="accent1"/>
+          </a:effectRef>
+          <a:fontRef idx="minor">
+            <a:schemeClr val="lt1"/>
+          </a:fontRef>
+        </p:style>
+        <p:txBody>
+          <a:bodyPr rtlCol="0" anchor="ctr"/>
+          <a:lstStyle/>
+          <a:p>
+            <a:pPr algn="ctr"/>
+            <a:endParaRPr lang="fr-CA"/>
+          </a:p>
+        </p:txBody>
+      </p:sp>
+      <p:sp>
+        <p:nvSpPr>
+          <p:cNvPr id="12" name="Flèche : double flèche horizontale 11">
+            <a:extLst>
+              <a:ext uri="{FF2B5EF4-FFF2-40B4-BE49-F238E27FC236}">
+                <a16:creationId xmlns:a16="http://schemas.microsoft.com/office/drawing/2014/main" id="{C0678949-ED08-4036-94D7-747FAD21F6A8}"/>
+              </a:ext>
+            </a:extLst>
+          </p:cNvPr>
+          <p:cNvSpPr/>
+          <p:nvPr/>
+        </p:nvSpPr>
+        <p:spPr>
+          <a:xfrm>
+            <a:off x="11520688" y="2854647"/>
+            <a:ext cx="289915" cy="159453"/>
+          </a:xfrm>
+          <a:prstGeom prst="leftRightArrow">
+            <a:avLst/>
+          </a:prstGeom>
+          <a:ln>
+            <a:noFill/>
+          </a:ln>
+        </p:spPr>
+        <p:style>
+          <a:lnRef idx="2">
+            <a:schemeClr val="accent1">
+              <a:shade val="50000"/>
+            </a:schemeClr>
+          </a:lnRef>
+          <a:fillRef idx="1">
+            <a:schemeClr val="accent1"/>
+          </a:fillRef>
+          <a:effectRef idx="0">
+            <a:schemeClr val="accent1"/>
+          </a:effectRef>
+          <a:fontRef idx="minor">
+            <a:schemeClr val="lt1"/>
+          </a:fontRef>
+        </p:style>
+        <p:txBody>
+          <a:bodyPr rtlCol="0" anchor="ctr"/>
+          <a:lstStyle/>
+          <a:p>
+            <a:pPr algn="ctr"/>
+            <a:endParaRPr lang="fr-CA"/>
+          </a:p>
+        </p:txBody>
+      </p:sp>
+      <p:sp>
+        <p:nvSpPr>
+          <p:cNvPr id="13" name="Rectangle 12">
+            <a:extLst>
+              <a:ext uri="{FF2B5EF4-FFF2-40B4-BE49-F238E27FC236}">
+                <a16:creationId xmlns:a16="http://schemas.microsoft.com/office/drawing/2014/main" id="{60963196-9F9B-477A-B75E-86A65A20C46F}"/>
+              </a:ext>
+            </a:extLst>
+          </p:cNvPr>
+          <p:cNvSpPr/>
+          <p:nvPr/>
+        </p:nvSpPr>
+        <p:spPr>
+          <a:xfrm>
+            <a:off x="10902277" y="1003489"/>
+            <a:ext cx="374073" cy="159453"/>
+          </a:xfrm>
+          <a:prstGeom prst="rect">
+            <a:avLst/>
+          </a:prstGeom>
+          <a:noFill/>
+          <a:ln w="57150">
+            <a:solidFill>
+              <a:schemeClr val="accent1"/>
+            </a:solidFill>
+          </a:ln>
+        </p:spPr>
+        <p:style>
+          <a:lnRef idx="2">
+            <a:schemeClr val="accent1">
+              <a:shade val="50000"/>
+            </a:schemeClr>
+          </a:lnRef>
+          <a:fillRef idx="1">
+            <a:schemeClr val="accent1"/>
+          </a:fillRef>
+          <a:effectRef idx="0">
+            <a:schemeClr val="accent1"/>
+          </a:effectRef>
+          <a:fontRef idx="minor">
+            <a:schemeClr val="lt1"/>
+          </a:fontRef>
+        </p:style>
+        <p:txBody>
+          <a:bodyPr rtlCol="0" anchor="ctr"/>
+          <a:lstStyle/>
+          <a:p>
+            <a:pPr algn="ctr"/>
+            <a:endParaRPr lang="fr-CA"/>
+          </a:p>
+        </p:txBody>
+      </p:sp>
+      <p:sp>
+        <p:nvSpPr>
+          <p:cNvPr id="14" name="Ellipse 13">
+            <a:extLst>
+              <a:ext uri="{FF2B5EF4-FFF2-40B4-BE49-F238E27FC236}">
+                <a16:creationId xmlns:a16="http://schemas.microsoft.com/office/drawing/2014/main" id="{82380234-FA44-4497-9B02-B4140D3EF9F0}"/>
+              </a:ext>
+            </a:extLst>
+          </p:cNvPr>
+          <p:cNvSpPr/>
+          <p:nvPr/>
+        </p:nvSpPr>
+        <p:spPr>
+          <a:xfrm>
+            <a:off x="10902277" y="652495"/>
+            <a:ext cx="374073" cy="374073"/>
+          </a:xfrm>
+          <a:prstGeom prst="ellipse">
+            <a:avLst/>
+          </a:prstGeom>
+        </p:spPr>
+        <p:style>
+          <a:lnRef idx="2">
+            <a:schemeClr val="accent1">
+              <a:shade val="50000"/>
+            </a:schemeClr>
+          </a:lnRef>
+          <a:fillRef idx="1">
+            <a:schemeClr val="accent1"/>
+          </a:fillRef>
+          <a:effectRef idx="0">
+            <a:schemeClr val="accent1"/>
+          </a:effectRef>
+          <a:fontRef idx="minor">
+            <a:schemeClr val="lt1"/>
+          </a:fontRef>
+        </p:style>
+        <p:txBody>
+          <a:bodyPr rtlCol="0" anchor="ctr"/>
+          <a:lstStyle/>
+          <a:p>
+            <a:pPr algn="ctr"/>
+            <a:r>
+              <a:rPr lang="fr-CA"/>
+              <a:t>5</a:t>
+            </a:r>
+          </a:p>
+        </p:txBody>
+      </p:sp>
+      <p:sp>
+        <p:nvSpPr>
+          <p:cNvPr id="15" name="Rectangle 14">
+            <a:extLst>
+              <a:ext uri="{FF2B5EF4-FFF2-40B4-BE49-F238E27FC236}">
+                <a16:creationId xmlns:a16="http://schemas.microsoft.com/office/drawing/2014/main" id="{97468579-D8D1-4340-A3A6-78623A640BDE}"/>
+              </a:ext>
+            </a:extLst>
+          </p:cNvPr>
+          <p:cNvSpPr/>
+          <p:nvPr/>
+        </p:nvSpPr>
+        <p:spPr>
+          <a:xfrm>
+            <a:off x="4447821" y="5543706"/>
+            <a:ext cx="639568" cy="158826"/>
+          </a:xfrm>
+          <a:prstGeom prst="rect">
+            <a:avLst/>
+          </a:prstGeom>
+          <a:noFill/>
+          <a:ln w="57150">
+            <a:solidFill>
+              <a:schemeClr val="accent1"/>
+            </a:solidFill>
+          </a:ln>
+        </p:spPr>
+        <p:style>
+          <a:lnRef idx="2">
+            <a:schemeClr val="accent1">
+              <a:shade val="50000"/>
+            </a:schemeClr>
+          </a:lnRef>
+          <a:fillRef idx="1">
+            <a:schemeClr val="accent1"/>
+          </a:fillRef>
+          <a:effectRef idx="0">
+            <a:schemeClr val="accent1"/>
+          </a:effectRef>
+          <a:fontRef idx="minor">
+            <a:schemeClr val="lt1"/>
+          </a:fontRef>
+        </p:style>
+        <p:txBody>
+          <a:bodyPr rtlCol="0" anchor="ctr"/>
+          <a:lstStyle/>
+          <a:p>
+            <a:pPr algn="ctr"/>
+            <a:endParaRPr lang="fr-CA"/>
+          </a:p>
+        </p:txBody>
+      </p:sp>
+      <p:sp>
+        <p:nvSpPr>
+          <p:cNvPr id="16" name="Rectangle : coins arrondis 15">
+            <a:extLst>
+              <a:ext uri="{FF2B5EF4-FFF2-40B4-BE49-F238E27FC236}">
+                <a16:creationId xmlns:a16="http://schemas.microsoft.com/office/drawing/2014/main" id="{92AB8A21-EC0D-4873-A386-E543FEBB1B85}"/>
+              </a:ext>
+            </a:extLst>
+          </p:cNvPr>
+          <p:cNvSpPr/>
+          <p:nvPr/>
+        </p:nvSpPr>
+        <p:spPr>
+          <a:xfrm>
+            <a:off x="8097300" y="499617"/>
+            <a:ext cx="1744969" cy="204058"/>
+          </a:xfrm>
+          <a:prstGeom prst="roundRect">
+            <a:avLst/>
+          </a:prstGeom>
+        </p:spPr>
+        <p:style>
+          <a:lnRef idx="2">
+            <a:schemeClr val="accent1">
+              <a:shade val="50000"/>
+            </a:schemeClr>
+          </a:lnRef>
+          <a:fillRef idx="1">
+            <a:schemeClr val="accent1"/>
+          </a:fillRef>
+          <a:effectRef idx="0">
+            <a:schemeClr val="accent1"/>
+          </a:effectRef>
+          <a:fontRef idx="minor">
+            <a:schemeClr val="lt1"/>
+          </a:fontRef>
+        </p:style>
+        <p:txBody>
+          <a:bodyPr rtlCol="0" anchor="ctr"/>
+          <a:lstStyle/>
+          <a:p>
+            <a:pPr algn="ctr"/>
+            <a:r>
+              <a:rPr lang="fr-CA" sz="1200"/>
+              <a:t>Ouvrir le Sprite Editor</a:t>
+            </a:r>
+          </a:p>
+        </p:txBody>
+      </p:sp>
+      <p:sp>
+        <p:nvSpPr>
+          <p:cNvPr id="8" name="Ellipse 7">
+            <a:extLst>
+              <a:ext uri="{FF2B5EF4-FFF2-40B4-BE49-F238E27FC236}">
+                <a16:creationId xmlns:a16="http://schemas.microsoft.com/office/drawing/2014/main" id="{612AD30B-F38E-4D71-9FB9-A238CA53533A}"/>
+              </a:ext>
+            </a:extLst>
+          </p:cNvPr>
+          <p:cNvSpPr/>
+          <p:nvPr/>
+        </p:nvSpPr>
+        <p:spPr>
+          <a:xfrm>
+            <a:off x="7836019" y="414610"/>
+            <a:ext cx="374073" cy="374073"/>
+          </a:xfrm>
+          <a:prstGeom prst="ellipse">
+            <a:avLst/>
+          </a:prstGeom>
+        </p:spPr>
+        <p:style>
+          <a:lnRef idx="2">
+            <a:schemeClr val="accent1">
+              <a:shade val="50000"/>
+            </a:schemeClr>
+          </a:lnRef>
+          <a:fillRef idx="1">
+            <a:schemeClr val="accent1"/>
+          </a:fillRef>
+          <a:effectRef idx="0">
+            <a:schemeClr val="accent1"/>
+          </a:effectRef>
+          <a:fontRef idx="minor">
+            <a:schemeClr val="lt1"/>
+          </a:fontRef>
+        </p:style>
+        <p:txBody>
+          <a:bodyPr rtlCol="0" anchor="ctr"/>
+          <a:lstStyle/>
+          <a:p>
+            <a:pPr algn="ctr"/>
+            <a:r>
+              <a:rPr lang="fr-CA"/>
+              <a:t>3</a:t>
+            </a:r>
+          </a:p>
+        </p:txBody>
+      </p:sp>
+      <p:sp>
+        <p:nvSpPr>
+          <p:cNvPr id="7" name="Ellipse 6">
+            <a:extLst>
+              <a:ext uri="{FF2B5EF4-FFF2-40B4-BE49-F238E27FC236}">
+                <a16:creationId xmlns:a16="http://schemas.microsoft.com/office/drawing/2014/main" id="{9DD5B52A-ED8E-4DA4-9AD7-738D6470E8E7}"/>
+              </a:ext>
+            </a:extLst>
+          </p:cNvPr>
+          <p:cNvSpPr/>
+          <p:nvPr/>
+        </p:nvSpPr>
+        <p:spPr>
+          <a:xfrm>
+            <a:off x="4107000" y="5427769"/>
+            <a:ext cx="374073" cy="374073"/>
+          </a:xfrm>
+          <a:prstGeom prst="ellipse">
+            <a:avLst/>
+          </a:prstGeom>
+        </p:spPr>
+        <p:style>
+          <a:lnRef idx="2">
+            <a:schemeClr val="accent1">
+              <a:shade val="50000"/>
+            </a:schemeClr>
+          </a:lnRef>
+          <a:fillRef idx="1">
+            <a:schemeClr val="accent1"/>
+          </a:fillRef>
+          <a:effectRef idx="0">
+            <a:schemeClr val="accent1"/>
+          </a:effectRef>
+          <a:fontRef idx="minor">
+            <a:schemeClr val="lt1"/>
+          </a:fontRef>
+        </p:style>
+        <p:txBody>
+          <a:bodyPr rtlCol="0" anchor="ctr"/>
+          <a:lstStyle/>
+          <a:p>
+            <a:pPr algn="ctr"/>
+            <a:r>
+              <a:rPr lang="fr-CA"/>
+              <a:t>2</a:t>
+            </a:r>
+          </a:p>
+        </p:txBody>
+      </p:sp>
     </p:spTree>
     <p:extLst>
       <p:ext uri="{BB962C8B-B14F-4D97-AF65-F5344CB8AC3E}">
@@ -4180,6 +7596,58 @@
           </a:prstGeom>
         </p:spPr>
       </p:pic>
+      <p:sp>
+        <p:nvSpPr>
+          <p:cNvPr id="4" name="Rectangle 3">
+            <a:extLst>
+              <a:ext uri="{FF2B5EF4-FFF2-40B4-BE49-F238E27FC236}">
+                <a16:creationId xmlns:a16="http://schemas.microsoft.com/office/drawing/2014/main" id="{C615328C-9235-4A2E-BF8C-210BDBD573D2}"/>
+              </a:ext>
+            </a:extLst>
+          </p:cNvPr>
+          <p:cNvSpPr/>
+          <p:nvPr/>
+        </p:nvSpPr>
+        <p:spPr>
+          <a:xfrm>
+            <a:off x="7060715" y="1459514"/>
+            <a:ext cx="1502259" cy="959835"/>
+          </a:xfrm>
+          <a:prstGeom prst="rect">
+            <a:avLst/>
+          </a:prstGeom>
+          <a:noFill/>
+          <a:ln w="57150">
+            <a:solidFill>
+              <a:schemeClr val="accent1"/>
+            </a:solidFill>
+          </a:ln>
+        </p:spPr>
+        <p:style>
+          <a:lnRef idx="2">
+            <a:schemeClr val="accent1">
+              <a:shade val="50000"/>
+            </a:schemeClr>
+          </a:lnRef>
+          <a:fillRef idx="1">
+            <a:schemeClr val="accent1"/>
+          </a:fillRef>
+          <a:effectRef idx="0">
+            <a:schemeClr val="accent1"/>
+          </a:effectRef>
+          <a:fontRef idx="minor">
+            <a:schemeClr val="lt1"/>
+          </a:fontRef>
+        </p:style>
+        <p:txBody>
+          <a:bodyPr rtlCol="0" anchor="ctr"/>
+          <a:lstStyle/>
+          <a:p>
+            <a:pPr algn="ctr"/>
+            <a:endParaRPr lang="fr-CA"/>
+          </a:p>
+        </p:txBody>
+      </p:sp>
     </p:spTree>
     <p:extLst>
       <p:ext uri="{BB962C8B-B14F-4D97-AF65-F5344CB8AC3E}">
@@ -4240,6 +7708,254 @@
           </a:prstGeom>
         </p:spPr>
       </p:pic>
+      <p:sp>
+        <p:nvSpPr>
+          <p:cNvPr id="3" name="Ellipse 2">
+            <a:extLst>
+              <a:ext uri="{FF2B5EF4-FFF2-40B4-BE49-F238E27FC236}">
+                <a16:creationId xmlns:a16="http://schemas.microsoft.com/office/drawing/2014/main" id="{11C44B10-A556-412C-BB8A-EE7AA4E401DE}"/>
+              </a:ext>
+            </a:extLst>
+          </p:cNvPr>
+          <p:cNvSpPr/>
+          <p:nvPr/>
+        </p:nvSpPr>
+        <p:spPr>
+          <a:xfrm>
+            <a:off x="2446413" y="3102551"/>
+            <a:ext cx="374073" cy="374073"/>
+          </a:xfrm>
+          <a:prstGeom prst="ellipse">
+            <a:avLst/>
+          </a:prstGeom>
+        </p:spPr>
+        <p:style>
+          <a:lnRef idx="2">
+            <a:schemeClr val="accent1">
+              <a:shade val="50000"/>
+            </a:schemeClr>
+          </a:lnRef>
+          <a:fillRef idx="1">
+            <a:schemeClr val="accent1"/>
+          </a:fillRef>
+          <a:effectRef idx="0">
+            <a:schemeClr val="accent1"/>
+          </a:effectRef>
+          <a:fontRef idx="minor">
+            <a:schemeClr val="lt1"/>
+          </a:fontRef>
+        </p:style>
+        <p:txBody>
+          <a:bodyPr rtlCol="0" anchor="ctr"/>
+          <a:lstStyle/>
+          <a:p>
+            <a:pPr algn="ctr"/>
+            <a:r>
+              <a:rPr lang="fr-CA" dirty="0"/>
+              <a:t>1</a:t>
+            </a:r>
+          </a:p>
+        </p:txBody>
+      </p:sp>
+      <p:sp>
+        <p:nvSpPr>
+          <p:cNvPr id="4" name="Ellipse 3">
+            <a:extLst>
+              <a:ext uri="{FF2B5EF4-FFF2-40B4-BE49-F238E27FC236}">
+                <a16:creationId xmlns:a16="http://schemas.microsoft.com/office/drawing/2014/main" id="{D0D65EC4-7FA9-48AD-9CC9-2FC9A28C6400}"/>
+              </a:ext>
+            </a:extLst>
+          </p:cNvPr>
+          <p:cNvSpPr/>
+          <p:nvPr/>
+        </p:nvSpPr>
+        <p:spPr>
+          <a:xfrm>
+            <a:off x="8847213" y="3674051"/>
+            <a:ext cx="374073" cy="374073"/>
+          </a:xfrm>
+          <a:prstGeom prst="ellipse">
+            <a:avLst/>
+          </a:prstGeom>
+        </p:spPr>
+        <p:style>
+          <a:lnRef idx="2">
+            <a:schemeClr val="accent1">
+              <a:shade val="50000"/>
+            </a:schemeClr>
+          </a:lnRef>
+          <a:fillRef idx="1">
+            <a:schemeClr val="accent1"/>
+          </a:fillRef>
+          <a:effectRef idx="0">
+            <a:schemeClr val="accent1"/>
+          </a:effectRef>
+          <a:fontRef idx="minor">
+            <a:schemeClr val="lt1"/>
+          </a:fontRef>
+        </p:style>
+        <p:txBody>
+          <a:bodyPr rtlCol="0" anchor="ctr"/>
+          <a:lstStyle/>
+          <a:p>
+            <a:pPr algn="ctr"/>
+            <a:r>
+              <a:rPr lang="fr-CA" dirty="0"/>
+              <a:t>2</a:t>
+            </a:r>
+          </a:p>
+        </p:txBody>
+      </p:sp>
+      <p:sp>
+        <p:nvSpPr>
+          <p:cNvPr id="5" name="Ellipse 4">
+            <a:extLst>
+              <a:ext uri="{FF2B5EF4-FFF2-40B4-BE49-F238E27FC236}">
+                <a16:creationId xmlns:a16="http://schemas.microsoft.com/office/drawing/2014/main" id="{D049DB0D-5A25-4CAC-BDC5-00504F6CA16D}"/>
+              </a:ext>
+            </a:extLst>
+          </p:cNvPr>
+          <p:cNvSpPr/>
+          <p:nvPr/>
+        </p:nvSpPr>
+        <p:spPr>
+          <a:xfrm>
+            <a:off x="9980688" y="4617026"/>
+            <a:ext cx="374073" cy="374073"/>
+          </a:xfrm>
+          <a:prstGeom prst="ellipse">
+            <a:avLst/>
+          </a:prstGeom>
+        </p:spPr>
+        <p:style>
+          <a:lnRef idx="2">
+            <a:schemeClr val="accent1">
+              <a:shade val="50000"/>
+            </a:schemeClr>
+          </a:lnRef>
+          <a:fillRef idx="1">
+            <a:schemeClr val="accent1"/>
+          </a:fillRef>
+          <a:effectRef idx="0">
+            <a:schemeClr val="accent1"/>
+          </a:effectRef>
+          <a:fontRef idx="minor">
+            <a:schemeClr val="lt1"/>
+          </a:fontRef>
+        </p:style>
+        <p:txBody>
+          <a:bodyPr rtlCol="0" anchor="ctr"/>
+          <a:lstStyle/>
+          <a:p>
+            <a:pPr algn="ctr"/>
+            <a:r>
+              <a:rPr lang="fr-CA" dirty="0"/>
+              <a:t>3</a:t>
+            </a:r>
+          </a:p>
+        </p:txBody>
+      </p:sp>
+      <p:sp>
+        <p:nvSpPr>
+          <p:cNvPr id="6" name="Ellipse 5">
+            <a:extLst>
+              <a:ext uri="{FF2B5EF4-FFF2-40B4-BE49-F238E27FC236}">
+                <a16:creationId xmlns:a16="http://schemas.microsoft.com/office/drawing/2014/main" id="{145CF41D-2B20-44E7-90DA-6FB26B36C071}"/>
+              </a:ext>
+            </a:extLst>
+          </p:cNvPr>
+          <p:cNvSpPr/>
+          <p:nvPr/>
+        </p:nvSpPr>
+        <p:spPr>
+          <a:xfrm>
+            <a:off x="3075063" y="6124594"/>
+            <a:ext cx="374073" cy="374073"/>
+          </a:xfrm>
+          <a:prstGeom prst="ellipse">
+            <a:avLst/>
+          </a:prstGeom>
+        </p:spPr>
+        <p:style>
+          <a:lnRef idx="2">
+            <a:schemeClr val="accent1">
+              <a:shade val="50000"/>
+            </a:schemeClr>
+          </a:lnRef>
+          <a:fillRef idx="1">
+            <a:schemeClr val="accent1"/>
+          </a:fillRef>
+          <a:effectRef idx="0">
+            <a:schemeClr val="accent1"/>
+          </a:effectRef>
+          <a:fontRef idx="minor">
+            <a:schemeClr val="lt1"/>
+          </a:fontRef>
+        </p:style>
+        <p:txBody>
+          <a:bodyPr rtlCol="0" anchor="ctr"/>
+          <a:lstStyle/>
+          <a:p>
+            <a:pPr algn="ctr"/>
+            <a:r>
+              <a:rPr lang="fr-CA" dirty="0"/>
+              <a:t>4</a:t>
+            </a:r>
+          </a:p>
+        </p:txBody>
+      </p:sp>
+      <p:sp>
+        <p:nvSpPr>
+          <p:cNvPr id="7" name="Rectangle 6">
+            <a:extLst>
+              <a:ext uri="{FF2B5EF4-FFF2-40B4-BE49-F238E27FC236}">
+                <a16:creationId xmlns:a16="http://schemas.microsoft.com/office/drawing/2014/main" id="{53A43B33-FA64-4E6B-8DFB-83816DEEA32A}"/>
+              </a:ext>
+            </a:extLst>
+          </p:cNvPr>
+          <p:cNvSpPr/>
+          <p:nvPr/>
+        </p:nvSpPr>
+        <p:spPr>
+          <a:xfrm>
+            <a:off x="4890917" y="5694046"/>
+            <a:ext cx="338308" cy="363854"/>
+          </a:xfrm>
+          <a:prstGeom prst="rect">
+            <a:avLst/>
+          </a:prstGeom>
+          <a:noFill/>
+          <a:ln w="57150">
+            <a:solidFill>
+              <a:schemeClr val="accent1"/>
+            </a:solidFill>
+          </a:ln>
+        </p:spPr>
+        <p:style>
+          <a:lnRef idx="2">
+            <a:schemeClr val="accent1">
+              <a:shade val="50000"/>
+            </a:schemeClr>
+          </a:lnRef>
+          <a:fillRef idx="1">
+            <a:schemeClr val="accent1"/>
+          </a:fillRef>
+          <a:effectRef idx="0">
+            <a:schemeClr val="accent1"/>
+          </a:effectRef>
+          <a:fontRef idx="minor">
+            <a:schemeClr val="lt1"/>
+          </a:fontRef>
+        </p:style>
+        <p:txBody>
+          <a:bodyPr rtlCol="0" anchor="ctr"/>
+          <a:lstStyle/>
+          <a:p>
+            <a:pPr algn="ctr"/>
+            <a:endParaRPr lang="fr-CA"/>
+          </a:p>
+        </p:txBody>
+      </p:sp>
     </p:spTree>
     <p:extLst>
       <p:ext uri="{BB962C8B-B14F-4D97-AF65-F5344CB8AC3E}">
@@ -4306,6 +8022,104 @@
           </a:prstGeom>
         </p:spPr>
       </p:pic>
+      <p:sp>
+        <p:nvSpPr>
+          <p:cNvPr id="4" name="Ellipse 3">
+            <a:extLst>
+              <a:ext uri="{FF2B5EF4-FFF2-40B4-BE49-F238E27FC236}">
+                <a16:creationId xmlns:a16="http://schemas.microsoft.com/office/drawing/2014/main" id="{B1E0C768-813E-40E5-9324-E0B79BCAE9D6}"/>
+              </a:ext>
+            </a:extLst>
+          </p:cNvPr>
+          <p:cNvSpPr/>
+          <p:nvPr/>
+        </p:nvSpPr>
+        <p:spPr>
+          <a:xfrm>
+            <a:off x="2360815" y="2252748"/>
+            <a:ext cx="374073" cy="374073"/>
+          </a:xfrm>
+          <a:prstGeom prst="ellipse">
+            <a:avLst/>
+          </a:prstGeom>
+        </p:spPr>
+        <p:style>
+          <a:lnRef idx="2">
+            <a:schemeClr val="accent1">
+              <a:shade val="50000"/>
+            </a:schemeClr>
+          </a:lnRef>
+          <a:fillRef idx="1">
+            <a:schemeClr val="accent1"/>
+          </a:fillRef>
+          <a:effectRef idx="0">
+            <a:schemeClr val="accent1"/>
+          </a:effectRef>
+          <a:fontRef idx="minor">
+            <a:schemeClr val="lt1"/>
+          </a:fontRef>
+        </p:style>
+        <p:txBody>
+          <a:bodyPr rtlCol="0" anchor="ctr"/>
+          <a:lstStyle/>
+          <a:p>
+            <a:pPr algn="ctr"/>
+            <a:r>
+              <a:rPr lang="fr-CA" dirty="0"/>
+              <a:t>1</a:t>
+            </a:r>
+          </a:p>
+        </p:txBody>
+      </p:sp>
+      <p:sp>
+        <p:nvSpPr>
+          <p:cNvPr id="5" name="Ellipse 4">
+            <a:extLst>
+              <a:ext uri="{FF2B5EF4-FFF2-40B4-BE49-F238E27FC236}">
+                <a16:creationId xmlns:a16="http://schemas.microsoft.com/office/drawing/2014/main" id="{CC159A7E-7085-404B-B2BE-B8FD859C2CFE}"/>
+              </a:ext>
+            </a:extLst>
+          </p:cNvPr>
+          <p:cNvSpPr/>
+          <p:nvPr/>
+        </p:nvSpPr>
+        <p:spPr>
+          <a:xfrm>
+            <a:off x="7509165" y="4716086"/>
+            <a:ext cx="374073" cy="374073"/>
+          </a:xfrm>
+          <a:prstGeom prst="ellipse">
+            <a:avLst/>
+          </a:prstGeom>
+        </p:spPr>
+        <p:style>
+          <a:lnRef idx="2">
+            <a:schemeClr val="accent1">
+              <a:shade val="50000"/>
+            </a:schemeClr>
+          </a:lnRef>
+          <a:fillRef idx="1">
+            <a:schemeClr val="accent1"/>
+          </a:fillRef>
+          <a:effectRef idx="0">
+            <a:schemeClr val="accent1"/>
+          </a:effectRef>
+          <a:fontRef idx="minor">
+            <a:schemeClr val="lt1"/>
+          </a:fontRef>
+        </p:style>
+        <p:txBody>
+          <a:bodyPr rtlCol="0" anchor="ctr"/>
+          <a:lstStyle/>
+          <a:p>
+            <a:pPr algn="ctr"/>
+            <a:r>
+              <a:rPr lang="fr-CA" dirty="0"/>
+              <a:t>2</a:t>
+            </a:r>
+          </a:p>
+        </p:txBody>
+      </p:sp>
     </p:spTree>
     <p:extLst>
       <p:ext uri="{BB962C8B-B14F-4D97-AF65-F5344CB8AC3E}">
@@ -4366,6 +8180,202 @@
           </a:prstGeom>
         </p:spPr>
       </p:pic>
+      <p:sp>
+        <p:nvSpPr>
+          <p:cNvPr id="3" name="Ellipse 2">
+            <a:extLst>
+              <a:ext uri="{FF2B5EF4-FFF2-40B4-BE49-F238E27FC236}">
+                <a16:creationId xmlns:a16="http://schemas.microsoft.com/office/drawing/2014/main" id="{96040A34-12A5-4CE0-80F3-9FFA2F349A1E}"/>
+              </a:ext>
+            </a:extLst>
+          </p:cNvPr>
+          <p:cNvSpPr/>
+          <p:nvPr/>
+        </p:nvSpPr>
+        <p:spPr>
+          <a:xfrm>
+            <a:off x="4446663" y="3064450"/>
+            <a:ext cx="374073" cy="374073"/>
+          </a:xfrm>
+          <a:prstGeom prst="ellipse">
+            <a:avLst/>
+          </a:prstGeom>
+        </p:spPr>
+        <p:style>
+          <a:lnRef idx="2">
+            <a:schemeClr val="accent1">
+              <a:shade val="50000"/>
+            </a:schemeClr>
+          </a:lnRef>
+          <a:fillRef idx="1">
+            <a:schemeClr val="accent1"/>
+          </a:fillRef>
+          <a:effectRef idx="0">
+            <a:schemeClr val="accent1"/>
+          </a:effectRef>
+          <a:fontRef idx="minor">
+            <a:schemeClr val="lt1"/>
+          </a:fontRef>
+        </p:style>
+        <p:txBody>
+          <a:bodyPr rtlCol="0" anchor="ctr"/>
+          <a:lstStyle/>
+          <a:p>
+            <a:pPr algn="ctr"/>
+            <a:r>
+              <a:rPr lang="fr-CA" dirty="0"/>
+              <a:t>1</a:t>
+            </a:r>
+          </a:p>
+        </p:txBody>
+      </p:sp>
+      <p:sp>
+        <p:nvSpPr>
+          <p:cNvPr id="4" name="Ellipse 3">
+            <a:extLst>
+              <a:ext uri="{FF2B5EF4-FFF2-40B4-BE49-F238E27FC236}">
+                <a16:creationId xmlns:a16="http://schemas.microsoft.com/office/drawing/2014/main" id="{07BC4F99-A10A-432D-B015-4CC67CDCF010}"/>
+              </a:ext>
+            </a:extLst>
+          </p:cNvPr>
+          <p:cNvSpPr/>
+          <p:nvPr/>
+        </p:nvSpPr>
+        <p:spPr>
+          <a:xfrm>
+            <a:off x="8847213" y="3674051"/>
+            <a:ext cx="374073" cy="374073"/>
+          </a:xfrm>
+          <a:prstGeom prst="ellipse">
+            <a:avLst/>
+          </a:prstGeom>
+        </p:spPr>
+        <p:style>
+          <a:lnRef idx="2">
+            <a:schemeClr val="accent1">
+              <a:shade val="50000"/>
+            </a:schemeClr>
+          </a:lnRef>
+          <a:fillRef idx="1">
+            <a:schemeClr val="accent1"/>
+          </a:fillRef>
+          <a:effectRef idx="0">
+            <a:schemeClr val="accent1"/>
+          </a:effectRef>
+          <a:fontRef idx="minor">
+            <a:schemeClr val="lt1"/>
+          </a:fontRef>
+        </p:style>
+        <p:txBody>
+          <a:bodyPr rtlCol="0" anchor="ctr"/>
+          <a:lstStyle/>
+          <a:p>
+            <a:pPr algn="ctr"/>
+            <a:r>
+              <a:rPr lang="fr-CA" dirty="0"/>
+              <a:t>2</a:t>
+            </a:r>
+          </a:p>
+        </p:txBody>
+      </p:sp>
+      <p:sp>
+        <p:nvSpPr>
+          <p:cNvPr id="5" name="Ellipse 4">
+            <a:extLst>
+              <a:ext uri="{FF2B5EF4-FFF2-40B4-BE49-F238E27FC236}">
+                <a16:creationId xmlns:a16="http://schemas.microsoft.com/office/drawing/2014/main" id="{B3FE3275-7DB6-4CA9-AAD1-6E3B9A87FF4F}"/>
+              </a:ext>
+            </a:extLst>
+          </p:cNvPr>
+          <p:cNvSpPr/>
+          <p:nvPr/>
+        </p:nvSpPr>
+        <p:spPr>
+          <a:xfrm>
+            <a:off x="3075063" y="5798126"/>
+            <a:ext cx="374073" cy="374073"/>
+          </a:xfrm>
+          <a:prstGeom prst="ellipse">
+            <a:avLst/>
+          </a:prstGeom>
+        </p:spPr>
+        <p:style>
+          <a:lnRef idx="2">
+            <a:schemeClr val="accent1">
+              <a:shade val="50000"/>
+            </a:schemeClr>
+          </a:lnRef>
+          <a:fillRef idx="1">
+            <a:schemeClr val="accent1"/>
+          </a:fillRef>
+          <a:effectRef idx="0">
+            <a:schemeClr val="accent1"/>
+          </a:effectRef>
+          <a:fontRef idx="minor">
+            <a:schemeClr val="lt1"/>
+          </a:fontRef>
+        </p:style>
+        <p:txBody>
+          <a:bodyPr rtlCol="0" anchor="ctr"/>
+          <a:lstStyle/>
+          <a:p>
+            <a:pPr algn="ctr"/>
+            <a:r>
+              <a:rPr lang="fr-CA" dirty="0"/>
+              <a:t>4</a:t>
+            </a:r>
+          </a:p>
+        </p:txBody>
+      </p:sp>
+      <p:sp>
+        <p:nvSpPr>
+          <p:cNvPr id="6" name="Ellipse 5">
+            <a:extLst>
+              <a:ext uri="{FF2B5EF4-FFF2-40B4-BE49-F238E27FC236}">
+                <a16:creationId xmlns:a16="http://schemas.microsoft.com/office/drawing/2014/main" id="{A6B72E22-68FD-47E9-BA42-A4EFA44C8D2F}"/>
+              </a:ext>
+            </a:extLst>
+          </p:cNvPr>
+          <p:cNvSpPr/>
+          <p:nvPr/>
+        </p:nvSpPr>
+        <p:spPr>
+          <a:xfrm>
+            <a:off x="9971163" y="4655126"/>
+            <a:ext cx="374073" cy="374073"/>
+          </a:xfrm>
+          <a:prstGeom prst="ellipse">
+            <a:avLst/>
+          </a:prstGeom>
+        </p:spPr>
+        <p:style>
+          <a:lnRef idx="2">
+            <a:schemeClr val="accent1">
+              <a:shade val="50000"/>
+            </a:schemeClr>
+          </a:lnRef>
+          <a:fillRef idx="1">
+            <a:schemeClr val="accent1"/>
+          </a:fillRef>
+          <a:effectRef idx="0">
+            <a:schemeClr val="accent1"/>
+          </a:effectRef>
+          <a:fontRef idx="minor">
+            <a:schemeClr val="lt1"/>
+          </a:fontRef>
+        </p:style>
+        <p:txBody>
+          <a:bodyPr rtlCol="0" anchor="ctr"/>
+          <a:lstStyle/>
+          <a:p>
+            <a:pPr algn="ctr"/>
+            <a:r>
+              <a:rPr lang="fr-CA" dirty="0"/>
+              <a:t>3</a:t>
+            </a:r>
+          </a:p>
+        </p:txBody>
+      </p:sp>
     </p:spTree>
     <p:extLst>
       <p:ext uri="{BB962C8B-B14F-4D97-AF65-F5344CB8AC3E}">
@@ -4398,10 +8408,10 @@
       </p:grpSpPr>
       <p:pic>
         <p:nvPicPr>
-          <p:cNvPr id="2" name="Image 1">
-            <a:extLst>
-              <a:ext uri="{FF2B5EF4-FFF2-40B4-BE49-F238E27FC236}">
-                <a16:creationId xmlns:a16="http://schemas.microsoft.com/office/drawing/2014/main" id="{EB069054-69B9-4463-ACBE-48AE373FE0A9}"/>
+          <p:cNvPr id="7" name="Image 6">
+            <a:extLst>
+              <a:ext uri="{FF2B5EF4-FFF2-40B4-BE49-F238E27FC236}">
+                <a16:creationId xmlns:a16="http://schemas.microsoft.com/office/drawing/2014/main" id="{D2B459C0-D256-4F32-AE11-31B143285BE8}"/>
               </a:ext>
             </a:extLst>
           </p:cNvPr>
@@ -4418,18 +8428,1377 @@
         </p:blipFill>
         <p:spPr>
           <a:xfrm>
-            <a:off x="70596" y="37626"/>
-            <a:ext cx="12050807" cy="6782747"/>
+            <a:off x="3619712" y="698787"/>
+            <a:ext cx="8305800" cy="5857875"/>
           </a:xfrm>
           <a:prstGeom prst="rect">
             <a:avLst/>
           </a:prstGeom>
         </p:spPr>
       </p:pic>
+      <p:pic>
+        <p:nvPicPr>
+          <p:cNvPr id="6" name="Image 5">
+            <a:extLst>
+              <a:ext uri="{FF2B5EF4-FFF2-40B4-BE49-F238E27FC236}">
+                <a16:creationId xmlns:a16="http://schemas.microsoft.com/office/drawing/2014/main" id="{BFEC6E4B-F933-4FBF-80EA-3CB73C51283D}"/>
+              </a:ext>
+            </a:extLst>
+          </p:cNvPr>
+          <p:cNvPicPr>
+            <a:picLocks noChangeAspect="1"/>
+          </p:cNvPicPr>
+          <p:nvPr/>
+        </p:nvPicPr>
+        <p:blipFill>
+          <a:blip r:embed="rId3"/>
+          <a:stretch>
+            <a:fillRect/>
+          </a:stretch>
+        </p:blipFill>
+        <p:spPr>
+          <a:xfrm>
+            <a:off x="266488" y="99536"/>
+            <a:ext cx="3029373" cy="6830378"/>
+          </a:xfrm>
+          <a:prstGeom prst="rect">
+            <a:avLst/>
+          </a:prstGeom>
+        </p:spPr>
+      </p:pic>
+      <p:sp>
+        <p:nvSpPr>
+          <p:cNvPr id="8" name="Flèche : droite 7">
+            <a:extLst>
+              <a:ext uri="{FF2B5EF4-FFF2-40B4-BE49-F238E27FC236}">
+                <a16:creationId xmlns:a16="http://schemas.microsoft.com/office/drawing/2014/main" id="{424276B9-8DE8-4A79-8E1B-39D97699AD08}"/>
+              </a:ext>
+            </a:extLst>
+          </p:cNvPr>
+          <p:cNvSpPr/>
+          <p:nvPr/>
+        </p:nvSpPr>
+        <p:spPr>
+          <a:xfrm>
+            <a:off x="2764118" y="2627738"/>
+            <a:ext cx="922364" cy="356951"/>
+          </a:xfrm>
+          <a:prstGeom prst="rightArrow">
+            <a:avLst/>
+          </a:prstGeom>
+          <a:ln>
+            <a:noFill/>
+          </a:ln>
+        </p:spPr>
+        <p:style>
+          <a:lnRef idx="2">
+            <a:schemeClr val="accent1">
+              <a:shade val="50000"/>
+            </a:schemeClr>
+          </a:lnRef>
+          <a:fillRef idx="1">
+            <a:schemeClr val="accent1"/>
+          </a:fillRef>
+          <a:effectRef idx="0">
+            <a:schemeClr val="accent1"/>
+          </a:effectRef>
+          <a:fontRef idx="minor">
+            <a:schemeClr val="lt1"/>
+          </a:fontRef>
+        </p:style>
+        <p:txBody>
+          <a:bodyPr rtlCol="0" anchor="ctr"/>
+          <a:lstStyle/>
+          <a:p>
+            <a:pPr algn="ctr"/>
+            <a:endParaRPr lang="fr-CA"/>
+          </a:p>
+        </p:txBody>
+      </p:sp>
+      <p:sp>
+        <p:nvSpPr>
+          <p:cNvPr id="9" name="Ellipse 8">
+            <a:extLst>
+              <a:ext uri="{FF2B5EF4-FFF2-40B4-BE49-F238E27FC236}">
+                <a16:creationId xmlns:a16="http://schemas.microsoft.com/office/drawing/2014/main" id="{B6DFF508-7F2E-45F5-93AF-78A52D2EC1E0}"/>
+              </a:ext>
+            </a:extLst>
+          </p:cNvPr>
+          <p:cNvSpPr/>
+          <p:nvPr/>
+        </p:nvSpPr>
+        <p:spPr>
+          <a:xfrm>
+            <a:off x="1594137" y="2610616"/>
+            <a:ext cx="374073" cy="374073"/>
+          </a:xfrm>
+          <a:prstGeom prst="ellipse">
+            <a:avLst/>
+          </a:prstGeom>
+        </p:spPr>
+        <p:style>
+          <a:lnRef idx="2">
+            <a:schemeClr val="accent1">
+              <a:shade val="50000"/>
+            </a:schemeClr>
+          </a:lnRef>
+          <a:fillRef idx="1">
+            <a:schemeClr val="accent1"/>
+          </a:fillRef>
+          <a:effectRef idx="0">
+            <a:schemeClr val="accent1"/>
+          </a:effectRef>
+          <a:fontRef idx="minor">
+            <a:schemeClr val="lt1"/>
+          </a:fontRef>
+        </p:style>
+        <p:txBody>
+          <a:bodyPr rtlCol="0" anchor="ctr"/>
+          <a:lstStyle/>
+          <a:p>
+            <a:pPr algn="ctr"/>
+            <a:r>
+              <a:rPr lang="fr-CA"/>
+              <a:t>1</a:t>
+            </a:r>
+          </a:p>
+        </p:txBody>
+      </p:sp>
+      <p:sp>
+        <p:nvSpPr>
+          <p:cNvPr id="10" name="Flèche : droite 9">
+            <a:extLst>
+              <a:ext uri="{FF2B5EF4-FFF2-40B4-BE49-F238E27FC236}">
+                <a16:creationId xmlns:a16="http://schemas.microsoft.com/office/drawing/2014/main" id="{02F6B229-150C-4200-A4A6-1E9388484AFB}"/>
+              </a:ext>
+            </a:extLst>
+          </p:cNvPr>
+          <p:cNvSpPr/>
+          <p:nvPr/>
+        </p:nvSpPr>
+        <p:spPr>
+          <a:xfrm rot="12961426">
+            <a:off x="6935741" y="2619176"/>
+            <a:ext cx="4481025" cy="356951"/>
+          </a:xfrm>
+          <a:prstGeom prst="rightArrow">
+            <a:avLst/>
+          </a:prstGeom>
+          <a:ln>
+            <a:noFill/>
+          </a:ln>
+        </p:spPr>
+        <p:style>
+          <a:lnRef idx="2">
+            <a:schemeClr val="accent1">
+              <a:shade val="50000"/>
+            </a:schemeClr>
+          </a:lnRef>
+          <a:fillRef idx="1">
+            <a:schemeClr val="accent1"/>
+          </a:fillRef>
+          <a:effectRef idx="0">
+            <a:schemeClr val="accent1"/>
+          </a:effectRef>
+          <a:fontRef idx="minor">
+            <a:schemeClr val="lt1"/>
+          </a:fontRef>
+        </p:style>
+        <p:txBody>
+          <a:bodyPr rtlCol="0" anchor="ctr"/>
+          <a:lstStyle/>
+          <a:p>
+            <a:pPr algn="ctr"/>
+            <a:endParaRPr lang="fr-CA"/>
+          </a:p>
+        </p:txBody>
+      </p:sp>
+      <p:sp>
+        <p:nvSpPr>
+          <p:cNvPr id="11" name="Rectangle : coins arrondis 10">
+            <a:extLst>
+              <a:ext uri="{FF2B5EF4-FFF2-40B4-BE49-F238E27FC236}">
+                <a16:creationId xmlns:a16="http://schemas.microsoft.com/office/drawing/2014/main" id="{1B5DF03A-47C6-4F06-ACB0-5D10437728F4}"/>
+              </a:ext>
+            </a:extLst>
+          </p:cNvPr>
+          <p:cNvSpPr/>
+          <p:nvPr/>
+        </p:nvSpPr>
+        <p:spPr>
+          <a:xfrm>
+            <a:off x="8516312" y="2108044"/>
+            <a:ext cx="1247899" cy="1115587"/>
+          </a:xfrm>
+          <a:prstGeom prst="roundRect">
+            <a:avLst/>
+          </a:prstGeom>
+        </p:spPr>
+        <p:style>
+          <a:lnRef idx="2">
+            <a:schemeClr val="accent1">
+              <a:shade val="50000"/>
+            </a:schemeClr>
+          </a:lnRef>
+          <a:fillRef idx="1">
+            <a:schemeClr val="accent1"/>
+          </a:fillRef>
+          <a:effectRef idx="0">
+            <a:schemeClr val="accent1"/>
+          </a:effectRef>
+          <a:fontRef idx="minor">
+            <a:schemeClr val="lt1"/>
+          </a:fontRef>
+        </p:style>
+        <p:txBody>
+          <a:bodyPr rtlCol="0" anchor="ctr"/>
+          <a:lstStyle/>
+          <a:p>
+            <a:pPr algn="ctr"/>
+            <a:r>
+              <a:rPr lang="fr-CA" sz="1200"/>
+              <a:t>Glissez pour ajouter des scènes</a:t>
+            </a:r>
+          </a:p>
+        </p:txBody>
+      </p:sp>
+      <p:sp>
+        <p:nvSpPr>
+          <p:cNvPr id="4" name="Ellipse 3">
+            <a:extLst>
+              <a:ext uri="{FF2B5EF4-FFF2-40B4-BE49-F238E27FC236}">
+                <a16:creationId xmlns:a16="http://schemas.microsoft.com/office/drawing/2014/main" id="{6D1BA1D9-EA24-4E6B-AF9A-CA61162DC587}"/>
+              </a:ext>
+            </a:extLst>
+          </p:cNvPr>
+          <p:cNvSpPr/>
+          <p:nvPr/>
+        </p:nvSpPr>
+        <p:spPr>
+          <a:xfrm>
+            <a:off x="9619215" y="2470240"/>
+            <a:ext cx="374073" cy="374073"/>
+          </a:xfrm>
+          <a:prstGeom prst="ellipse">
+            <a:avLst/>
+          </a:prstGeom>
+        </p:spPr>
+        <p:style>
+          <a:lnRef idx="2">
+            <a:schemeClr val="accent1">
+              <a:shade val="50000"/>
+            </a:schemeClr>
+          </a:lnRef>
+          <a:fillRef idx="1">
+            <a:schemeClr val="accent1"/>
+          </a:fillRef>
+          <a:effectRef idx="0">
+            <a:schemeClr val="accent1"/>
+          </a:effectRef>
+          <a:fontRef idx="minor">
+            <a:schemeClr val="lt1"/>
+          </a:fontRef>
+        </p:style>
+        <p:txBody>
+          <a:bodyPr rtlCol="0" anchor="ctr"/>
+          <a:lstStyle/>
+          <a:p>
+            <a:pPr algn="ctr"/>
+            <a:r>
+              <a:rPr lang="fr-CA"/>
+              <a:t>2</a:t>
+            </a:r>
+          </a:p>
+        </p:txBody>
+      </p:sp>
+      <p:sp>
+        <p:nvSpPr>
+          <p:cNvPr id="13" name="Rectangle : coins arrondis 12">
+            <a:extLst>
+              <a:ext uri="{FF2B5EF4-FFF2-40B4-BE49-F238E27FC236}">
+                <a16:creationId xmlns:a16="http://schemas.microsoft.com/office/drawing/2014/main" id="{E6895D0E-BEC3-4D84-B50F-9C3F282F3E6A}"/>
+              </a:ext>
+            </a:extLst>
+          </p:cNvPr>
+          <p:cNvSpPr/>
+          <p:nvPr/>
+        </p:nvSpPr>
+        <p:spPr>
+          <a:xfrm>
+            <a:off x="4986264" y="1052434"/>
+            <a:ext cx="1282664" cy="566355"/>
+          </a:xfrm>
+          <a:prstGeom prst="roundRect">
+            <a:avLst/>
+          </a:prstGeom>
+        </p:spPr>
+        <p:style>
+          <a:lnRef idx="2">
+            <a:schemeClr val="accent1">
+              <a:shade val="50000"/>
+            </a:schemeClr>
+          </a:lnRef>
+          <a:fillRef idx="1">
+            <a:schemeClr val="accent1"/>
+          </a:fillRef>
+          <a:effectRef idx="0">
+            <a:schemeClr val="accent1"/>
+          </a:effectRef>
+          <a:fontRef idx="minor">
+            <a:schemeClr val="lt1"/>
+          </a:fontRef>
+        </p:style>
+        <p:txBody>
+          <a:bodyPr rtlCol="0" anchor="ctr"/>
+          <a:lstStyle/>
+          <a:p>
+            <a:pPr algn="ctr"/>
+            <a:r>
+              <a:rPr lang="fr-CA" sz="1200" dirty="0"/>
+              <a:t>Glissez pour ordonner les scènes</a:t>
+            </a:r>
+          </a:p>
+        </p:txBody>
+      </p:sp>
+      <p:sp>
+        <p:nvSpPr>
+          <p:cNvPr id="12" name="Ellipse 11">
+            <a:extLst>
+              <a:ext uri="{FF2B5EF4-FFF2-40B4-BE49-F238E27FC236}">
+                <a16:creationId xmlns:a16="http://schemas.microsoft.com/office/drawing/2014/main" id="{768870B8-81B8-4A8C-9A1F-4B3297EC3546}"/>
+              </a:ext>
+            </a:extLst>
+          </p:cNvPr>
+          <p:cNvSpPr/>
+          <p:nvPr/>
+        </p:nvSpPr>
+        <p:spPr>
+          <a:xfrm>
+            <a:off x="6123932" y="1148574"/>
+            <a:ext cx="374073" cy="374073"/>
+          </a:xfrm>
+          <a:prstGeom prst="ellipse">
+            <a:avLst/>
+          </a:prstGeom>
+        </p:spPr>
+        <p:style>
+          <a:lnRef idx="2">
+            <a:schemeClr val="accent1">
+              <a:shade val="50000"/>
+            </a:schemeClr>
+          </a:lnRef>
+          <a:fillRef idx="1">
+            <a:schemeClr val="accent1"/>
+          </a:fillRef>
+          <a:effectRef idx="0">
+            <a:schemeClr val="accent1"/>
+          </a:effectRef>
+          <a:fontRef idx="minor">
+            <a:schemeClr val="lt1"/>
+          </a:fontRef>
+        </p:style>
+        <p:txBody>
+          <a:bodyPr rtlCol="0" anchor="ctr"/>
+          <a:lstStyle/>
+          <a:p>
+            <a:pPr algn="ctr"/>
+            <a:r>
+              <a:rPr lang="fr-CA"/>
+              <a:t>3</a:t>
+            </a:r>
+          </a:p>
+        </p:txBody>
+      </p:sp>
+      <p:sp>
+        <p:nvSpPr>
+          <p:cNvPr id="14" name="Rectangle : coins arrondis 13">
+            <a:extLst>
+              <a:ext uri="{FF2B5EF4-FFF2-40B4-BE49-F238E27FC236}">
+                <a16:creationId xmlns:a16="http://schemas.microsoft.com/office/drawing/2014/main" id="{6B19AAD2-6EFD-4AE3-B8DA-3F7844ECD0FB}"/>
+              </a:ext>
+            </a:extLst>
+          </p:cNvPr>
+          <p:cNvSpPr/>
+          <p:nvPr/>
+        </p:nvSpPr>
+        <p:spPr>
+          <a:xfrm>
+            <a:off x="9505138" y="930691"/>
+            <a:ext cx="976300" cy="426515"/>
+          </a:xfrm>
+          <a:prstGeom prst="roundRect">
+            <a:avLst/>
+          </a:prstGeom>
+        </p:spPr>
+        <p:style>
+          <a:lnRef idx="2">
+            <a:schemeClr val="accent1">
+              <a:shade val="50000"/>
+            </a:schemeClr>
+          </a:lnRef>
+          <a:fillRef idx="1">
+            <a:schemeClr val="accent1"/>
+          </a:fillRef>
+          <a:effectRef idx="0">
+            <a:schemeClr val="accent1"/>
+          </a:effectRef>
+          <a:fontRef idx="minor">
+            <a:schemeClr val="lt1"/>
+          </a:fontRef>
+        </p:style>
+        <p:txBody>
+          <a:bodyPr rtlCol="0" anchor="ctr"/>
+          <a:lstStyle/>
+          <a:p>
+            <a:pPr algn="ctr"/>
+            <a:r>
+              <a:rPr lang="fr-CA" sz="1200" dirty="0"/>
+              <a:t>Fermez la fenêtre</a:t>
+            </a:r>
+          </a:p>
+        </p:txBody>
+      </p:sp>
+      <p:sp>
+        <p:nvSpPr>
+          <p:cNvPr id="5" name="Ellipse 4">
+            <a:extLst>
+              <a:ext uri="{FF2B5EF4-FFF2-40B4-BE49-F238E27FC236}">
+                <a16:creationId xmlns:a16="http://schemas.microsoft.com/office/drawing/2014/main" id="{6D752130-4760-4CCE-822C-266AE7B19E22}"/>
+              </a:ext>
+            </a:extLst>
+          </p:cNvPr>
+          <p:cNvSpPr/>
+          <p:nvPr/>
+        </p:nvSpPr>
+        <p:spPr>
+          <a:xfrm>
+            <a:off x="9764211" y="607275"/>
+            <a:ext cx="374073" cy="374073"/>
+          </a:xfrm>
+          <a:prstGeom prst="ellipse">
+            <a:avLst/>
+          </a:prstGeom>
+        </p:spPr>
+        <p:style>
+          <a:lnRef idx="2">
+            <a:schemeClr val="accent1">
+              <a:shade val="50000"/>
+            </a:schemeClr>
+          </a:lnRef>
+          <a:fillRef idx="1">
+            <a:schemeClr val="accent1"/>
+          </a:fillRef>
+          <a:effectRef idx="0">
+            <a:schemeClr val="accent1"/>
+          </a:effectRef>
+          <a:fontRef idx="minor">
+            <a:schemeClr val="lt1"/>
+          </a:fontRef>
+        </p:style>
+        <p:txBody>
+          <a:bodyPr rtlCol="0" anchor="ctr"/>
+          <a:lstStyle/>
+          <a:p>
+            <a:pPr algn="ctr"/>
+            <a:r>
+              <a:rPr lang="fr-CA" dirty="0"/>
+              <a:t>4</a:t>
+            </a:r>
+          </a:p>
+        </p:txBody>
+      </p:sp>
     </p:spTree>
     <p:extLst>
       <p:ext uri="{BB962C8B-B14F-4D97-AF65-F5344CB8AC3E}">
         <p14:creationId xmlns:p14="http://schemas.microsoft.com/office/powerpoint/2010/main" val="4239763866"/>
+      </p:ext>
+    </p:extLst>
+  </p:cSld>
+  <p:clrMapOvr>
+    <a:masterClrMapping/>
+  </p:clrMapOvr>
+</p:sld>
+</file>
+
+<file path=ppt/slides/slide22.xml><?xml version="1.0" encoding="utf-8"?>
+<p:sld xmlns:a="http://schemas.openxmlformats.org/drawingml/2006/main" xmlns:r="http://schemas.openxmlformats.org/officeDocument/2006/relationships" xmlns:p="http://schemas.openxmlformats.org/presentationml/2006/main">
+  <p:cSld>
+    <p:spTree>
+      <p:nvGrpSpPr>
+        <p:cNvPr id="1" name=""/>
+        <p:cNvGrpSpPr/>
+        <p:nvPr/>
+      </p:nvGrpSpPr>
+      <p:grpSpPr>
+        <a:xfrm>
+          <a:off x="0" y="0"/>
+          <a:ext cx="0" cy="0"/>
+          <a:chOff x="0" y="0"/>
+          <a:chExt cx="0" cy="0"/>
+        </a:xfrm>
+      </p:grpSpPr>
+      <p:pic>
+        <p:nvPicPr>
+          <p:cNvPr id="2" name="Image 1">
+            <a:extLst>
+              <a:ext uri="{FF2B5EF4-FFF2-40B4-BE49-F238E27FC236}">
+                <a16:creationId xmlns:a16="http://schemas.microsoft.com/office/drawing/2014/main" id="{982E9759-B344-49BA-8FE8-702F58F98242}"/>
+              </a:ext>
+            </a:extLst>
+          </p:cNvPr>
+          <p:cNvPicPr>
+            <a:picLocks noChangeAspect="1"/>
+          </p:cNvPicPr>
+          <p:nvPr/>
+        </p:nvPicPr>
+        <p:blipFill>
+          <a:blip r:embed="rId2"/>
+          <a:stretch>
+            <a:fillRect/>
+          </a:stretch>
+        </p:blipFill>
+        <p:spPr>
+          <a:xfrm>
+            <a:off x="-10128" y="5305998"/>
+            <a:ext cx="3803550" cy="1457528"/>
+          </a:xfrm>
+          <a:prstGeom prst="rect">
+            <a:avLst/>
+          </a:prstGeom>
+        </p:spPr>
+      </p:pic>
+      <p:pic>
+        <p:nvPicPr>
+          <p:cNvPr id="3" name="Image 2">
+            <a:extLst>
+              <a:ext uri="{FF2B5EF4-FFF2-40B4-BE49-F238E27FC236}">
+                <a16:creationId xmlns:a16="http://schemas.microsoft.com/office/drawing/2014/main" id="{F2E6F889-96E1-4FA0-AE20-30A18E6D46F5}"/>
+              </a:ext>
+            </a:extLst>
+          </p:cNvPr>
+          <p:cNvPicPr>
+            <a:picLocks noChangeAspect="1"/>
+          </p:cNvPicPr>
+          <p:nvPr/>
+        </p:nvPicPr>
+        <p:blipFill>
+          <a:blip r:embed="rId3"/>
+          <a:stretch>
+            <a:fillRect/>
+          </a:stretch>
+        </p:blipFill>
+        <p:spPr>
+          <a:xfrm>
+            <a:off x="735047" y="94474"/>
+            <a:ext cx="2290949" cy="5087126"/>
+          </a:xfrm>
+          <a:prstGeom prst="rect">
+            <a:avLst/>
+          </a:prstGeom>
+        </p:spPr>
+      </p:pic>
+      <p:pic>
+        <p:nvPicPr>
+          <p:cNvPr id="4" name="Image 3">
+            <a:extLst>
+              <a:ext uri="{FF2B5EF4-FFF2-40B4-BE49-F238E27FC236}">
+                <a16:creationId xmlns:a16="http://schemas.microsoft.com/office/drawing/2014/main" id="{A3677004-7AAF-4638-B94D-A7E308005EEF}"/>
+              </a:ext>
+            </a:extLst>
+          </p:cNvPr>
+          <p:cNvPicPr>
+            <a:picLocks noChangeAspect="1"/>
+          </p:cNvPicPr>
+          <p:nvPr/>
+        </p:nvPicPr>
+        <p:blipFill>
+          <a:blip r:embed="rId4"/>
+          <a:stretch>
+            <a:fillRect/>
+          </a:stretch>
+        </p:blipFill>
+        <p:spPr>
+          <a:xfrm>
+            <a:off x="8408105" y="5305998"/>
+            <a:ext cx="3620005" cy="1457528"/>
+          </a:xfrm>
+          <a:prstGeom prst="rect">
+            <a:avLst/>
+          </a:prstGeom>
+        </p:spPr>
+      </p:pic>
+      <p:pic>
+        <p:nvPicPr>
+          <p:cNvPr id="5" name="Image 4">
+            <a:extLst>
+              <a:ext uri="{FF2B5EF4-FFF2-40B4-BE49-F238E27FC236}">
+                <a16:creationId xmlns:a16="http://schemas.microsoft.com/office/drawing/2014/main" id="{C5460FC2-906F-488C-AE07-C377F0FACF49}"/>
+              </a:ext>
+            </a:extLst>
+          </p:cNvPr>
+          <p:cNvPicPr>
+            <a:picLocks noChangeAspect="1"/>
+          </p:cNvPicPr>
+          <p:nvPr/>
+        </p:nvPicPr>
+        <p:blipFill>
+          <a:blip r:embed="rId5"/>
+          <a:stretch>
+            <a:fillRect/>
+          </a:stretch>
+        </p:blipFill>
+        <p:spPr>
+          <a:xfrm>
+            <a:off x="9086676" y="94474"/>
+            <a:ext cx="2262864" cy="5087126"/>
+          </a:xfrm>
+          <a:prstGeom prst="rect">
+            <a:avLst/>
+          </a:prstGeom>
+        </p:spPr>
+      </p:pic>
+      <p:pic>
+        <p:nvPicPr>
+          <p:cNvPr id="6" name="Image 5">
+            <a:extLst>
+              <a:ext uri="{FF2B5EF4-FFF2-40B4-BE49-F238E27FC236}">
+                <a16:creationId xmlns:a16="http://schemas.microsoft.com/office/drawing/2014/main" id="{A48DD583-077C-4EA5-986C-4566D31BF5A3}"/>
+              </a:ext>
+            </a:extLst>
+          </p:cNvPr>
+          <p:cNvPicPr>
+            <a:picLocks noChangeAspect="1"/>
+          </p:cNvPicPr>
+          <p:nvPr/>
+        </p:nvPicPr>
+        <p:blipFill>
+          <a:blip r:embed="rId6"/>
+          <a:stretch>
+            <a:fillRect/>
+          </a:stretch>
+        </p:blipFill>
+        <p:spPr>
+          <a:xfrm>
+            <a:off x="4462205" y="5277419"/>
+            <a:ext cx="3686689" cy="1486107"/>
+          </a:xfrm>
+          <a:prstGeom prst="rect">
+            <a:avLst/>
+          </a:prstGeom>
+        </p:spPr>
+      </p:pic>
+      <p:pic>
+        <p:nvPicPr>
+          <p:cNvPr id="7" name="Image 6">
+            <a:extLst>
+              <a:ext uri="{FF2B5EF4-FFF2-40B4-BE49-F238E27FC236}">
+                <a16:creationId xmlns:a16="http://schemas.microsoft.com/office/drawing/2014/main" id="{FAEAC655-1C58-4C7A-A639-DB819EB2453C}"/>
+              </a:ext>
+            </a:extLst>
+          </p:cNvPr>
+          <p:cNvPicPr>
+            <a:picLocks noChangeAspect="1"/>
+          </p:cNvPicPr>
+          <p:nvPr/>
+        </p:nvPicPr>
+        <p:blipFill>
+          <a:blip r:embed="rId7"/>
+          <a:stretch>
+            <a:fillRect/>
+          </a:stretch>
+        </p:blipFill>
+        <p:spPr>
+          <a:xfrm>
+            <a:off x="5088821" y="94474"/>
+            <a:ext cx="2273527" cy="5087126"/>
+          </a:xfrm>
+          <a:prstGeom prst="rect">
+            <a:avLst/>
+          </a:prstGeom>
+        </p:spPr>
+      </p:pic>
+      <p:sp>
+        <p:nvSpPr>
+          <p:cNvPr id="8" name="Rectangle 7">
+            <a:extLst>
+              <a:ext uri="{FF2B5EF4-FFF2-40B4-BE49-F238E27FC236}">
+                <a16:creationId xmlns:a16="http://schemas.microsoft.com/office/drawing/2014/main" id="{1A0D1535-CAA3-41A7-9A51-E0551A6F896D}"/>
+              </a:ext>
+            </a:extLst>
+          </p:cNvPr>
+          <p:cNvSpPr/>
+          <p:nvPr/>
+        </p:nvSpPr>
+        <p:spPr>
+          <a:xfrm>
+            <a:off x="820680" y="4962524"/>
+            <a:ext cx="2205316" cy="190501"/>
+          </a:xfrm>
+          <a:prstGeom prst="rect">
+            <a:avLst/>
+          </a:prstGeom>
+          <a:noFill/>
+          <a:ln w="57150">
+            <a:solidFill>
+              <a:schemeClr val="accent1"/>
+            </a:solidFill>
+          </a:ln>
+        </p:spPr>
+        <p:style>
+          <a:lnRef idx="2">
+            <a:schemeClr val="accent1">
+              <a:shade val="50000"/>
+            </a:schemeClr>
+          </a:lnRef>
+          <a:fillRef idx="1">
+            <a:schemeClr val="accent1"/>
+          </a:fillRef>
+          <a:effectRef idx="0">
+            <a:schemeClr val="accent1"/>
+          </a:effectRef>
+          <a:fontRef idx="minor">
+            <a:schemeClr val="lt1"/>
+          </a:fontRef>
+        </p:style>
+        <p:txBody>
+          <a:bodyPr rtlCol="0" anchor="ctr"/>
+          <a:lstStyle/>
+          <a:p>
+            <a:pPr algn="ctr"/>
+            <a:endParaRPr lang="fr-CA"/>
+          </a:p>
+        </p:txBody>
+      </p:sp>
+      <p:sp>
+        <p:nvSpPr>
+          <p:cNvPr id="11" name="Rectangle 10">
+            <a:extLst>
+              <a:ext uri="{FF2B5EF4-FFF2-40B4-BE49-F238E27FC236}">
+                <a16:creationId xmlns:a16="http://schemas.microsoft.com/office/drawing/2014/main" id="{2FCCEEA1-F4AC-477E-8AAA-FC4BE71B0D80}"/>
+              </a:ext>
+            </a:extLst>
+          </p:cNvPr>
+          <p:cNvSpPr/>
+          <p:nvPr/>
+        </p:nvSpPr>
+        <p:spPr>
+          <a:xfrm>
+            <a:off x="1946268" y="4536090"/>
+            <a:ext cx="1079728" cy="430548"/>
+          </a:xfrm>
+          <a:prstGeom prst="rect">
+            <a:avLst/>
+          </a:prstGeom>
+          <a:noFill/>
+          <a:ln w="57150">
+            <a:solidFill>
+              <a:schemeClr val="accent1"/>
+            </a:solidFill>
+          </a:ln>
+        </p:spPr>
+        <p:style>
+          <a:lnRef idx="2">
+            <a:schemeClr val="accent1">
+              <a:shade val="50000"/>
+            </a:schemeClr>
+          </a:lnRef>
+          <a:fillRef idx="1">
+            <a:schemeClr val="accent1"/>
+          </a:fillRef>
+          <a:effectRef idx="0">
+            <a:schemeClr val="accent1"/>
+          </a:effectRef>
+          <a:fontRef idx="minor">
+            <a:schemeClr val="lt1"/>
+          </a:fontRef>
+        </p:style>
+        <p:txBody>
+          <a:bodyPr rtlCol="0" anchor="ctr"/>
+          <a:lstStyle/>
+          <a:p>
+            <a:pPr algn="ctr"/>
+            <a:endParaRPr lang="fr-CA"/>
+          </a:p>
+        </p:txBody>
+      </p:sp>
+      <p:sp>
+        <p:nvSpPr>
+          <p:cNvPr id="14" name="Rectangle 13">
+            <a:extLst>
+              <a:ext uri="{FF2B5EF4-FFF2-40B4-BE49-F238E27FC236}">
+                <a16:creationId xmlns:a16="http://schemas.microsoft.com/office/drawing/2014/main" id="{FC2DD808-6E24-4B96-9290-30CDABBB4857}"/>
+              </a:ext>
+            </a:extLst>
+          </p:cNvPr>
+          <p:cNvSpPr/>
+          <p:nvPr/>
+        </p:nvSpPr>
+        <p:spPr>
+          <a:xfrm>
+            <a:off x="5182653" y="4943474"/>
+            <a:ext cx="2205316" cy="190501"/>
+          </a:xfrm>
+          <a:prstGeom prst="rect">
+            <a:avLst/>
+          </a:prstGeom>
+          <a:noFill/>
+          <a:ln w="57150">
+            <a:solidFill>
+              <a:schemeClr val="accent1"/>
+            </a:solidFill>
+          </a:ln>
+        </p:spPr>
+        <p:style>
+          <a:lnRef idx="2">
+            <a:schemeClr val="accent1">
+              <a:shade val="50000"/>
+            </a:schemeClr>
+          </a:lnRef>
+          <a:fillRef idx="1">
+            <a:schemeClr val="accent1"/>
+          </a:fillRef>
+          <a:effectRef idx="0">
+            <a:schemeClr val="accent1"/>
+          </a:effectRef>
+          <a:fontRef idx="minor">
+            <a:schemeClr val="lt1"/>
+          </a:fontRef>
+        </p:style>
+        <p:txBody>
+          <a:bodyPr rtlCol="0" anchor="ctr"/>
+          <a:lstStyle/>
+          <a:p>
+            <a:pPr algn="ctr"/>
+            <a:endParaRPr lang="fr-CA"/>
+          </a:p>
+        </p:txBody>
+      </p:sp>
+      <p:sp>
+        <p:nvSpPr>
+          <p:cNvPr id="15" name="Rectangle 14">
+            <a:extLst>
+              <a:ext uri="{FF2B5EF4-FFF2-40B4-BE49-F238E27FC236}">
+                <a16:creationId xmlns:a16="http://schemas.microsoft.com/office/drawing/2014/main" id="{8FF42C36-6E09-41C4-9CF5-756634733F1C}"/>
+              </a:ext>
+            </a:extLst>
+          </p:cNvPr>
+          <p:cNvSpPr/>
+          <p:nvPr/>
+        </p:nvSpPr>
+        <p:spPr>
+          <a:xfrm>
+            <a:off x="6308241" y="4517040"/>
+            <a:ext cx="1079728" cy="430548"/>
+          </a:xfrm>
+          <a:prstGeom prst="rect">
+            <a:avLst/>
+          </a:prstGeom>
+          <a:noFill/>
+          <a:ln w="57150">
+            <a:solidFill>
+              <a:schemeClr val="accent1"/>
+            </a:solidFill>
+          </a:ln>
+        </p:spPr>
+        <p:style>
+          <a:lnRef idx="2">
+            <a:schemeClr val="accent1">
+              <a:shade val="50000"/>
+            </a:schemeClr>
+          </a:lnRef>
+          <a:fillRef idx="1">
+            <a:schemeClr val="accent1"/>
+          </a:fillRef>
+          <a:effectRef idx="0">
+            <a:schemeClr val="accent1"/>
+          </a:effectRef>
+          <a:fontRef idx="minor">
+            <a:schemeClr val="lt1"/>
+          </a:fontRef>
+        </p:style>
+        <p:txBody>
+          <a:bodyPr rtlCol="0" anchor="ctr"/>
+          <a:lstStyle/>
+          <a:p>
+            <a:pPr algn="ctr"/>
+            <a:endParaRPr lang="fr-CA"/>
+          </a:p>
+        </p:txBody>
+      </p:sp>
+      <p:sp>
+        <p:nvSpPr>
+          <p:cNvPr id="16" name="Rectangle 15">
+            <a:extLst>
+              <a:ext uri="{FF2B5EF4-FFF2-40B4-BE49-F238E27FC236}">
+                <a16:creationId xmlns:a16="http://schemas.microsoft.com/office/drawing/2014/main" id="{DF5015DF-83AC-4C58-AD9E-45CCE76CBC27}"/>
+              </a:ext>
+            </a:extLst>
+          </p:cNvPr>
+          <p:cNvSpPr/>
+          <p:nvPr/>
+        </p:nvSpPr>
+        <p:spPr>
+          <a:xfrm>
+            <a:off x="9166004" y="4931218"/>
+            <a:ext cx="2205316" cy="190501"/>
+          </a:xfrm>
+          <a:prstGeom prst="rect">
+            <a:avLst/>
+          </a:prstGeom>
+          <a:noFill/>
+          <a:ln w="57150">
+            <a:solidFill>
+              <a:schemeClr val="accent1"/>
+            </a:solidFill>
+          </a:ln>
+        </p:spPr>
+        <p:style>
+          <a:lnRef idx="2">
+            <a:schemeClr val="accent1">
+              <a:shade val="50000"/>
+            </a:schemeClr>
+          </a:lnRef>
+          <a:fillRef idx="1">
+            <a:schemeClr val="accent1"/>
+          </a:fillRef>
+          <a:effectRef idx="0">
+            <a:schemeClr val="accent1"/>
+          </a:effectRef>
+          <a:fontRef idx="minor">
+            <a:schemeClr val="lt1"/>
+          </a:fontRef>
+        </p:style>
+        <p:txBody>
+          <a:bodyPr rtlCol="0" anchor="ctr"/>
+          <a:lstStyle/>
+          <a:p>
+            <a:pPr algn="ctr"/>
+            <a:endParaRPr lang="fr-CA"/>
+          </a:p>
+        </p:txBody>
+      </p:sp>
+      <p:sp>
+        <p:nvSpPr>
+          <p:cNvPr id="17" name="Rectangle 16">
+            <a:extLst>
+              <a:ext uri="{FF2B5EF4-FFF2-40B4-BE49-F238E27FC236}">
+                <a16:creationId xmlns:a16="http://schemas.microsoft.com/office/drawing/2014/main" id="{90D396A2-4215-46A5-A88E-B6061C15E3D0}"/>
+              </a:ext>
+            </a:extLst>
+          </p:cNvPr>
+          <p:cNvSpPr/>
+          <p:nvPr/>
+        </p:nvSpPr>
+        <p:spPr>
+          <a:xfrm>
+            <a:off x="10291592" y="4504784"/>
+            <a:ext cx="1079728" cy="430548"/>
+          </a:xfrm>
+          <a:prstGeom prst="rect">
+            <a:avLst/>
+          </a:prstGeom>
+          <a:noFill/>
+          <a:ln w="57150">
+            <a:solidFill>
+              <a:schemeClr val="accent1"/>
+            </a:solidFill>
+          </a:ln>
+        </p:spPr>
+        <p:style>
+          <a:lnRef idx="2">
+            <a:schemeClr val="accent1">
+              <a:shade val="50000"/>
+            </a:schemeClr>
+          </a:lnRef>
+          <a:fillRef idx="1">
+            <a:schemeClr val="accent1"/>
+          </a:fillRef>
+          <a:effectRef idx="0">
+            <a:schemeClr val="accent1"/>
+          </a:effectRef>
+          <a:fontRef idx="minor">
+            <a:schemeClr val="lt1"/>
+          </a:fontRef>
+        </p:style>
+        <p:txBody>
+          <a:bodyPr rtlCol="0" anchor="ctr"/>
+          <a:lstStyle/>
+          <a:p>
+            <a:pPr algn="ctr"/>
+            <a:endParaRPr lang="fr-CA"/>
+          </a:p>
+        </p:txBody>
+      </p:sp>
+    </p:spTree>
+    <p:extLst>
+      <p:ext uri="{BB962C8B-B14F-4D97-AF65-F5344CB8AC3E}">
+        <p14:creationId xmlns:p14="http://schemas.microsoft.com/office/powerpoint/2010/main" val="3047782735"/>
+      </p:ext>
+    </p:extLst>
+  </p:cSld>
+  <p:clrMapOvr>
+    <a:masterClrMapping/>
+  </p:clrMapOvr>
+</p:sld>
+</file>
+
+<file path=ppt/slides/slide23.xml><?xml version="1.0" encoding="utf-8"?>
+<p:sld xmlns:a="http://schemas.openxmlformats.org/drawingml/2006/main" xmlns:r="http://schemas.openxmlformats.org/officeDocument/2006/relationships" xmlns:p="http://schemas.openxmlformats.org/presentationml/2006/main">
+  <p:cSld>
+    <p:spTree>
+      <p:nvGrpSpPr>
+        <p:cNvPr id="1" name=""/>
+        <p:cNvGrpSpPr/>
+        <p:nvPr/>
+      </p:nvGrpSpPr>
+      <p:grpSpPr>
+        <a:xfrm>
+          <a:off x="0" y="0"/>
+          <a:ext cx="0" cy="0"/>
+          <a:chOff x="0" y="0"/>
+          <a:chExt cx="0" cy="0"/>
+        </a:xfrm>
+      </p:grpSpPr>
+      <p:pic>
+        <p:nvPicPr>
+          <p:cNvPr id="2" name="Image 1">
+            <a:extLst>
+              <a:ext uri="{FF2B5EF4-FFF2-40B4-BE49-F238E27FC236}">
+                <a16:creationId xmlns:a16="http://schemas.microsoft.com/office/drawing/2014/main" id="{78036607-8DEA-4697-96FF-583BAF860658}"/>
+              </a:ext>
+            </a:extLst>
+          </p:cNvPr>
+          <p:cNvPicPr>
+            <a:picLocks noChangeAspect="1"/>
+          </p:cNvPicPr>
+          <p:nvPr/>
+        </p:nvPicPr>
+        <p:blipFill>
+          <a:blip r:embed="rId2"/>
+          <a:stretch>
+            <a:fillRect/>
+          </a:stretch>
+        </p:blipFill>
+        <p:spPr>
+          <a:xfrm>
+            <a:off x="5025519" y="5752950"/>
+            <a:ext cx="1943371" cy="990738"/>
+          </a:xfrm>
+          <a:prstGeom prst="rect">
+            <a:avLst/>
+          </a:prstGeom>
+        </p:spPr>
+      </p:pic>
+      <p:pic>
+        <p:nvPicPr>
+          <p:cNvPr id="3" name="Image 2">
+            <a:extLst>
+              <a:ext uri="{FF2B5EF4-FFF2-40B4-BE49-F238E27FC236}">
+                <a16:creationId xmlns:a16="http://schemas.microsoft.com/office/drawing/2014/main" id="{E5301AB1-B760-430C-95EF-6B2FECCD0892}"/>
+              </a:ext>
+            </a:extLst>
+          </p:cNvPr>
+          <p:cNvPicPr>
+            <a:picLocks noChangeAspect="1"/>
+          </p:cNvPicPr>
+          <p:nvPr/>
+        </p:nvPicPr>
+        <p:blipFill>
+          <a:blip r:embed="rId3"/>
+          <a:stretch>
+            <a:fillRect/>
+          </a:stretch>
+        </p:blipFill>
+        <p:spPr>
+          <a:xfrm>
+            <a:off x="9195921" y="0"/>
+            <a:ext cx="2600688" cy="5649113"/>
+          </a:xfrm>
+          <a:prstGeom prst="rect">
+            <a:avLst/>
+          </a:prstGeom>
+        </p:spPr>
+      </p:pic>
+      <p:pic>
+        <p:nvPicPr>
+          <p:cNvPr id="4" name="Image 3">
+            <a:extLst>
+              <a:ext uri="{FF2B5EF4-FFF2-40B4-BE49-F238E27FC236}">
+                <a16:creationId xmlns:a16="http://schemas.microsoft.com/office/drawing/2014/main" id="{2C447AC5-BBB8-4390-B0EF-C15E541C8344}"/>
+              </a:ext>
+            </a:extLst>
+          </p:cNvPr>
+          <p:cNvPicPr>
+            <a:picLocks noChangeAspect="1"/>
+          </p:cNvPicPr>
+          <p:nvPr/>
+        </p:nvPicPr>
+        <p:blipFill>
+          <a:blip r:embed="rId4"/>
+          <a:stretch>
+            <a:fillRect/>
+          </a:stretch>
+        </p:blipFill>
+        <p:spPr>
+          <a:xfrm>
+            <a:off x="666143" y="5790665"/>
+            <a:ext cx="1800476" cy="847843"/>
+          </a:xfrm>
+          <a:prstGeom prst="rect">
+            <a:avLst/>
+          </a:prstGeom>
+        </p:spPr>
+      </p:pic>
+      <p:pic>
+        <p:nvPicPr>
+          <p:cNvPr id="5" name="Image 4">
+            <a:extLst>
+              <a:ext uri="{FF2B5EF4-FFF2-40B4-BE49-F238E27FC236}">
+                <a16:creationId xmlns:a16="http://schemas.microsoft.com/office/drawing/2014/main" id="{BA583F60-E83F-4CC1-B5E5-E6CF57BB58C2}"/>
+              </a:ext>
+            </a:extLst>
+          </p:cNvPr>
+          <p:cNvPicPr>
+            <a:picLocks noChangeAspect="1"/>
+          </p:cNvPicPr>
+          <p:nvPr/>
+        </p:nvPicPr>
+        <p:blipFill>
+          <a:blip r:embed="rId5"/>
+          <a:stretch>
+            <a:fillRect/>
+          </a:stretch>
+        </p:blipFill>
+        <p:spPr>
+          <a:xfrm>
+            <a:off x="489865" y="37636"/>
+            <a:ext cx="2457793" cy="5611008"/>
+          </a:xfrm>
+          <a:prstGeom prst="rect">
+            <a:avLst/>
+          </a:prstGeom>
+        </p:spPr>
+      </p:pic>
+      <p:pic>
+        <p:nvPicPr>
+          <p:cNvPr id="6" name="Image 5">
+            <a:extLst>
+              <a:ext uri="{FF2B5EF4-FFF2-40B4-BE49-F238E27FC236}">
+                <a16:creationId xmlns:a16="http://schemas.microsoft.com/office/drawing/2014/main" id="{53B7D663-0818-4399-95A5-7F248979205B}"/>
+              </a:ext>
+            </a:extLst>
+          </p:cNvPr>
+          <p:cNvPicPr>
+            <a:picLocks noChangeAspect="1"/>
+          </p:cNvPicPr>
+          <p:nvPr/>
+        </p:nvPicPr>
+        <p:blipFill>
+          <a:blip r:embed="rId6"/>
+          <a:stretch>
+            <a:fillRect/>
+          </a:stretch>
+        </p:blipFill>
+        <p:spPr>
+          <a:xfrm>
+            <a:off x="9720626" y="5871638"/>
+            <a:ext cx="1800476" cy="828791"/>
+          </a:xfrm>
+          <a:prstGeom prst="rect">
+            <a:avLst/>
+          </a:prstGeom>
+        </p:spPr>
+      </p:pic>
+      <p:pic>
+        <p:nvPicPr>
+          <p:cNvPr id="7" name="Image 6">
+            <a:extLst>
+              <a:ext uri="{FF2B5EF4-FFF2-40B4-BE49-F238E27FC236}">
+                <a16:creationId xmlns:a16="http://schemas.microsoft.com/office/drawing/2014/main" id="{7AF6113A-04B7-4B35-A568-3816663A4676}"/>
+              </a:ext>
+            </a:extLst>
+          </p:cNvPr>
+          <p:cNvPicPr>
+            <a:picLocks noChangeAspect="1"/>
+          </p:cNvPicPr>
+          <p:nvPr/>
+        </p:nvPicPr>
+        <p:blipFill>
+          <a:blip r:embed="rId7"/>
+          <a:stretch>
+            <a:fillRect/>
+          </a:stretch>
+        </p:blipFill>
+        <p:spPr>
+          <a:xfrm>
+            <a:off x="4724227" y="85737"/>
+            <a:ext cx="2457793" cy="5563376"/>
+          </a:xfrm>
+          <a:prstGeom prst="rect">
+            <a:avLst/>
+          </a:prstGeom>
+        </p:spPr>
+      </p:pic>
+      <p:sp>
+        <p:nvSpPr>
+          <p:cNvPr id="8" name="Rectangle 7">
+            <a:extLst>
+              <a:ext uri="{FF2B5EF4-FFF2-40B4-BE49-F238E27FC236}">
+                <a16:creationId xmlns:a16="http://schemas.microsoft.com/office/drawing/2014/main" id="{A6DAFB3D-6E7E-4F5D-8007-09A260B9C1BD}"/>
+              </a:ext>
+            </a:extLst>
+          </p:cNvPr>
+          <p:cNvSpPr/>
+          <p:nvPr/>
+        </p:nvSpPr>
+        <p:spPr>
+          <a:xfrm>
+            <a:off x="742343" y="5334548"/>
+            <a:ext cx="2205316" cy="217288"/>
+          </a:xfrm>
+          <a:prstGeom prst="rect">
+            <a:avLst/>
+          </a:prstGeom>
+          <a:noFill/>
+          <a:ln w="57150">
+            <a:solidFill>
+              <a:schemeClr val="accent1"/>
+            </a:solidFill>
+          </a:ln>
+        </p:spPr>
+        <p:style>
+          <a:lnRef idx="2">
+            <a:schemeClr val="accent1">
+              <a:shade val="50000"/>
+            </a:schemeClr>
+          </a:lnRef>
+          <a:fillRef idx="1">
+            <a:schemeClr val="accent1"/>
+          </a:fillRef>
+          <a:effectRef idx="0">
+            <a:schemeClr val="accent1"/>
+          </a:effectRef>
+          <a:fontRef idx="minor">
+            <a:schemeClr val="lt1"/>
+          </a:fontRef>
+        </p:style>
+        <p:txBody>
+          <a:bodyPr rtlCol="0" anchor="ctr"/>
+          <a:lstStyle/>
+          <a:p>
+            <a:pPr algn="ctr"/>
+            <a:endParaRPr lang="fr-CA"/>
+          </a:p>
+        </p:txBody>
+      </p:sp>
+      <p:sp>
+        <p:nvSpPr>
+          <p:cNvPr id="9" name="Rectangle 8">
+            <a:extLst>
+              <a:ext uri="{FF2B5EF4-FFF2-40B4-BE49-F238E27FC236}">
+                <a16:creationId xmlns:a16="http://schemas.microsoft.com/office/drawing/2014/main" id="{9F8718C2-8A5D-438A-8FE1-41CE9E8B83CA}"/>
+              </a:ext>
+            </a:extLst>
+          </p:cNvPr>
+          <p:cNvSpPr/>
+          <p:nvPr/>
+        </p:nvSpPr>
+        <p:spPr>
+          <a:xfrm>
+            <a:off x="5025519" y="5359948"/>
+            <a:ext cx="2205316" cy="217288"/>
+          </a:xfrm>
+          <a:prstGeom prst="rect">
+            <a:avLst/>
+          </a:prstGeom>
+          <a:noFill/>
+          <a:ln w="57150">
+            <a:solidFill>
+              <a:schemeClr val="accent1"/>
+            </a:solidFill>
+          </a:ln>
+        </p:spPr>
+        <p:style>
+          <a:lnRef idx="2">
+            <a:schemeClr val="accent1">
+              <a:shade val="50000"/>
+            </a:schemeClr>
+          </a:lnRef>
+          <a:fillRef idx="1">
+            <a:schemeClr val="accent1"/>
+          </a:fillRef>
+          <a:effectRef idx="0">
+            <a:schemeClr val="accent1"/>
+          </a:effectRef>
+          <a:fontRef idx="minor">
+            <a:schemeClr val="lt1"/>
+          </a:fontRef>
+        </p:style>
+        <p:txBody>
+          <a:bodyPr rtlCol="0" anchor="ctr"/>
+          <a:lstStyle/>
+          <a:p>
+            <a:pPr algn="ctr"/>
+            <a:endParaRPr lang="fr-CA"/>
+          </a:p>
+        </p:txBody>
+      </p:sp>
+      <p:sp>
+        <p:nvSpPr>
+          <p:cNvPr id="10" name="Rectangle 9">
+            <a:extLst>
+              <a:ext uri="{FF2B5EF4-FFF2-40B4-BE49-F238E27FC236}">
+                <a16:creationId xmlns:a16="http://schemas.microsoft.com/office/drawing/2014/main" id="{A34FAEA8-1AB6-44DD-9E66-9088CF093AE8}"/>
+              </a:ext>
+            </a:extLst>
+          </p:cNvPr>
+          <p:cNvSpPr/>
+          <p:nvPr/>
+        </p:nvSpPr>
+        <p:spPr>
+          <a:xfrm>
+            <a:off x="9518206" y="5303078"/>
+            <a:ext cx="2205316" cy="217288"/>
+          </a:xfrm>
+          <a:prstGeom prst="rect">
+            <a:avLst/>
+          </a:prstGeom>
+          <a:noFill/>
+          <a:ln w="57150">
+            <a:solidFill>
+              <a:schemeClr val="accent1"/>
+            </a:solidFill>
+          </a:ln>
+        </p:spPr>
+        <p:style>
+          <a:lnRef idx="2">
+            <a:schemeClr val="accent1">
+              <a:shade val="50000"/>
+            </a:schemeClr>
+          </a:lnRef>
+          <a:fillRef idx="1">
+            <a:schemeClr val="accent1"/>
+          </a:fillRef>
+          <a:effectRef idx="0">
+            <a:schemeClr val="accent1"/>
+          </a:effectRef>
+          <a:fontRef idx="minor">
+            <a:schemeClr val="lt1"/>
+          </a:fontRef>
+        </p:style>
+        <p:txBody>
+          <a:bodyPr rtlCol="0" anchor="ctr"/>
+          <a:lstStyle/>
+          <a:p>
+            <a:pPr algn="ctr"/>
+            <a:endParaRPr lang="fr-CA"/>
+          </a:p>
+        </p:txBody>
+      </p:sp>
+    </p:spTree>
+    <p:extLst>
+      <p:ext uri="{BB962C8B-B14F-4D97-AF65-F5344CB8AC3E}">
+        <p14:creationId xmlns:p14="http://schemas.microsoft.com/office/powerpoint/2010/main" val="4053886846"/>
       </p:ext>
     </p:extLst>
   </p:cSld>
@@ -4528,6 +9897,104 @@
           </a:prstGeom>
         </p:spPr>
       </p:pic>
+      <p:sp>
+        <p:nvSpPr>
+          <p:cNvPr id="2" name="Flèche : droite 1">
+            <a:extLst>
+              <a:ext uri="{FF2B5EF4-FFF2-40B4-BE49-F238E27FC236}">
+                <a16:creationId xmlns:a16="http://schemas.microsoft.com/office/drawing/2014/main" id="{C5569F20-44E0-492B-953F-DC3883B91455}"/>
+              </a:ext>
+            </a:extLst>
+          </p:cNvPr>
+          <p:cNvSpPr/>
+          <p:nvPr/>
+        </p:nvSpPr>
+        <p:spPr>
+          <a:xfrm>
+            <a:off x="5286894" y="3426517"/>
+            <a:ext cx="3599411" cy="731520"/>
+          </a:xfrm>
+          <a:prstGeom prst="rightArrow">
+            <a:avLst/>
+          </a:prstGeom>
+          <a:ln>
+            <a:noFill/>
+          </a:ln>
+        </p:spPr>
+        <p:style>
+          <a:lnRef idx="2">
+            <a:schemeClr val="accent1">
+              <a:shade val="50000"/>
+            </a:schemeClr>
+          </a:lnRef>
+          <a:fillRef idx="1">
+            <a:schemeClr val="accent1"/>
+          </a:fillRef>
+          <a:effectRef idx="0">
+            <a:schemeClr val="accent1"/>
+          </a:effectRef>
+          <a:fontRef idx="minor">
+            <a:schemeClr val="lt1"/>
+          </a:fontRef>
+        </p:style>
+        <p:txBody>
+          <a:bodyPr rtlCol="0" anchor="ctr"/>
+          <a:lstStyle/>
+          <a:p>
+            <a:pPr algn="ctr"/>
+            <a:endParaRPr lang="fr-CA"/>
+          </a:p>
+        </p:txBody>
+      </p:sp>
+      <p:sp>
+        <p:nvSpPr>
+          <p:cNvPr id="6" name="Ellipse 5">
+            <a:extLst>
+              <a:ext uri="{FF2B5EF4-FFF2-40B4-BE49-F238E27FC236}">
+                <a16:creationId xmlns:a16="http://schemas.microsoft.com/office/drawing/2014/main" id="{4A58E060-4BD5-4768-8558-A4EBF84CE83A}"/>
+              </a:ext>
+            </a:extLst>
+          </p:cNvPr>
+          <p:cNvSpPr/>
+          <p:nvPr/>
+        </p:nvSpPr>
+        <p:spPr>
+          <a:xfrm>
+            <a:off x="2285999" y="4339243"/>
+            <a:ext cx="374073" cy="374073"/>
+          </a:xfrm>
+          <a:prstGeom prst="ellipse">
+            <a:avLst/>
+          </a:prstGeom>
+        </p:spPr>
+        <p:style>
+          <a:lnRef idx="2">
+            <a:schemeClr val="accent1">
+              <a:shade val="50000"/>
+            </a:schemeClr>
+          </a:lnRef>
+          <a:fillRef idx="1">
+            <a:schemeClr val="accent1"/>
+          </a:fillRef>
+          <a:effectRef idx="0">
+            <a:schemeClr val="accent1"/>
+          </a:effectRef>
+          <a:fontRef idx="minor">
+            <a:schemeClr val="lt1"/>
+          </a:fontRef>
+        </p:style>
+        <p:txBody>
+          <a:bodyPr rtlCol="0" anchor="ctr"/>
+          <a:lstStyle/>
+          <a:p>
+            <a:pPr algn="ctr"/>
+            <a:r>
+              <a:rPr lang="fr-CA" dirty="0"/>
+              <a:t>1</a:t>
+            </a:r>
+          </a:p>
+        </p:txBody>
+      </p:sp>
     </p:spTree>
     <p:extLst>
       <p:ext uri="{BB962C8B-B14F-4D97-AF65-F5344CB8AC3E}">
@@ -4594,6 +10061,104 @@
           </a:prstGeom>
         </p:spPr>
       </p:pic>
+      <p:sp>
+        <p:nvSpPr>
+          <p:cNvPr id="4" name="Ellipse 3">
+            <a:extLst>
+              <a:ext uri="{FF2B5EF4-FFF2-40B4-BE49-F238E27FC236}">
+                <a16:creationId xmlns:a16="http://schemas.microsoft.com/office/drawing/2014/main" id="{1615C3A5-5B63-4317-9554-513CAE3D779C}"/>
+              </a:ext>
+            </a:extLst>
+          </p:cNvPr>
+          <p:cNvSpPr/>
+          <p:nvPr/>
+        </p:nvSpPr>
+        <p:spPr>
+          <a:xfrm>
+            <a:off x="2360815" y="2252748"/>
+            <a:ext cx="374073" cy="374073"/>
+          </a:xfrm>
+          <a:prstGeom prst="ellipse">
+            <a:avLst/>
+          </a:prstGeom>
+        </p:spPr>
+        <p:style>
+          <a:lnRef idx="2">
+            <a:schemeClr val="accent1">
+              <a:shade val="50000"/>
+            </a:schemeClr>
+          </a:lnRef>
+          <a:fillRef idx="1">
+            <a:schemeClr val="accent1"/>
+          </a:fillRef>
+          <a:effectRef idx="0">
+            <a:schemeClr val="accent1"/>
+          </a:effectRef>
+          <a:fontRef idx="minor">
+            <a:schemeClr val="lt1"/>
+          </a:fontRef>
+        </p:style>
+        <p:txBody>
+          <a:bodyPr rtlCol="0" anchor="ctr"/>
+          <a:lstStyle/>
+          <a:p>
+            <a:pPr algn="ctr"/>
+            <a:r>
+              <a:rPr lang="fr-CA" dirty="0"/>
+              <a:t>1</a:t>
+            </a:r>
+          </a:p>
+        </p:txBody>
+      </p:sp>
+      <p:sp>
+        <p:nvSpPr>
+          <p:cNvPr id="5" name="Ellipse 4">
+            <a:extLst>
+              <a:ext uri="{FF2B5EF4-FFF2-40B4-BE49-F238E27FC236}">
+                <a16:creationId xmlns:a16="http://schemas.microsoft.com/office/drawing/2014/main" id="{3982503C-E933-4F9F-8C7D-D54132F24F9F}"/>
+              </a:ext>
+            </a:extLst>
+          </p:cNvPr>
+          <p:cNvSpPr/>
+          <p:nvPr/>
+        </p:nvSpPr>
+        <p:spPr>
+          <a:xfrm>
+            <a:off x="6819208" y="2252748"/>
+            <a:ext cx="374073" cy="374073"/>
+          </a:xfrm>
+          <a:prstGeom prst="ellipse">
+            <a:avLst/>
+          </a:prstGeom>
+        </p:spPr>
+        <p:style>
+          <a:lnRef idx="2">
+            <a:schemeClr val="accent1">
+              <a:shade val="50000"/>
+            </a:schemeClr>
+          </a:lnRef>
+          <a:fillRef idx="1">
+            <a:schemeClr val="accent1"/>
+          </a:fillRef>
+          <a:effectRef idx="0">
+            <a:schemeClr val="accent1"/>
+          </a:effectRef>
+          <a:fontRef idx="minor">
+            <a:schemeClr val="lt1"/>
+          </a:fontRef>
+        </p:style>
+        <p:txBody>
+          <a:bodyPr rtlCol="0" anchor="ctr"/>
+          <a:lstStyle/>
+          <a:p>
+            <a:pPr algn="ctr"/>
+            <a:r>
+              <a:rPr lang="fr-CA" dirty="0"/>
+              <a:t>2</a:t>
+            </a:r>
+          </a:p>
+        </p:txBody>
+      </p:sp>
     </p:spTree>
     <p:extLst>
       <p:ext uri="{BB962C8B-B14F-4D97-AF65-F5344CB8AC3E}">
@@ -4726,6 +10291,202 @@
           </a:prstGeom>
         </p:spPr>
       </p:pic>
+      <p:sp>
+        <p:nvSpPr>
+          <p:cNvPr id="4" name="Ellipse 3">
+            <a:extLst>
+              <a:ext uri="{FF2B5EF4-FFF2-40B4-BE49-F238E27FC236}">
+                <a16:creationId xmlns:a16="http://schemas.microsoft.com/office/drawing/2014/main" id="{78C402B1-509B-4B7A-89E9-5CF24643F4FE}"/>
+              </a:ext>
+            </a:extLst>
+          </p:cNvPr>
+          <p:cNvSpPr/>
+          <p:nvPr/>
+        </p:nvSpPr>
+        <p:spPr>
+          <a:xfrm>
+            <a:off x="1587732" y="4621875"/>
+            <a:ext cx="374073" cy="374073"/>
+          </a:xfrm>
+          <a:prstGeom prst="ellipse">
+            <a:avLst/>
+          </a:prstGeom>
+        </p:spPr>
+        <p:style>
+          <a:lnRef idx="2">
+            <a:schemeClr val="accent1">
+              <a:shade val="50000"/>
+            </a:schemeClr>
+          </a:lnRef>
+          <a:fillRef idx="1">
+            <a:schemeClr val="accent1"/>
+          </a:fillRef>
+          <a:effectRef idx="0">
+            <a:schemeClr val="accent1"/>
+          </a:effectRef>
+          <a:fontRef idx="minor">
+            <a:schemeClr val="lt1"/>
+          </a:fontRef>
+        </p:style>
+        <p:txBody>
+          <a:bodyPr rtlCol="0" anchor="ctr"/>
+          <a:lstStyle/>
+          <a:p>
+            <a:pPr algn="ctr"/>
+            <a:r>
+              <a:rPr lang="fr-CA" dirty="0"/>
+              <a:t>1</a:t>
+            </a:r>
+          </a:p>
+        </p:txBody>
+      </p:sp>
+      <p:sp>
+        <p:nvSpPr>
+          <p:cNvPr id="7" name="Flèche : droite 6">
+            <a:extLst>
+              <a:ext uri="{FF2B5EF4-FFF2-40B4-BE49-F238E27FC236}">
+                <a16:creationId xmlns:a16="http://schemas.microsoft.com/office/drawing/2014/main" id="{452811CB-FD76-491E-9A9F-23C7B7116788}"/>
+              </a:ext>
+            </a:extLst>
+          </p:cNvPr>
+          <p:cNvSpPr/>
+          <p:nvPr/>
+        </p:nvSpPr>
+        <p:spPr>
+          <a:xfrm rot="10800000">
+            <a:off x="8849243" y="3941905"/>
+            <a:ext cx="1330037" cy="422276"/>
+          </a:xfrm>
+          <a:prstGeom prst="rightArrow">
+            <a:avLst/>
+          </a:prstGeom>
+          <a:ln>
+            <a:noFill/>
+          </a:ln>
+        </p:spPr>
+        <p:style>
+          <a:lnRef idx="2">
+            <a:schemeClr val="accent1">
+              <a:shade val="50000"/>
+            </a:schemeClr>
+          </a:lnRef>
+          <a:fillRef idx="1">
+            <a:schemeClr val="accent1"/>
+          </a:fillRef>
+          <a:effectRef idx="0">
+            <a:schemeClr val="accent1"/>
+          </a:effectRef>
+          <a:fontRef idx="minor">
+            <a:schemeClr val="lt1"/>
+          </a:fontRef>
+        </p:style>
+        <p:txBody>
+          <a:bodyPr rtlCol="0" anchor="ctr"/>
+          <a:lstStyle/>
+          <a:p>
+            <a:pPr algn="ctr"/>
+            <a:endParaRPr lang="fr-CA"/>
+          </a:p>
+        </p:txBody>
+      </p:sp>
+      <p:sp>
+        <p:nvSpPr>
+          <p:cNvPr id="8" name="Flèche : droite 7">
+            <a:extLst>
+              <a:ext uri="{FF2B5EF4-FFF2-40B4-BE49-F238E27FC236}">
+                <a16:creationId xmlns:a16="http://schemas.microsoft.com/office/drawing/2014/main" id="{D79F6A4F-88EB-4C6F-ADBF-C5F2508EFA78}"/>
+              </a:ext>
+            </a:extLst>
+          </p:cNvPr>
+          <p:cNvSpPr/>
+          <p:nvPr/>
+        </p:nvSpPr>
+        <p:spPr>
+          <a:xfrm rot="3600000">
+            <a:off x="11583904" y="3857683"/>
+            <a:ext cx="440233" cy="139645"/>
+          </a:xfrm>
+          <a:prstGeom prst="rightArrow">
+            <a:avLst/>
+          </a:prstGeom>
+          <a:ln>
+            <a:noFill/>
+          </a:ln>
+        </p:spPr>
+        <p:style>
+          <a:lnRef idx="2">
+            <a:schemeClr val="accent1">
+              <a:shade val="50000"/>
+            </a:schemeClr>
+          </a:lnRef>
+          <a:fillRef idx="1">
+            <a:schemeClr val="accent1"/>
+          </a:fillRef>
+          <a:effectRef idx="0">
+            <a:schemeClr val="accent1"/>
+          </a:effectRef>
+          <a:fontRef idx="minor">
+            <a:schemeClr val="lt1"/>
+          </a:fontRef>
+        </p:style>
+        <p:txBody>
+          <a:bodyPr rtlCol="0" anchor="ctr"/>
+          <a:lstStyle/>
+          <a:p>
+            <a:pPr algn="ctr"/>
+            <a:endParaRPr lang="fr-CA"/>
+          </a:p>
+        </p:txBody>
+      </p:sp>
+      <p:sp>
+        <p:nvSpPr>
+          <p:cNvPr id="5" name="Ellipse 4">
+            <a:extLst>
+              <a:ext uri="{FF2B5EF4-FFF2-40B4-BE49-F238E27FC236}">
+                <a16:creationId xmlns:a16="http://schemas.microsoft.com/office/drawing/2014/main" id="{7B2BE280-4D93-4187-BF27-83C7F533BCF7}"/>
+              </a:ext>
+            </a:extLst>
+          </p:cNvPr>
+          <p:cNvSpPr/>
+          <p:nvPr/>
+        </p:nvSpPr>
+        <p:spPr>
+          <a:xfrm>
+            <a:off x="11474336" y="3429000"/>
+            <a:ext cx="374073" cy="374073"/>
+          </a:xfrm>
+          <a:prstGeom prst="ellipse">
+            <a:avLst/>
+          </a:prstGeom>
+        </p:spPr>
+        <p:style>
+          <a:lnRef idx="2">
+            <a:schemeClr val="accent1">
+              <a:shade val="50000"/>
+            </a:schemeClr>
+          </a:lnRef>
+          <a:fillRef idx="1">
+            <a:schemeClr val="accent1"/>
+          </a:fillRef>
+          <a:effectRef idx="0">
+            <a:schemeClr val="accent1"/>
+          </a:effectRef>
+          <a:fontRef idx="minor">
+            <a:schemeClr val="lt1"/>
+          </a:fontRef>
+        </p:style>
+        <p:txBody>
+          <a:bodyPr rtlCol="0" anchor="ctr"/>
+          <a:lstStyle/>
+          <a:p>
+            <a:pPr algn="ctr"/>
+            <a:r>
+              <a:rPr lang="fr-CA" dirty="0"/>
+              <a:t>2</a:t>
+            </a:r>
+          </a:p>
+        </p:txBody>
+      </p:sp>
     </p:spTree>
     <p:extLst>
       <p:ext uri="{BB962C8B-B14F-4D97-AF65-F5344CB8AC3E}">
@@ -4792,6 +10553,107 @@
           </a:prstGeom>
         </p:spPr>
       </p:pic>
+      <p:sp>
+        <p:nvSpPr>
+          <p:cNvPr id="4" name="Ellipse 3">
+            <a:extLst>
+              <a:ext uri="{FF2B5EF4-FFF2-40B4-BE49-F238E27FC236}">
+                <a16:creationId xmlns:a16="http://schemas.microsoft.com/office/drawing/2014/main" id="{6C3446E4-4FC3-48B7-BF92-748D4F78B112}"/>
+              </a:ext>
+            </a:extLst>
+          </p:cNvPr>
+          <p:cNvSpPr/>
+          <p:nvPr/>
+        </p:nvSpPr>
+        <p:spPr>
+          <a:xfrm>
+            <a:off x="4172990" y="2552006"/>
+            <a:ext cx="374073" cy="374073"/>
+          </a:xfrm>
+          <a:prstGeom prst="ellipse">
+            <a:avLst/>
+          </a:prstGeom>
+        </p:spPr>
+        <p:style>
+          <a:lnRef idx="2">
+            <a:schemeClr val="accent1">
+              <a:shade val="50000"/>
+            </a:schemeClr>
+          </a:lnRef>
+          <a:fillRef idx="1">
+            <a:schemeClr val="accent1"/>
+          </a:fillRef>
+          <a:effectRef idx="0">
+            <a:schemeClr val="accent1"/>
+          </a:effectRef>
+          <a:fontRef idx="minor">
+            <a:schemeClr val="lt1"/>
+          </a:fontRef>
+        </p:style>
+        <p:txBody>
+          <a:bodyPr rtlCol="0" anchor="ctr"/>
+          <a:lstStyle/>
+          <a:p>
+            <a:pPr algn="ctr"/>
+            <a:r>
+              <a:rPr lang="fr-CA" dirty="0"/>
+              <a:t>1</a:t>
+            </a:r>
+          </a:p>
+        </p:txBody>
+      </p:sp>
+      <p:sp>
+        <p:nvSpPr>
+          <p:cNvPr id="5" name="Rectangle 4">
+            <a:extLst>
+              <a:ext uri="{FF2B5EF4-FFF2-40B4-BE49-F238E27FC236}">
+                <a16:creationId xmlns:a16="http://schemas.microsoft.com/office/drawing/2014/main" id="{AED415E8-EE3C-4336-AFA7-255718234FB5}"/>
+              </a:ext>
+            </a:extLst>
+          </p:cNvPr>
+          <p:cNvSpPr/>
+          <p:nvPr/>
+        </p:nvSpPr>
+        <p:spPr>
+          <a:xfrm>
+            <a:off x="11309863" y="5648102"/>
+            <a:ext cx="344582" cy="278873"/>
+          </a:xfrm>
+          <a:prstGeom prst="rect">
+            <a:avLst/>
+          </a:prstGeom>
+          <a:noFill/>
+          <a:ln w="57150">
+            <a:solidFill>
+              <a:schemeClr val="accent1"/>
+            </a:solidFill>
+          </a:ln>
+        </p:spPr>
+        <p:style>
+          <a:lnRef idx="2">
+            <a:schemeClr val="accent1">
+              <a:shade val="50000"/>
+            </a:schemeClr>
+          </a:lnRef>
+          <a:fillRef idx="1">
+            <a:schemeClr val="accent1"/>
+          </a:fillRef>
+          <a:effectRef idx="0">
+            <a:schemeClr val="accent1"/>
+          </a:effectRef>
+          <a:fontRef idx="minor">
+            <a:schemeClr val="lt1"/>
+          </a:fontRef>
+        </p:style>
+        <p:txBody>
+          <a:bodyPr rtlCol="0" anchor="ctr"/>
+          <a:lstStyle/>
+          <a:p>
+            <a:pPr algn="ctr"/>
+            <a:endParaRPr lang="fr-CA"/>
+          </a:p>
+        </p:txBody>
+      </p:sp>
     </p:spTree>
     <p:extLst>
       <p:ext uri="{BB962C8B-B14F-4D97-AF65-F5344CB8AC3E}">
@@ -4858,6 +10720,55 @@
           </a:prstGeom>
         </p:spPr>
       </p:pic>
+      <p:sp>
+        <p:nvSpPr>
+          <p:cNvPr id="4" name="Ellipse 3">
+            <a:extLst>
+              <a:ext uri="{FF2B5EF4-FFF2-40B4-BE49-F238E27FC236}">
+                <a16:creationId xmlns:a16="http://schemas.microsoft.com/office/drawing/2014/main" id="{C80E846C-86A6-4FC7-BDA5-A05DE28F7BB8}"/>
+              </a:ext>
+            </a:extLst>
+          </p:cNvPr>
+          <p:cNvSpPr/>
+          <p:nvPr/>
+        </p:nvSpPr>
+        <p:spPr>
+          <a:xfrm>
+            <a:off x="6095999" y="2527068"/>
+            <a:ext cx="374073" cy="374073"/>
+          </a:xfrm>
+          <a:prstGeom prst="ellipse">
+            <a:avLst/>
+          </a:prstGeom>
+        </p:spPr>
+        <p:style>
+          <a:lnRef idx="2">
+            <a:schemeClr val="accent1">
+              <a:shade val="50000"/>
+            </a:schemeClr>
+          </a:lnRef>
+          <a:fillRef idx="1">
+            <a:schemeClr val="accent1"/>
+          </a:fillRef>
+          <a:effectRef idx="0">
+            <a:schemeClr val="accent1"/>
+          </a:effectRef>
+          <a:fontRef idx="minor">
+            <a:schemeClr val="lt1"/>
+          </a:fontRef>
+        </p:style>
+        <p:txBody>
+          <a:bodyPr rtlCol="0" anchor="ctr"/>
+          <a:lstStyle/>
+          <a:p>
+            <a:pPr algn="ctr"/>
+            <a:r>
+              <a:rPr lang="fr-CA" dirty="0"/>
+              <a:t>1</a:t>
+            </a:r>
+          </a:p>
+        </p:txBody>
+      </p:sp>
     </p:spTree>
     <p:extLst>
       <p:ext uri="{BB962C8B-B14F-4D97-AF65-F5344CB8AC3E}">
@@ -4924,6 +10835,107 @@
           </a:prstGeom>
         </p:spPr>
       </p:pic>
+      <p:sp>
+        <p:nvSpPr>
+          <p:cNvPr id="4" name="Rectangle 3">
+            <a:extLst>
+              <a:ext uri="{FF2B5EF4-FFF2-40B4-BE49-F238E27FC236}">
+                <a16:creationId xmlns:a16="http://schemas.microsoft.com/office/drawing/2014/main" id="{0BB61B2E-E9C5-4D4D-8DC4-42048B8378D8}"/>
+              </a:ext>
+            </a:extLst>
+          </p:cNvPr>
+          <p:cNvSpPr/>
+          <p:nvPr/>
+        </p:nvSpPr>
+        <p:spPr>
+          <a:xfrm>
+            <a:off x="5441077" y="2597331"/>
+            <a:ext cx="6180116" cy="2332116"/>
+          </a:xfrm>
+          <a:prstGeom prst="rect">
+            <a:avLst/>
+          </a:prstGeom>
+          <a:noFill/>
+          <a:ln w="57150">
+            <a:solidFill>
+              <a:schemeClr val="accent1"/>
+            </a:solidFill>
+          </a:ln>
+        </p:spPr>
+        <p:style>
+          <a:lnRef idx="2">
+            <a:schemeClr val="accent1">
+              <a:shade val="50000"/>
+            </a:schemeClr>
+          </a:lnRef>
+          <a:fillRef idx="1">
+            <a:schemeClr val="accent1"/>
+          </a:fillRef>
+          <a:effectRef idx="0">
+            <a:schemeClr val="accent1"/>
+          </a:effectRef>
+          <a:fontRef idx="minor">
+            <a:schemeClr val="lt1"/>
+          </a:fontRef>
+        </p:style>
+        <p:txBody>
+          <a:bodyPr rtlCol="0" anchor="ctr"/>
+          <a:lstStyle/>
+          <a:p>
+            <a:pPr algn="ctr"/>
+            <a:endParaRPr lang="fr-CA"/>
+          </a:p>
+        </p:txBody>
+      </p:sp>
+      <p:sp>
+        <p:nvSpPr>
+          <p:cNvPr id="6" name="Ellipse 5">
+            <a:extLst>
+              <a:ext uri="{FF2B5EF4-FFF2-40B4-BE49-F238E27FC236}">
+                <a16:creationId xmlns:a16="http://schemas.microsoft.com/office/drawing/2014/main" id="{2FCB3873-02C2-48BA-A50B-0B6FACD0ED89}"/>
+              </a:ext>
+            </a:extLst>
+          </p:cNvPr>
+          <p:cNvSpPr/>
+          <p:nvPr/>
+        </p:nvSpPr>
+        <p:spPr>
+          <a:xfrm>
+            <a:off x="6744392" y="3487189"/>
+            <a:ext cx="374073" cy="374073"/>
+          </a:xfrm>
+          <a:prstGeom prst="ellipse">
+            <a:avLst/>
+          </a:prstGeom>
+        </p:spPr>
+        <p:style>
+          <a:lnRef idx="2">
+            <a:schemeClr val="accent1">
+              <a:shade val="50000"/>
+            </a:schemeClr>
+          </a:lnRef>
+          <a:fillRef idx="1">
+            <a:schemeClr val="accent1"/>
+          </a:fillRef>
+          <a:effectRef idx="0">
+            <a:schemeClr val="accent1"/>
+          </a:effectRef>
+          <a:fontRef idx="minor">
+            <a:schemeClr val="lt1"/>
+          </a:fontRef>
+        </p:style>
+        <p:txBody>
+          <a:bodyPr rtlCol="0" anchor="ctr"/>
+          <a:lstStyle/>
+          <a:p>
+            <a:pPr algn="ctr"/>
+            <a:r>
+              <a:rPr lang="fr-CA" dirty="0"/>
+              <a:t>1</a:t>
+            </a:r>
+          </a:p>
+        </p:txBody>
+      </p:sp>
     </p:spTree>
     <p:extLst>
       <p:ext uri="{BB962C8B-B14F-4D97-AF65-F5344CB8AC3E}">
@@ -4940,7 +10952,7 @@
 <file path=ppt/theme/theme1.xml><?xml version="1.0" encoding="utf-8"?>
 <a:theme xmlns:a="http://schemas.openxmlformats.org/drawingml/2006/main" name="Thème Office">
   <a:themeElements>
-    <a:clrScheme name="Office">
+    <a:clrScheme name="Rouge violet">
       <a:dk1>
         <a:sysClr val="windowText" lastClr="000000"/>
       </a:dk1>
@@ -4948,34 +10960,34 @@
         <a:sysClr val="window" lastClr="FFFFFF"/>
       </a:lt1>
       <a:dk2>
-        <a:srgbClr val="44546A"/>
+        <a:srgbClr val="454551"/>
       </a:dk2>
       <a:lt2>
-        <a:srgbClr val="E7E6E6"/>
+        <a:srgbClr val="D8D9DC"/>
       </a:lt2>
       <a:accent1>
-        <a:srgbClr val="4472C4"/>
+        <a:srgbClr val="E32D91"/>
       </a:accent1>
       <a:accent2>
-        <a:srgbClr val="ED7D31"/>
+        <a:srgbClr val="C830CC"/>
       </a:accent2>
       <a:accent3>
-        <a:srgbClr val="A5A5A5"/>
+        <a:srgbClr val="4EA6DC"/>
       </a:accent3>
       <a:accent4>
-        <a:srgbClr val="FFC000"/>
+        <a:srgbClr val="4775E7"/>
       </a:accent4>
       <a:accent5>
-        <a:srgbClr val="5B9BD5"/>
+        <a:srgbClr val="8971E1"/>
       </a:accent5>
       <a:accent6>
-        <a:srgbClr val="70AD47"/>
+        <a:srgbClr val="D54773"/>
       </a:accent6>
       <a:hlink>
-        <a:srgbClr val="0563C1"/>
+        <a:srgbClr val="6B9F25"/>
       </a:hlink>
       <a:folHlink>
-        <a:srgbClr val="954F72"/>
+        <a:srgbClr val="8C8C8C"/>
       </a:folHlink>
     </a:clrScheme>
     <a:fontScheme name="Office">
